--- a/Credit_Risk_Modeling/Slides_Credit_Risk_Modeling_Workshop_EN.pptx
+++ b/Credit_Risk_Modeling/Slides_Credit_Risk_Modeling_Workshop_EN.pptx
@@ -27,13 +27,13 @@
   <p:sldSz cx="9144000" cy="5143500" type="screen16x9"/>
   <p:notesSz cx="7099300" cy="10234613"/>
   <p:custDataLst>
+    <p:custData r:id="rId3"/>
+    <p:custData r:id="rId7"/>
+    <p:custData r:id="rId1"/>
+    <p:custData r:id="rId4"/>
     <p:custData r:id="rId2"/>
-    <p:custData r:id="rId4"/>
-    <p:custData r:id="rId3"/>
-    <p:custData r:id="rId1"/>
-    <p:custData r:id="rId7"/>
+    <p:custData r:id="rId6"/>
     <p:custData r:id="rId5"/>
-    <p:custData r:id="rId6"/>
   </p:custDataLst>
   <p:defaultTextStyle>
     <a:defPPr>
@@ -271,7 +271,7 @@
             <a:fld id="{AA48851D-549D-4785-8040-D1740898315D}" type="datetime1">
               <a:rPr lang="de-CH" smtClean="0"/>
               <a:pPr/>
-              <a:t>04.07.2021</a:t>
+              <a:t>06.07.2021</a:t>
             </a:fld>
             <a:endParaRPr lang="fr-FR" dirty="0"/>
           </a:p>
@@ -438,7 +438,7 @@
             <a:fld id="{1C03A998-303B-4F86-9947-A49AF14B2D3A}" type="datetimeFigureOut">
               <a:rPr lang="fr-FR" smtClean="0"/>
               <a:pPr/>
-              <a:t>04/07/2021</a:t>
+              <a:t>06/07/2021</a:t>
             </a:fld>
             <a:endParaRPr lang="fr-FR" dirty="0"/>
           </a:p>
@@ -11784,7 +11784,7 @@
           <p:nvPr>
             <p:extLst>
               <p:ext uri="{D42A27DB-BD31-4B8C-83A1-F6EECF244321}">
-                <p14:modId xmlns:p14="http://schemas.microsoft.com/office/powerpoint/2010/main" val="2409247722"/>
+                <p14:modId xmlns:p14="http://schemas.microsoft.com/office/powerpoint/2010/main" val="1109508138"/>
               </p:ext>
             </p:extLst>
           </p:nvPr>
@@ -12077,7 +12077,7 @@
                     <a:p>
                       <a:r>
                         <a:rPr lang="de-CH" sz="1400" dirty="0"/>
-                        <a:t>15:00 – 16:30</a:t>
+                        <a:t>15:00 – 16:00</a:t>
                       </a:r>
                     </a:p>
                   </a:txBody>
@@ -12105,13 +12105,10 @@
                         <a:t> by </a:t>
                       </a:r>
                       <a:r>
-                        <a:rPr lang="de-CH" sz="1400" dirty="0" err="1"/>
+                        <a:rPr lang="de-CH" sz="1400"/>
                         <a:t>groups</a:t>
                       </a:r>
-                      <a:r>
-                        <a:rPr lang="de-CH" sz="1400" dirty="0"/>
-                        <a:t> (ca. 7 x 15’)</a:t>
-                      </a:r>
+                      <a:endParaRPr lang="de-CH" sz="1400" dirty="0"/>
                     </a:p>
                   </a:txBody>
                   <a:tcPr/>
@@ -16680,71 +16677,71 @@
 </file>
 
 <file path=customXml/item1.xml><?xml version="1.0" encoding="utf-8"?>
+<AllExternalAdhocVariableMappings/>
+</file>
+
+<file path=customXml/item2.xml><?xml version="1.0" encoding="utf-8"?>
+<VariableListDefinition name="System" displayName="System" id="f9d12240-e4e0-447c-a279-5cfbdc1d54bc" isdomainofvalue="False" dataSourceId="e900a022-2ee3-47aa-95bc-cf4962dd15bc"/>
+</file>
+
+<file path=customXml/item3.xml><?xml version="1.0" encoding="utf-8"?>
+<VariableList UniqueId="145657b4-b8f5-4796-b4d6-5ad0202156cb" Name="Computed" ContentType="XML" MajorVersion="0" MinorVersion="1" isLocalCopy="False" IsBaseObject="False" DataSourceId="d047bc2d-ea0e-4827-9c6c-eda3deaf492a" DataSourceMajorVersion="0" DataSourceMinorVersion="1"/>
+</file>
+
+<file path=customXml/item4.xml><?xml version="1.0" encoding="utf-8"?>
 <VariableList UniqueId="f9d12240-e4e0-447c-a279-5cfbdc1d54bc" Name="System" ContentType="XML" MajorVersion="0" MinorVersion="1" isLocalCopy="False" IsBaseObject="False" DataSourceId="e900a022-2ee3-47aa-95bc-cf4962dd15bc" DataSourceMajorVersion="0" DataSourceMinorVersion="1"/>
 </file>
 
-<file path=customXml/item2.xml><?xml version="1.0" encoding="utf-8"?>
-<VariableList UniqueId="145657b4-b8f5-4796-b4d6-5ad0202156cb" Name="Computed" ContentType="XML" MajorVersion="0" MinorVersion="1" isLocalCopy="False" IsBaseObject="False" DataSourceId="d047bc2d-ea0e-4827-9c6c-eda3deaf492a" DataSourceMajorVersion="0" DataSourceMinorVersion="1"/>
+<file path=customXml/item5.xml><?xml version="1.0" encoding="utf-8"?>
+<VariableList UniqueId="cbf17c5a-5824-4c10-889d-65c6df0b3ad2" Name="AD_HOC" ContentType="XML" MajorVersion="0" MinorVersion="1" isLocalCopy="False" IsBaseObject="False" DataSourceId="fa42598e-4842-4137-85b3-bc234252d283" DataSourceMajorVersion="0" DataSourceMinorVersion="1"/>
 </file>
 
-<file path=customXml/item3.xml><?xml version="1.0" encoding="utf-8"?>
-<AllExternalAdhocVariableMappings/>
+<file path=customXml/item6.xml><?xml version="1.0" encoding="utf-8"?>
+<VariableListDefinition name="Computed" displayName="Computed" id="145657b4-b8f5-4796-b4d6-5ad0202156cb" isdomainofvalue="False" dataSourceId="d047bc2d-ea0e-4827-9c6c-eda3deaf492a"/>
 </file>
 
-<file path=customXml/item4.xml><?xml version="1.0" encoding="utf-8"?>
+<file path=customXml/item7.xml><?xml version="1.0" encoding="utf-8"?>
 <VariableListDefinition name="AD_HOC" displayName="AD_HOC" id="cbf17c5a-5824-4c10-889d-65c6df0b3ad2" isdomainofvalue="False" dataSourceId="fa42598e-4842-4137-85b3-bc234252d283"/>
 </file>
 
-<file path=customXml/item5.xml><?xml version="1.0" encoding="utf-8"?>
-<VariableListDefinition name="Computed" displayName="Computed" id="145657b4-b8f5-4796-b4d6-5ad0202156cb" isdomainofvalue="False" dataSourceId="d047bc2d-ea0e-4827-9c6c-eda3deaf492a"/>
+<file path=customXml/itemProps1.xml><?xml version="1.0" encoding="utf-8"?>
+<ds:datastoreItem xmlns:ds="http://schemas.openxmlformats.org/officeDocument/2006/customXml" ds:itemID="{5B1DE78D-2B0B-4D0D-A586-18E6B2BB4502}">
+  <ds:schemaRefs/>
+</ds:datastoreItem>
 </file>
 
-<file path=customXml/item6.xml><?xml version="1.0" encoding="utf-8"?>
-<VariableList UniqueId="cbf17c5a-5824-4c10-889d-65c6df0b3ad2" Name="AD_HOC" ContentType="XML" MajorVersion="0" MinorVersion="1" isLocalCopy="False" IsBaseObject="False" DataSourceId="fa42598e-4842-4137-85b3-bc234252d283" DataSourceMajorVersion="0" DataSourceMinorVersion="1"/>
+<file path=customXml/itemProps2.xml><?xml version="1.0" encoding="utf-8"?>
+<ds:datastoreItem xmlns:ds="http://schemas.openxmlformats.org/officeDocument/2006/customXml" ds:itemID="{76F94A71-2C14-4177-8C82-6A59E103E987}">
+  <ds:schemaRefs/>
+</ds:datastoreItem>
 </file>
 
-<file path=customXml/item7.xml><?xml version="1.0" encoding="utf-8"?>
-<VariableListDefinition name="System" displayName="System" id="f9d12240-e4e0-447c-a279-5cfbdc1d54bc" isdomainofvalue="False" dataSourceId="e900a022-2ee3-47aa-95bc-cf4962dd15bc"/>
+<file path=customXml/itemProps3.xml><?xml version="1.0" encoding="utf-8"?>
+<ds:datastoreItem xmlns:ds="http://schemas.openxmlformats.org/officeDocument/2006/customXml" ds:itemID="{17A2846B-FC8E-49C9-8A38-DC56ED4E9F42}">
+  <ds:schemaRefs/>
+</ds:datastoreItem>
 </file>
 
-<file path=customXml/itemProps1.xml><?xml version="1.0" encoding="utf-8"?>
+<file path=customXml/itemProps4.xml><?xml version="1.0" encoding="utf-8"?>
 <ds:datastoreItem xmlns:ds="http://schemas.openxmlformats.org/officeDocument/2006/customXml" ds:itemID="{76A0325B-5F5F-43A2-8090-4A18AFB661F6}">
   <ds:schemaRefs/>
 </ds:datastoreItem>
 </file>
 
-<file path=customXml/itemProps2.xml><?xml version="1.0" encoding="utf-8"?>
-<ds:datastoreItem xmlns:ds="http://schemas.openxmlformats.org/officeDocument/2006/customXml" ds:itemID="{17A2846B-FC8E-49C9-8A38-DC56ED4E9F42}">
+<file path=customXml/itemProps5.xml><?xml version="1.0" encoding="utf-8"?>
+<ds:datastoreItem xmlns:ds="http://schemas.openxmlformats.org/officeDocument/2006/customXml" ds:itemID="{C2C751EE-D757-44D7-B62C-B1794CD6BE59}">
   <ds:schemaRefs/>
 </ds:datastoreItem>
 </file>
 
-<file path=customXml/itemProps3.xml><?xml version="1.0" encoding="utf-8"?>
-<ds:datastoreItem xmlns:ds="http://schemas.openxmlformats.org/officeDocument/2006/customXml" ds:itemID="{5B1DE78D-2B0B-4D0D-A586-18E6B2BB4502}">
-  <ds:schemaRefs/>
-</ds:datastoreItem>
-</file>
-
-<file path=customXml/itemProps4.xml><?xml version="1.0" encoding="utf-8"?>
-<ds:datastoreItem xmlns:ds="http://schemas.openxmlformats.org/officeDocument/2006/customXml" ds:itemID="{E733264B-5ECE-46BF-8FE3-7F0E0F6E4E16}">
-  <ds:schemaRefs/>
-</ds:datastoreItem>
-</file>
-
-<file path=customXml/itemProps5.xml><?xml version="1.0" encoding="utf-8"?>
+<file path=customXml/itemProps6.xml><?xml version="1.0" encoding="utf-8"?>
 <ds:datastoreItem xmlns:ds="http://schemas.openxmlformats.org/officeDocument/2006/customXml" ds:itemID="{EA62E2AA-386B-4B90-8CBA-CD0EE7FB646E}">
   <ds:schemaRefs/>
 </ds:datastoreItem>
 </file>
 
-<file path=customXml/itemProps6.xml><?xml version="1.0" encoding="utf-8"?>
-<ds:datastoreItem xmlns:ds="http://schemas.openxmlformats.org/officeDocument/2006/customXml" ds:itemID="{C2C751EE-D757-44D7-B62C-B1794CD6BE59}">
-  <ds:schemaRefs/>
-</ds:datastoreItem>
-</file>
-
 <file path=customXml/itemProps7.xml><?xml version="1.0" encoding="utf-8"?>
-<ds:datastoreItem xmlns:ds="http://schemas.openxmlformats.org/officeDocument/2006/customXml" ds:itemID="{76F94A71-2C14-4177-8C82-6A59E103E987}">
+<ds:datastoreItem xmlns:ds="http://schemas.openxmlformats.org/officeDocument/2006/customXml" ds:itemID="{E733264B-5ECE-46BF-8FE3-7F0E0F6E4E16}">
   <ds:schemaRefs/>
 </ds:datastoreItem>
 </file>
--- a/Credit_Risk_Modeling/Slides_Credit_Risk_Modeling_Workshop_EN.pptx
+++ b/Credit_Risk_Modeling/Slides_Credit_Risk_Modeling_Workshop_EN.pptx
@@ -5,10 +5,10 @@
     <p:sldMasterId id="2147483670" r:id="rId8"/>
   </p:sldMasterIdLst>
   <p:notesMasterIdLst>
-    <p:notesMasterId r:id="rId21"/>
+    <p:notesMasterId r:id="rId22"/>
   </p:notesMasterIdLst>
   <p:handoutMasterIdLst>
-    <p:handoutMasterId r:id="rId22"/>
+    <p:handoutMasterId r:id="rId23"/>
   </p:handoutMasterIdLst>
   <p:sldIdLst>
     <p:sldId id="327" r:id="rId9"/>
@@ -18,22 +18,23 @@
     <p:sldId id="490" r:id="rId13"/>
     <p:sldId id="491" r:id="rId14"/>
     <p:sldId id="492" r:id="rId15"/>
-    <p:sldId id="484" r:id="rId16"/>
-    <p:sldId id="498" r:id="rId17"/>
-    <p:sldId id="485" r:id="rId18"/>
-    <p:sldId id="487" r:id="rId19"/>
-    <p:sldId id="488" r:id="rId20"/>
+    <p:sldId id="499" r:id="rId16"/>
+    <p:sldId id="500" r:id="rId17"/>
+    <p:sldId id="498" r:id="rId18"/>
+    <p:sldId id="485" r:id="rId19"/>
+    <p:sldId id="487" r:id="rId20"/>
+    <p:sldId id="488" r:id="rId21"/>
   </p:sldIdLst>
   <p:sldSz cx="9144000" cy="5143500" type="screen16x9"/>
   <p:notesSz cx="7099300" cy="10234613"/>
   <p:custDataLst>
     <p:custData r:id="rId3"/>
+    <p:custData r:id="rId5"/>
+    <p:custData r:id="rId6"/>
     <p:custData r:id="rId7"/>
+    <p:custData r:id="rId4"/>
     <p:custData r:id="rId1"/>
-    <p:custData r:id="rId4"/>
     <p:custData r:id="rId2"/>
-    <p:custData r:id="rId6"/>
-    <p:custData r:id="rId5"/>
   </p:custDataLst>
   <p:defaultTextStyle>
     <a:defPPr>
@@ -271,7 +272,7 @@
             <a:fld id="{AA48851D-549D-4785-8040-D1740898315D}" type="datetime1">
               <a:rPr lang="de-CH" smtClean="0"/>
               <a:pPr/>
-              <a:t>06.07.2021</a:t>
+              <a:t>25.06.2022</a:t>
             </a:fld>
             <a:endParaRPr lang="fr-FR" dirty="0"/>
           </a:p>
@@ -438,7 +439,7 @@
             <a:fld id="{1C03A998-303B-4F86-9947-A49AF14B2D3A}" type="datetimeFigureOut">
               <a:rPr lang="fr-FR" smtClean="0"/>
               <a:pPr/>
-              <a:t>06/07/2021</a:t>
+              <a:t>25/06/2022</a:t>
             </a:fld>
             <a:endParaRPr lang="fr-FR" dirty="0"/>
           </a:p>
@@ -877,7 +878,7 @@
     </p:spTree>
     <p:extLst>
       <p:ext uri="{BB962C8B-B14F-4D97-AF65-F5344CB8AC3E}">
-        <p14:creationId xmlns:p14="http://schemas.microsoft.com/office/powerpoint/2010/main" val="4218146176"/>
+        <p14:creationId xmlns:p14="http://schemas.microsoft.com/office/powerpoint/2010/main" val="2423174098"/>
       </p:ext>
     </p:extLst>
   </p:cSld>
@@ -959,6 +960,96 @@
               <a:rPr lang="fr-FR" smtClean="0"/>
               <a:pPr/>
               <a:t>12</a:t>
+            </a:fld>
+            <a:endParaRPr lang="fr-FR" dirty="0"/>
+          </a:p>
+        </p:txBody>
+      </p:sp>
+    </p:spTree>
+    <p:extLst>
+      <p:ext uri="{BB962C8B-B14F-4D97-AF65-F5344CB8AC3E}">
+        <p14:creationId xmlns:p14="http://schemas.microsoft.com/office/powerpoint/2010/main" val="4218146176"/>
+      </p:ext>
+    </p:extLst>
+  </p:cSld>
+  <p:clrMapOvr>
+    <a:masterClrMapping/>
+  </p:clrMapOvr>
+</p:notes>
+</file>
+
+<file path=ppt/notesSlides/notesSlide12.xml><?xml version="1.0" encoding="utf-8"?>
+<p:notes xmlns:a="http://schemas.openxmlformats.org/drawingml/2006/main" xmlns:r="http://schemas.openxmlformats.org/officeDocument/2006/relationships" xmlns:p="http://schemas.openxmlformats.org/presentationml/2006/main">
+  <p:cSld>
+    <p:spTree>
+      <p:nvGrpSpPr>
+        <p:cNvPr id="1" name=""/>
+        <p:cNvGrpSpPr/>
+        <p:nvPr/>
+      </p:nvGrpSpPr>
+      <p:grpSpPr>
+        <a:xfrm>
+          <a:off x="0" y="0"/>
+          <a:ext cx="0" cy="0"/>
+          <a:chOff x="0" y="0"/>
+          <a:chExt cx="0" cy="0"/>
+        </a:xfrm>
+      </p:grpSpPr>
+      <p:sp>
+        <p:nvSpPr>
+          <p:cNvPr id="2" name="Slide Image Placeholder 1"/>
+          <p:cNvSpPr>
+            <a:spLocks noGrp="1" noRot="1" noChangeAspect="1"/>
+          </p:cNvSpPr>
+          <p:nvPr>
+            <p:ph type="sldImg"/>
+          </p:nvPr>
+        </p:nvSpPr>
+        <p:spPr>
+          <a:xfrm>
+            <a:off x="144463" y="766763"/>
+            <a:ext cx="6807200" cy="3829050"/>
+          </a:xfrm>
+        </p:spPr>
+      </p:sp>
+      <p:sp>
+        <p:nvSpPr>
+          <p:cNvPr id="3" name="Notes Placeholder 2"/>
+          <p:cNvSpPr>
+            <a:spLocks noGrp="1"/>
+          </p:cNvSpPr>
+          <p:nvPr>
+            <p:ph type="body" idx="1"/>
+          </p:nvPr>
+        </p:nvSpPr>
+        <p:spPr/>
+        <p:txBody>
+          <a:bodyPr/>
+          <a:lstStyle/>
+          <a:p>
+            <a:endParaRPr lang="de-CH"/>
+          </a:p>
+        </p:txBody>
+      </p:sp>
+      <p:sp>
+        <p:nvSpPr>
+          <p:cNvPr id="4" name="Slide Number Placeholder 3"/>
+          <p:cNvSpPr>
+            <a:spLocks noGrp="1"/>
+          </p:cNvSpPr>
+          <p:nvPr>
+            <p:ph type="sldNum" sz="quarter" idx="10"/>
+          </p:nvPr>
+        </p:nvSpPr>
+        <p:spPr/>
+        <p:txBody>
+          <a:bodyPr/>
+          <a:lstStyle/>
+          <a:p>
+            <a:fld id="{4E9274FF-26F8-4AE0-B748-E0D66FCDF779}" type="slidenum">
+              <a:rPr lang="fr-FR" smtClean="0"/>
+              <a:pPr/>
+              <a:t>13</a:t>
             </a:fld>
             <a:endParaRPr lang="fr-FR" dirty="0"/>
           </a:p>
@@ -1507,7 +1598,7 @@
     </p:spTree>
     <p:extLst>
       <p:ext uri="{BB962C8B-B14F-4D97-AF65-F5344CB8AC3E}">
-        <p14:creationId xmlns:p14="http://schemas.microsoft.com/office/powerpoint/2010/main" val="3763759740"/>
+        <p14:creationId xmlns:p14="http://schemas.microsoft.com/office/powerpoint/2010/main" val="3923672071"/>
       </p:ext>
     </p:extLst>
   </p:cSld>
@@ -1597,7 +1688,7 @@
     </p:spTree>
     <p:extLst>
       <p:ext uri="{BB962C8B-B14F-4D97-AF65-F5344CB8AC3E}">
-        <p14:creationId xmlns:p14="http://schemas.microsoft.com/office/powerpoint/2010/main" val="22888696"/>
+        <p14:creationId xmlns:p14="http://schemas.microsoft.com/office/powerpoint/2010/main" val="2608436973"/>
       </p:ext>
     </p:extLst>
   </p:cSld>
@@ -1687,7 +1778,7 @@
     </p:spTree>
     <p:extLst>
       <p:ext uri="{BB962C8B-B14F-4D97-AF65-F5344CB8AC3E}">
-        <p14:creationId xmlns:p14="http://schemas.microsoft.com/office/powerpoint/2010/main" val="2423174098"/>
+        <p14:creationId xmlns:p14="http://schemas.microsoft.com/office/powerpoint/2010/main" val="22888696"/>
       </p:ext>
     </p:extLst>
   </p:cSld>
@@ -10260,7 +10351,7 @@
           <a:p>
             <a:r>
               <a:rPr lang="en-US" dirty="0"/>
-              <a:t>Expert groups and definition of tasks</a:t>
+              <a:t>Keyword pinboard (basis to define group tasks)</a:t>
             </a:r>
           </a:p>
         </p:txBody>
@@ -10426,7 +10517,7 @@
           <a:p>
             <a:r>
               <a:rPr lang="de-CH" dirty="0"/>
-              <a:t>Dr. Mario Gellrich, Summer School 2021 </a:t>
+              <a:t>Dr. Mario Gellrich, Summer School 2022 </a:t>
             </a:r>
           </a:p>
         </p:txBody>
@@ -10436,7 +10527,7 @@
           <p:cNvPr id="3" name="Textfeld 2">
             <a:extLst>
               <a:ext uri="{FF2B5EF4-FFF2-40B4-BE49-F238E27FC236}">
-                <a16:creationId xmlns:a16="http://schemas.microsoft.com/office/drawing/2014/main" id="{2037E902-4E91-49F0-B5D8-D40107E09CC9}"/>
+                <a16:creationId xmlns:a16="http://schemas.microsoft.com/office/drawing/2014/main" id="{819A3754-7476-450D-95B6-93C1875F5848}"/>
               </a:ext>
             </a:extLst>
           </p:cNvPr>
@@ -10445,13 +10536,15 @@
         </p:nvSpPr>
         <p:spPr>
           <a:xfrm>
-            <a:off x="181264" y="1130876"/>
-            <a:ext cx="8763000" cy="3151312"/>
+            <a:off x="159326" y="1200150"/>
+            <a:ext cx="4343399" cy="1754326"/>
           </a:xfrm>
           <a:prstGeom prst="rect">
             <a:avLst/>
           </a:prstGeom>
-          <a:noFill/>
+          <a:solidFill>
+            <a:srgbClr val="FAE38E"/>
+          </a:solidFill>
         </p:spPr>
         <p:txBody>
           <a:bodyPr wrap="square" rtlCol="0">
@@ -10459,331 +10552,80 @@
           </a:bodyPr>
           <a:lstStyle/>
           <a:p>
-            <a:pPr>
-              <a:lnSpc>
-                <a:spcPct val="150000"/>
-              </a:lnSpc>
-            </a:pPr>
-            <a:r>
-              <a:rPr lang="de-CH" sz="1400" b="1" dirty="0"/>
-              <a:t>Expert Group (X): Working with Python and </a:t>
-            </a:r>
-            <a:r>
-              <a:rPr lang="de-CH" sz="1400" b="1" dirty="0" err="1"/>
-              <a:t>Jupyter</a:t>
-            </a:r>
-            <a:r>
-              <a:rPr lang="de-CH" sz="1400" b="1" dirty="0"/>
-              <a:t> Notebooks</a:t>
-            </a:r>
-          </a:p>
-          <a:p>
-            <a:pPr marL="171450" indent="-171450">
-              <a:lnSpc>
-                <a:spcPct val="150000"/>
-              </a:lnSpc>
-              <a:buFont typeface="Wingdings" panose="05000000000000000000" pitchFamily="2" charset="2"/>
-              <a:buChar char="§"/>
-            </a:pPr>
-            <a:r>
-              <a:rPr lang="de-CH" sz="1200" dirty="0"/>
-              <a:t>Installation (</a:t>
-            </a:r>
-            <a:r>
-              <a:rPr lang="de-CH" sz="1200" dirty="0" err="1"/>
-              <a:t>Anaconda</a:t>
-            </a:r>
-            <a:r>
-              <a:rPr lang="de-CH" sz="1200" dirty="0"/>
+            <a:r>
+              <a:rPr lang="en-US" sz="1200" dirty="0"/>
+              <a:t> (5) Modeling (</a:t>
+            </a:r>
+            <a:r>
+              <a:rPr lang="en-US" sz="1200" dirty="0" err="1"/>
+              <a:t>LogReg</a:t>
+            </a:r>
+            <a:r>
+              <a:rPr lang="en-US" sz="1200" dirty="0"/>
+              <a:t>, KNN, </a:t>
+            </a:r>
+            <a:r>
+              <a:rPr lang="en-US" sz="1200" dirty="0" err="1"/>
+              <a:t>RandomForest</a:t>
+            </a:r>
+            <a:r>
+              <a:rPr lang="en-US" sz="1200" dirty="0"/>
               <a:t>)</a:t>
             </a:r>
           </a:p>
           <a:p>
-            <a:pPr marL="171450" indent="-171450">
-              <a:lnSpc>
-                <a:spcPct val="150000"/>
-              </a:lnSpc>
-              <a:buFont typeface="Wingdings" panose="05000000000000000000" pitchFamily="2" charset="2"/>
-              <a:buChar char="§"/>
-            </a:pPr>
-            <a:r>
-              <a:rPr lang="de-CH" sz="1200" dirty="0"/>
-              <a:t>Making Python Code </a:t>
-            </a:r>
-            <a:r>
-              <a:rPr lang="de-CH" sz="1200" dirty="0" err="1"/>
-              <a:t>running</a:t>
-            </a:r>
-            <a:endParaRPr lang="de-CH" sz="1200" dirty="0"/>
-          </a:p>
-          <a:p>
-            <a:pPr marL="171450" indent="-171450">
-              <a:lnSpc>
-                <a:spcPct val="150000"/>
-              </a:lnSpc>
-              <a:buFont typeface="Wingdings" panose="05000000000000000000" pitchFamily="2" charset="2"/>
-              <a:buChar char="§"/>
-            </a:pPr>
-            <a:r>
-              <a:rPr lang="de-CH" sz="1200" dirty="0"/>
-              <a:t>HTML </a:t>
-            </a:r>
-            <a:r>
-              <a:rPr lang="de-CH" sz="1200" dirty="0" err="1"/>
-              <a:t>formating</a:t>
-            </a:r>
-            <a:r>
-              <a:rPr lang="de-CH" sz="1200" dirty="0"/>
-              <a:t> (</a:t>
-            </a:r>
-            <a:r>
-              <a:rPr lang="de-CH" sz="1200" dirty="0" err="1"/>
-              <a:t>Markdowns</a:t>
-            </a:r>
-            <a:r>
-              <a:rPr lang="de-CH" sz="1200" dirty="0"/>
-              <a:t>)</a:t>
-            </a:r>
-          </a:p>
-          <a:p>
-            <a:pPr marL="171450" indent="-171450">
-              <a:lnSpc>
-                <a:spcPct val="150000"/>
-              </a:lnSpc>
-              <a:buFont typeface="Wingdings" panose="05000000000000000000" pitchFamily="2" charset="2"/>
-              <a:buChar char="§"/>
-            </a:pPr>
-            <a:r>
-              <a:rPr lang="de-CH" sz="1200" dirty="0" err="1"/>
-              <a:t>Getting</a:t>
-            </a:r>
-            <a:r>
-              <a:rPr lang="de-CH" sz="1200" dirty="0"/>
-              <a:t> </a:t>
-            </a:r>
-            <a:r>
-              <a:rPr lang="de-CH" sz="1200" dirty="0" err="1"/>
-              <a:t>help</a:t>
-            </a:r>
-            <a:r>
-              <a:rPr lang="de-CH" sz="1200" dirty="0"/>
-              <a:t> for </a:t>
-            </a:r>
-            <a:r>
-              <a:rPr lang="de-CH" sz="1200" dirty="0" err="1"/>
-              <a:t>the</a:t>
-            </a:r>
-            <a:r>
-              <a:rPr lang="de-CH" sz="1200" dirty="0"/>
-              <a:t> </a:t>
-            </a:r>
-            <a:r>
-              <a:rPr lang="de-CH" sz="1200" dirty="0" err="1"/>
-              <a:t>functions</a:t>
-            </a:r>
-            <a:endParaRPr lang="de-CH" sz="1200" dirty="0"/>
-          </a:p>
-          <a:p>
-            <a:pPr marL="171450" indent="-171450">
-              <a:lnSpc>
-                <a:spcPct val="150000"/>
-              </a:lnSpc>
-              <a:buFont typeface="Wingdings" panose="05000000000000000000" pitchFamily="2" charset="2"/>
-              <a:buChar char="§"/>
-            </a:pPr>
-            <a:r>
-              <a:rPr lang="de-CH" sz="1200" dirty="0" err="1"/>
-              <a:t>Installing</a:t>
-            </a:r>
-            <a:r>
-              <a:rPr lang="de-CH" sz="1200" dirty="0"/>
-              <a:t> additional Python </a:t>
-            </a:r>
-            <a:r>
-              <a:rPr lang="de-CH" sz="1200" dirty="0" err="1"/>
-              <a:t>libraries</a:t>
-            </a:r>
-            <a:r>
-              <a:rPr lang="de-CH" sz="1200" dirty="0"/>
-              <a:t> </a:t>
-            </a:r>
-            <a:r>
-              <a:rPr lang="de-CH" sz="1200" dirty="0" err="1"/>
-              <a:t>from</a:t>
-            </a:r>
-            <a:r>
-              <a:rPr lang="de-CH" sz="1200" dirty="0"/>
-              <a:t> </a:t>
-            </a:r>
-            <a:r>
-              <a:rPr lang="de-CH" sz="1200" dirty="0" err="1"/>
-              <a:t>within</a:t>
-            </a:r>
-            <a:r>
-              <a:rPr lang="de-CH" sz="1200" dirty="0"/>
-              <a:t> a </a:t>
-            </a:r>
-            <a:r>
-              <a:rPr lang="de-CH" sz="1200" dirty="0" err="1"/>
-              <a:t>Jupyter</a:t>
-            </a:r>
-            <a:r>
-              <a:rPr lang="de-CH" sz="1200" dirty="0"/>
-              <a:t> Notebook</a:t>
-            </a:r>
-          </a:p>
-          <a:p>
-            <a:pPr marL="171450" indent="-171450">
-              <a:lnSpc>
-                <a:spcPct val="150000"/>
-              </a:lnSpc>
-              <a:buFont typeface="Wingdings" panose="05000000000000000000" pitchFamily="2" charset="2"/>
-              <a:buChar char="§"/>
-            </a:pPr>
-            <a:r>
-              <a:rPr lang="de-CH" sz="1200" dirty="0"/>
-              <a:t>Working with </a:t>
-            </a:r>
-            <a:r>
-              <a:rPr lang="de-CH" sz="1200" dirty="0" err="1"/>
-              <a:t>short</a:t>
-            </a:r>
-            <a:r>
-              <a:rPr lang="de-CH" sz="1200" dirty="0"/>
-              <a:t> </a:t>
-            </a:r>
-            <a:r>
-              <a:rPr lang="de-CH" sz="1200" dirty="0" err="1"/>
-              <a:t>cuts</a:t>
-            </a:r>
-            <a:endParaRPr lang="de-CH" sz="1200" dirty="0"/>
-          </a:p>
-          <a:p>
-            <a:pPr marL="171450" indent="-171450">
-              <a:lnSpc>
-                <a:spcPct val="150000"/>
-              </a:lnSpc>
-              <a:buFont typeface="Wingdings" panose="05000000000000000000" pitchFamily="2" charset="2"/>
-              <a:buChar char="§"/>
-            </a:pPr>
-            <a:r>
-              <a:rPr lang="de-CH" sz="1200" dirty="0" err="1"/>
-              <a:t>Saving</a:t>
-            </a:r>
-            <a:r>
-              <a:rPr lang="de-CH" sz="1200" dirty="0"/>
-              <a:t> </a:t>
-            </a:r>
-            <a:r>
-              <a:rPr lang="de-CH" sz="1200" dirty="0" err="1"/>
-              <a:t>Results</a:t>
-            </a:r>
-            <a:r>
-              <a:rPr lang="de-CH" sz="1200" dirty="0"/>
-              <a:t> </a:t>
-            </a:r>
-            <a:r>
-              <a:rPr lang="de-CH" sz="1200" dirty="0" err="1"/>
-              <a:t>as</a:t>
-            </a:r>
-            <a:r>
-              <a:rPr lang="de-CH" sz="1200" dirty="0"/>
-              <a:t> HTML-File</a:t>
-            </a:r>
-          </a:p>
-          <a:p>
-            <a:pPr marL="171450" indent="-171450">
-              <a:lnSpc>
-                <a:spcPct val="150000"/>
-              </a:lnSpc>
-              <a:buFont typeface="Wingdings" panose="05000000000000000000" pitchFamily="2" charset="2"/>
-              <a:buChar char="§"/>
-            </a:pPr>
-            <a:r>
-              <a:rPr lang="de-CH" sz="1200" dirty="0" err="1"/>
-              <a:t>Jupyter</a:t>
-            </a:r>
-            <a:r>
-              <a:rPr lang="de-CH" sz="1200" dirty="0"/>
-              <a:t> Notebook, </a:t>
-            </a:r>
-            <a:r>
-              <a:rPr lang="de-CH" sz="1200" dirty="0" err="1"/>
-              <a:t>Jupyter</a:t>
-            </a:r>
-            <a:r>
-              <a:rPr lang="de-CH" sz="1200" dirty="0"/>
-              <a:t> Lab, Google </a:t>
-            </a:r>
-            <a:r>
-              <a:rPr lang="de-CH" sz="1200" dirty="0" err="1"/>
-              <a:t>Collab</a:t>
-            </a:r>
-            <a:endParaRPr lang="de-CH" sz="1200" dirty="0"/>
-          </a:p>
-          <a:p>
-            <a:pPr marL="171450" indent="-171450">
-              <a:lnSpc>
-                <a:spcPct val="150000"/>
-              </a:lnSpc>
-              <a:buFont typeface="Wingdings" panose="05000000000000000000" pitchFamily="2" charset="2"/>
-              <a:buChar char="§"/>
-            </a:pPr>
-            <a:r>
-              <a:rPr lang="de-CH" sz="1200" dirty="0"/>
-              <a:t>Running </a:t>
-            </a:r>
-            <a:r>
-              <a:rPr lang="de-CH" sz="1200" dirty="0" err="1"/>
-              <a:t>locally</a:t>
-            </a:r>
-            <a:r>
-              <a:rPr lang="de-CH" sz="1200" dirty="0"/>
-              <a:t> </a:t>
-            </a:r>
-            <a:r>
-              <a:rPr lang="de-CH" sz="1200" dirty="0" err="1"/>
-              <a:t>developed</a:t>
-            </a:r>
-            <a:r>
-              <a:rPr lang="de-CH" sz="1200" dirty="0"/>
-              <a:t> </a:t>
-            </a:r>
-            <a:r>
-              <a:rPr lang="de-CH" sz="1200" dirty="0" err="1"/>
-              <a:t>Jupyter</a:t>
-            </a:r>
-            <a:r>
-              <a:rPr lang="de-CH" sz="1200" dirty="0"/>
-              <a:t> Notebooks with Amazon </a:t>
-            </a:r>
-            <a:r>
-              <a:rPr lang="de-CH" sz="1200" dirty="0" err="1"/>
-              <a:t>SageMaker</a:t>
-            </a:r>
-            <a:endParaRPr lang="de-CH" sz="1200" dirty="0"/>
-          </a:p>
-          <a:p>
-            <a:pPr marL="171450" indent="-171450">
-              <a:lnSpc>
-                <a:spcPct val="150000"/>
-              </a:lnSpc>
-              <a:buFont typeface="Wingdings" panose="05000000000000000000" pitchFamily="2" charset="2"/>
-              <a:buChar char="§"/>
-            </a:pPr>
-            <a:r>
-              <a:rPr lang="de-CH" sz="1200" dirty="0"/>
-              <a:t>….</a:t>
-            </a:r>
-          </a:p>
-        </p:txBody>
-      </p:sp>
-      <p:sp>
-        <p:nvSpPr>
-          <p:cNvPr id="2" name="Textfeld 1">
+            <a:r>
+              <a:rPr lang="en-US" sz="1200" dirty="0"/>
+              <a:t>- </a:t>
+            </a:r>
+          </a:p>
+          <a:p>
+            <a:r>
+              <a:rPr lang="en-US" sz="1200" dirty="0"/>
+              <a:t>-</a:t>
+            </a:r>
+          </a:p>
+          <a:p>
+            <a:r>
+              <a:rPr lang="en-US" sz="1200" dirty="0"/>
+              <a:t>-</a:t>
+            </a:r>
+          </a:p>
+          <a:p>
+            <a:r>
+              <a:rPr lang="en-US" sz="1200" dirty="0"/>
+              <a:t>-</a:t>
+            </a:r>
+          </a:p>
+          <a:p>
+            <a:r>
+              <a:rPr lang="en-US" sz="1200" dirty="0"/>
+              <a:t>-</a:t>
+            </a:r>
+          </a:p>
+          <a:p>
+            <a:r>
+              <a:rPr lang="en-US" sz="1200" dirty="0"/>
+              <a:t>-</a:t>
+            </a:r>
+          </a:p>
+          <a:p>
+            <a:r>
+              <a:rPr lang="en-US" sz="1200" dirty="0"/>
+              <a:t>-</a:t>
+            </a:r>
+          </a:p>
+          <a:p>
+            <a:endParaRPr lang="en-US" sz="1200" dirty="0"/>
+          </a:p>
+        </p:txBody>
+      </p:sp>
+      <p:sp>
+        <p:nvSpPr>
+          <p:cNvPr id="32" name="Textfeld 31">
             <a:extLst>
               <a:ext uri="{FF2B5EF4-FFF2-40B4-BE49-F238E27FC236}">
-                <a16:creationId xmlns:a16="http://schemas.microsoft.com/office/drawing/2014/main" id="{0BDC7BB2-703F-4B5B-A1AD-C10C1CD1470F}"/>
+                <a16:creationId xmlns:a16="http://schemas.microsoft.com/office/drawing/2014/main" id="{8CEBDC2E-4FF7-4C7D-B083-240C63E057F1}"/>
               </a:ext>
             </a:extLst>
           </p:cNvPr>
@@ -10792,14 +10634,14 @@
         </p:nvSpPr>
         <p:spPr>
           <a:xfrm>
-            <a:off x="6629400" y="2575791"/>
-            <a:ext cx="1295400" cy="400110"/>
+            <a:off x="4572001" y="1200150"/>
+            <a:ext cx="4343400" cy="1754326"/>
           </a:xfrm>
           <a:prstGeom prst="rect">
             <a:avLst/>
           </a:prstGeom>
           <a:solidFill>
-            <a:srgbClr val="FFC000"/>
+            <a:srgbClr val="FAE38E"/>
           </a:solidFill>
         </p:spPr>
         <p:txBody>
@@ -10809,12 +10651,222 @@
           <a:lstStyle/>
           <a:p>
             <a:r>
-              <a:rPr lang="de-CH" sz="2000" dirty="0" err="1"/>
-              <a:t>Example</a:t>
-            </a:r>
-            <a:r>
-              <a:rPr lang="de-CH" sz="2000" dirty="0"/>
-              <a:t>!</a:t>
+              <a:rPr lang="en-US" sz="1200" dirty="0"/>
+              <a:t> (6) Modeling (CT, </a:t>
+            </a:r>
+            <a:r>
+              <a:rPr lang="en-US" sz="1200" dirty="0" err="1"/>
+              <a:t>XGBoost</a:t>
+            </a:r>
+            <a:r>
+              <a:rPr lang="en-US" sz="1200" dirty="0"/>
+              <a:t>, MLP)</a:t>
+            </a:r>
+          </a:p>
+          <a:p>
+            <a:r>
+              <a:rPr lang="en-US" sz="1200" dirty="0"/>
+              <a:t>-</a:t>
+            </a:r>
+          </a:p>
+          <a:p>
+            <a:r>
+              <a:rPr lang="en-US" sz="1200" dirty="0"/>
+              <a:t>-</a:t>
+            </a:r>
+          </a:p>
+          <a:p>
+            <a:r>
+              <a:rPr lang="en-US" sz="1200" dirty="0"/>
+              <a:t>-</a:t>
+            </a:r>
+          </a:p>
+          <a:p>
+            <a:r>
+              <a:rPr lang="en-US" sz="1200" dirty="0"/>
+              <a:t>-</a:t>
+            </a:r>
+          </a:p>
+          <a:p>
+            <a:r>
+              <a:rPr lang="en-US" sz="1200" dirty="0"/>
+              <a:t>-</a:t>
+            </a:r>
+          </a:p>
+          <a:p>
+            <a:r>
+              <a:rPr lang="en-US" sz="1200" dirty="0"/>
+              <a:t>-</a:t>
+            </a:r>
+          </a:p>
+          <a:p>
+            <a:r>
+              <a:rPr lang="en-US" sz="1200" dirty="0"/>
+              <a:t>-</a:t>
+            </a:r>
+          </a:p>
+          <a:p>
+            <a:r>
+              <a:rPr lang="en-US" sz="1200" dirty="0"/>
+              <a:t>-</a:t>
+            </a:r>
+          </a:p>
+        </p:txBody>
+      </p:sp>
+      <p:sp>
+        <p:nvSpPr>
+          <p:cNvPr id="33" name="Textfeld 32">
+            <a:extLst>
+              <a:ext uri="{FF2B5EF4-FFF2-40B4-BE49-F238E27FC236}">
+                <a16:creationId xmlns:a16="http://schemas.microsoft.com/office/drawing/2014/main" id="{10FC5704-BC39-4249-AB8C-0F35B4EDEBB0}"/>
+              </a:ext>
+            </a:extLst>
+          </p:cNvPr>
+          <p:cNvSpPr txBox="1"/>
+          <p:nvPr/>
+        </p:nvSpPr>
+        <p:spPr>
+          <a:xfrm>
+            <a:off x="180109" y="3137476"/>
+            <a:ext cx="4322616" cy="1569660"/>
+          </a:xfrm>
+          <a:prstGeom prst="rect">
+            <a:avLst/>
+          </a:prstGeom>
+          <a:solidFill>
+            <a:srgbClr val="FAE38E"/>
+          </a:solidFill>
+        </p:spPr>
+        <p:txBody>
+          <a:bodyPr wrap="square" rtlCol="0">
+            <a:spAutoFit/>
+          </a:bodyPr>
+          <a:lstStyle/>
+          <a:p>
+            <a:r>
+              <a:rPr lang="en-US" sz="1200" dirty="0"/>
+              <a:t> (7) Model predictions and -performance </a:t>
+            </a:r>
+          </a:p>
+          <a:p>
+            <a:r>
+              <a:rPr lang="en-US" sz="1200" dirty="0"/>
+              <a:t>-</a:t>
+            </a:r>
+          </a:p>
+          <a:p>
+            <a:r>
+              <a:rPr lang="en-US" sz="1200" dirty="0"/>
+              <a:t>-</a:t>
+            </a:r>
+          </a:p>
+          <a:p>
+            <a:r>
+              <a:rPr lang="en-US" sz="1200" dirty="0"/>
+              <a:t>-</a:t>
+            </a:r>
+          </a:p>
+          <a:p>
+            <a:r>
+              <a:rPr lang="en-US" sz="1200" dirty="0"/>
+              <a:t>-</a:t>
+            </a:r>
+          </a:p>
+          <a:p>
+            <a:r>
+              <a:rPr lang="en-US" sz="1200" dirty="0"/>
+              <a:t>-</a:t>
+            </a:r>
+          </a:p>
+          <a:p>
+            <a:r>
+              <a:rPr lang="en-US" sz="1200" dirty="0"/>
+              <a:t>-</a:t>
+            </a:r>
+          </a:p>
+          <a:p>
+            <a:r>
+              <a:rPr lang="en-US" sz="1200" dirty="0"/>
+              <a:t>-</a:t>
+            </a:r>
+          </a:p>
+        </p:txBody>
+      </p:sp>
+      <p:sp>
+        <p:nvSpPr>
+          <p:cNvPr id="34" name="Textfeld 33">
+            <a:extLst>
+              <a:ext uri="{FF2B5EF4-FFF2-40B4-BE49-F238E27FC236}">
+                <a16:creationId xmlns:a16="http://schemas.microsoft.com/office/drawing/2014/main" id="{EB422D93-4AFA-4102-9CCA-D51BE5A5276F}"/>
+              </a:ext>
+            </a:extLst>
+          </p:cNvPr>
+          <p:cNvSpPr txBox="1"/>
+          <p:nvPr/>
+        </p:nvSpPr>
+        <p:spPr>
+          <a:xfrm>
+            <a:off x="4574309" y="3137476"/>
+            <a:ext cx="4341092" cy="1569660"/>
+          </a:xfrm>
+          <a:prstGeom prst="rect">
+            <a:avLst/>
+          </a:prstGeom>
+          <a:solidFill>
+            <a:srgbClr val="FAE38E"/>
+          </a:solidFill>
+        </p:spPr>
+        <p:txBody>
+          <a:bodyPr wrap="square" rtlCol="0">
+            <a:spAutoFit/>
+          </a:bodyPr>
+          <a:lstStyle/>
+          <a:p>
+            <a:r>
+              <a:rPr lang="en-US" sz="1200" dirty="0"/>
+              <a:t> Other?</a:t>
+            </a:r>
+          </a:p>
+          <a:p>
+            <a:r>
+              <a:rPr lang="en-US" sz="1200" dirty="0"/>
+              <a:t>-</a:t>
+            </a:r>
+          </a:p>
+          <a:p>
+            <a:r>
+              <a:rPr lang="en-US" sz="1200" dirty="0"/>
+              <a:t>-</a:t>
+            </a:r>
+          </a:p>
+          <a:p>
+            <a:r>
+              <a:rPr lang="en-US" sz="1200" dirty="0"/>
+              <a:t>-</a:t>
+            </a:r>
+          </a:p>
+          <a:p>
+            <a:r>
+              <a:rPr lang="en-US" sz="1200" dirty="0"/>
+              <a:t>-</a:t>
+            </a:r>
+          </a:p>
+          <a:p>
+            <a:r>
+              <a:rPr lang="en-US" sz="1200" dirty="0"/>
+              <a:t>-</a:t>
+            </a:r>
+          </a:p>
+          <a:p>
+            <a:r>
+              <a:rPr lang="en-US" sz="1200" dirty="0"/>
+              <a:t>-</a:t>
+            </a:r>
+          </a:p>
+          <a:p>
+            <a:r>
+              <a:rPr lang="en-US" sz="1200" dirty="0"/>
+              <a:t>-</a:t>
             </a:r>
           </a:p>
         </p:txBody>
@@ -10822,7 +10874,7 @@
     </p:spTree>
     <p:extLst>
       <p:ext uri="{BB962C8B-B14F-4D97-AF65-F5344CB8AC3E}">
-        <p14:creationId xmlns:p14="http://schemas.microsoft.com/office/powerpoint/2010/main" val="4244923999"/>
+        <p14:creationId xmlns:p14="http://schemas.microsoft.com/office/powerpoint/2010/main" val="1582036201"/>
       </p:ext>
     </p:extLst>
   </p:cSld>
@@ -10872,23 +10924,7 @@
           <a:p>
             <a:r>
               <a:rPr lang="en-US" dirty="0"/>
-              <a:t>Recommended structure of the </a:t>
-            </a:r>
-            <a:r>
-              <a:rPr lang="de-CH" dirty="0"/>
-              <a:t>«</a:t>
-            </a:r>
-            <a:r>
-              <a:rPr lang="en-US" dirty="0"/>
-              <a:t>expert</a:t>
-            </a:r>
-            <a:r>
-              <a:rPr lang="de-CH" dirty="0"/>
-              <a:t>»</a:t>
-            </a:r>
-            <a:r>
-              <a:rPr lang="en-US" dirty="0"/>
-              <a:t> sessions</a:t>
+              <a:t>Expert groups and definition of tasks</a:t>
             </a:r>
           </a:p>
         </p:txBody>
@@ -11054,34 +11090,35 @@
           <a:p>
             <a:r>
               <a:rPr lang="de-CH" dirty="0"/>
-              <a:t>Dr. Mario Gellrich, Summer School 2021 </a:t>
-            </a:r>
-          </a:p>
-        </p:txBody>
-      </p:sp>
-      <p:sp>
-        <p:nvSpPr>
-          <p:cNvPr id="3" name="Rechteck 2">
+              <a:t>Dr. Mario Gellrich, Summer School 2022 </a:t>
+            </a:r>
+          </a:p>
+        </p:txBody>
+      </p:sp>
+      <p:sp>
+        <p:nvSpPr>
+          <p:cNvPr id="3" name="Textfeld 2">
             <a:extLst>
               <a:ext uri="{FF2B5EF4-FFF2-40B4-BE49-F238E27FC236}">
-                <a16:creationId xmlns:a16="http://schemas.microsoft.com/office/drawing/2014/main" id="{B7DD5D79-00C9-4F98-91A0-54F9B5713B18}"/>
+                <a16:creationId xmlns:a16="http://schemas.microsoft.com/office/drawing/2014/main" id="{2037E902-4E91-49F0-B5D8-D40107E09CC9}"/>
               </a:ext>
             </a:extLst>
           </p:cNvPr>
-          <p:cNvSpPr/>
+          <p:cNvSpPr txBox="1"/>
           <p:nvPr/>
         </p:nvSpPr>
         <p:spPr>
           <a:xfrm>
-            <a:off x="126998" y="1100860"/>
-            <a:ext cx="8788402" cy="2031838"/>
+            <a:off x="181264" y="1130876"/>
+            <a:ext cx="8763000" cy="3151312"/>
           </a:xfrm>
           <a:prstGeom prst="rect">
             <a:avLst/>
           </a:prstGeom>
-        </p:spPr>
-        <p:txBody>
-          <a:bodyPr wrap="square">
+          <a:noFill/>
+        </p:spPr>
+        <p:txBody>
+          <a:bodyPr wrap="square" rtlCol="0">
             <a:spAutoFit/>
           </a:bodyPr>
           <a:lstStyle/>
@@ -11092,69 +11129,364 @@
               </a:lnSpc>
             </a:pPr>
             <a:r>
-              <a:rPr lang="en-US" dirty="0"/>
-              <a:t>Questions which help to explain the software, functions, methods, etc. by each expert group</a:t>
-            </a:r>
-          </a:p>
-          <a:p>
-            <a:pPr>
+              <a:rPr lang="de-CH" sz="1400" b="1" dirty="0"/>
+              <a:t>Expert Group (X): Working with Python and </a:t>
+            </a:r>
+            <a:r>
+              <a:rPr lang="de-CH" sz="1400" b="1" dirty="0" err="1"/>
+              <a:t>Jupyter</a:t>
+            </a:r>
+            <a:r>
+              <a:rPr lang="de-CH" sz="1400" b="1" dirty="0"/>
+              <a:t> Notebooks</a:t>
+            </a:r>
+          </a:p>
+          <a:p>
+            <a:pPr marL="171450" indent="-171450">
               <a:lnSpc>
                 <a:spcPct val="150000"/>
               </a:lnSpc>
+              <a:buFont typeface="Wingdings" panose="05000000000000000000" pitchFamily="2" charset="2"/>
+              <a:buChar char="§"/>
             </a:pPr>
-            <a:endParaRPr lang="en-US" sz="600" dirty="0"/>
-          </a:p>
-          <a:p>
-            <a:pPr>
+            <a:r>
+              <a:rPr lang="de-CH" sz="1200" dirty="0"/>
+              <a:t>Installation (</a:t>
+            </a:r>
+            <a:r>
+              <a:rPr lang="de-CH" sz="1200" dirty="0" err="1"/>
+              <a:t>Anaconda</a:t>
+            </a:r>
+            <a:r>
+              <a:rPr lang="de-CH" sz="1200" dirty="0"/>
+              <a:t>)</a:t>
+            </a:r>
+          </a:p>
+          <a:p>
+            <a:pPr marL="171450" indent="-171450">
               <a:lnSpc>
                 <a:spcPct val="150000"/>
               </a:lnSpc>
+              <a:buFont typeface="Wingdings" panose="05000000000000000000" pitchFamily="2" charset="2"/>
+              <a:buChar char="§"/>
             </a:pPr>
             <a:r>
-              <a:rPr lang="en-US" dirty="0"/>
-              <a:t>Q: What is ...? / Explain ...! </a:t>
-            </a:r>
-          </a:p>
-          <a:p>
-            <a:pPr>
+              <a:rPr lang="de-CH" sz="1200" dirty="0"/>
+              <a:t>Making Python Code </a:t>
+            </a:r>
+            <a:r>
+              <a:rPr lang="de-CH" sz="1200" dirty="0" err="1"/>
+              <a:t>running</a:t>
+            </a:r>
+            <a:endParaRPr lang="de-CH" sz="1200" dirty="0"/>
+          </a:p>
+          <a:p>
+            <a:pPr marL="171450" indent="-171450">
               <a:lnSpc>
                 <a:spcPct val="150000"/>
               </a:lnSpc>
+              <a:buFont typeface="Wingdings" panose="05000000000000000000" pitchFamily="2" charset="2"/>
+              <a:buChar char="§"/>
             </a:pPr>
             <a:r>
-              <a:rPr lang="en-US" dirty="0"/>
-              <a:t>Q: What problem is solved with ...? </a:t>
-            </a:r>
-          </a:p>
-          <a:p>
-            <a:pPr>
+              <a:rPr lang="de-CH" sz="1200" dirty="0"/>
+              <a:t>HTML </a:t>
+            </a:r>
+            <a:r>
+              <a:rPr lang="de-CH" sz="1200" dirty="0" err="1"/>
+              <a:t>formating</a:t>
+            </a:r>
+            <a:r>
+              <a:rPr lang="de-CH" sz="1200" dirty="0"/>
+              <a:t> (</a:t>
+            </a:r>
+            <a:r>
+              <a:rPr lang="de-CH" sz="1200" dirty="0" err="1"/>
+              <a:t>Markdowns</a:t>
+            </a:r>
+            <a:r>
+              <a:rPr lang="de-CH" sz="1200" dirty="0"/>
+              <a:t>)</a:t>
+            </a:r>
+          </a:p>
+          <a:p>
+            <a:pPr marL="171450" indent="-171450">
               <a:lnSpc>
                 <a:spcPct val="150000"/>
               </a:lnSpc>
+              <a:buFont typeface="Wingdings" panose="05000000000000000000" pitchFamily="2" charset="2"/>
+              <a:buChar char="§"/>
             </a:pPr>
             <a:r>
-              <a:rPr lang="en-US" dirty="0"/>
-              <a:t>Q: How does ... work? </a:t>
-            </a:r>
-          </a:p>
-          <a:p>
-            <a:pPr>
+              <a:rPr lang="de-CH" sz="1200" dirty="0" err="1"/>
+              <a:t>Getting</a:t>
+            </a:r>
+            <a:r>
+              <a:rPr lang="de-CH" sz="1200" dirty="0"/>
+              <a:t> </a:t>
+            </a:r>
+            <a:r>
+              <a:rPr lang="de-CH" sz="1200" dirty="0" err="1"/>
+              <a:t>help</a:t>
+            </a:r>
+            <a:r>
+              <a:rPr lang="de-CH" sz="1200" dirty="0"/>
+              <a:t> for </a:t>
+            </a:r>
+            <a:r>
+              <a:rPr lang="de-CH" sz="1200" dirty="0" err="1"/>
+              <a:t>the</a:t>
+            </a:r>
+            <a:r>
+              <a:rPr lang="de-CH" sz="1200" dirty="0"/>
+              <a:t> </a:t>
+            </a:r>
+            <a:r>
+              <a:rPr lang="de-CH" sz="1200" dirty="0" err="1"/>
+              <a:t>functions</a:t>
+            </a:r>
+            <a:endParaRPr lang="de-CH" sz="1200" dirty="0"/>
+          </a:p>
+          <a:p>
+            <a:pPr marL="171450" indent="-171450">
               <a:lnSpc>
                 <a:spcPct val="150000"/>
               </a:lnSpc>
+              <a:buFont typeface="Wingdings" panose="05000000000000000000" pitchFamily="2" charset="2"/>
+              <a:buChar char="§"/>
             </a:pPr>
             <a:r>
-              <a:rPr lang="en-US" dirty="0"/>
-              <a:t>Q: What applications are there for ...?</a:t>
-            </a:r>
-            <a:endParaRPr lang="de-CH" dirty="0"/>
+              <a:rPr lang="de-CH" sz="1200" dirty="0" err="1"/>
+              <a:t>Installing</a:t>
+            </a:r>
+            <a:r>
+              <a:rPr lang="de-CH" sz="1200" dirty="0"/>
+              <a:t> additional Python </a:t>
+            </a:r>
+            <a:r>
+              <a:rPr lang="de-CH" sz="1200" dirty="0" err="1"/>
+              <a:t>libraries</a:t>
+            </a:r>
+            <a:r>
+              <a:rPr lang="de-CH" sz="1200" dirty="0"/>
+              <a:t> </a:t>
+            </a:r>
+            <a:r>
+              <a:rPr lang="de-CH" sz="1200" dirty="0" err="1"/>
+              <a:t>from</a:t>
+            </a:r>
+            <a:r>
+              <a:rPr lang="de-CH" sz="1200" dirty="0"/>
+              <a:t> </a:t>
+            </a:r>
+            <a:r>
+              <a:rPr lang="de-CH" sz="1200" dirty="0" err="1"/>
+              <a:t>within</a:t>
+            </a:r>
+            <a:r>
+              <a:rPr lang="de-CH" sz="1200" dirty="0"/>
+              <a:t> a </a:t>
+            </a:r>
+            <a:r>
+              <a:rPr lang="de-CH" sz="1200" dirty="0" err="1"/>
+              <a:t>Jupyter</a:t>
+            </a:r>
+            <a:r>
+              <a:rPr lang="de-CH" sz="1200" dirty="0"/>
+              <a:t> Notebook</a:t>
+            </a:r>
+          </a:p>
+          <a:p>
+            <a:pPr marL="171450" indent="-171450">
+              <a:lnSpc>
+                <a:spcPct val="150000"/>
+              </a:lnSpc>
+              <a:buFont typeface="Wingdings" panose="05000000000000000000" pitchFamily="2" charset="2"/>
+              <a:buChar char="§"/>
+            </a:pPr>
+            <a:r>
+              <a:rPr lang="de-CH" sz="1200" dirty="0"/>
+              <a:t>Working with </a:t>
+            </a:r>
+            <a:r>
+              <a:rPr lang="de-CH" sz="1200" dirty="0" err="1"/>
+              <a:t>short</a:t>
+            </a:r>
+            <a:r>
+              <a:rPr lang="de-CH" sz="1200" dirty="0"/>
+              <a:t> </a:t>
+            </a:r>
+            <a:r>
+              <a:rPr lang="de-CH" sz="1200" dirty="0" err="1"/>
+              <a:t>cuts</a:t>
+            </a:r>
+            <a:endParaRPr lang="de-CH" sz="1200" dirty="0"/>
+          </a:p>
+          <a:p>
+            <a:pPr marL="171450" indent="-171450">
+              <a:lnSpc>
+                <a:spcPct val="150000"/>
+              </a:lnSpc>
+              <a:buFont typeface="Wingdings" panose="05000000000000000000" pitchFamily="2" charset="2"/>
+              <a:buChar char="§"/>
+            </a:pPr>
+            <a:r>
+              <a:rPr lang="de-CH" sz="1200" dirty="0" err="1"/>
+              <a:t>Saving</a:t>
+            </a:r>
+            <a:r>
+              <a:rPr lang="de-CH" sz="1200" dirty="0"/>
+              <a:t> </a:t>
+            </a:r>
+            <a:r>
+              <a:rPr lang="de-CH" sz="1200" dirty="0" err="1"/>
+              <a:t>Results</a:t>
+            </a:r>
+            <a:r>
+              <a:rPr lang="de-CH" sz="1200" dirty="0"/>
+              <a:t> </a:t>
+            </a:r>
+            <a:r>
+              <a:rPr lang="de-CH" sz="1200" dirty="0" err="1"/>
+              <a:t>as</a:t>
+            </a:r>
+            <a:r>
+              <a:rPr lang="de-CH" sz="1200" dirty="0"/>
+              <a:t> HTML-File</a:t>
+            </a:r>
+          </a:p>
+          <a:p>
+            <a:pPr marL="171450" indent="-171450">
+              <a:lnSpc>
+                <a:spcPct val="150000"/>
+              </a:lnSpc>
+              <a:buFont typeface="Wingdings" panose="05000000000000000000" pitchFamily="2" charset="2"/>
+              <a:buChar char="§"/>
+            </a:pPr>
+            <a:r>
+              <a:rPr lang="de-CH" sz="1200" dirty="0" err="1"/>
+              <a:t>Jupyter</a:t>
+            </a:r>
+            <a:r>
+              <a:rPr lang="de-CH" sz="1200" dirty="0"/>
+              <a:t> Notebook, </a:t>
+            </a:r>
+            <a:r>
+              <a:rPr lang="de-CH" sz="1200" dirty="0" err="1"/>
+              <a:t>Jupyter</a:t>
+            </a:r>
+            <a:r>
+              <a:rPr lang="de-CH" sz="1200" dirty="0"/>
+              <a:t> Lab, Google </a:t>
+            </a:r>
+            <a:r>
+              <a:rPr lang="de-CH" sz="1200" dirty="0" err="1"/>
+              <a:t>Collab</a:t>
+            </a:r>
+            <a:endParaRPr lang="de-CH" sz="1200" dirty="0"/>
+          </a:p>
+          <a:p>
+            <a:pPr marL="171450" indent="-171450">
+              <a:lnSpc>
+                <a:spcPct val="150000"/>
+              </a:lnSpc>
+              <a:buFont typeface="Wingdings" panose="05000000000000000000" pitchFamily="2" charset="2"/>
+              <a:buChar char="§"/>
+            </a:pPr>
+            <a:r>
+              <a:rPr lang="de-CH" sz="1200" dirty="0"/>
+              <a:t>Running </a:t>
+            </a:r>
+            <a:r>
+              <a:rPr lang="de-CH" sz="1200" dirty="0" err="1"/>
+              <a:t>locally</a:t>
+            </a:r>
+            <a:r>
+              <a:rPr lang="de-CH" sz="1200" dirty="0"/>
+              <a:t> </a:t>
+            </a:r>
+            <a:r>
+              <a:rPr lang="de-CH" sz="1200" dirty="0" err="1"/>
+              <a:t>developed</a:t>
+            </a:r>
+            <a:r>
+              <a:rPr lang="de-CH" sz="1200" dirty="0"/>
+              <a:t> </a:t>
+            </a:r>
+            <a:r>
+              <a:rPr lang="de-CH" sz="1200" dirty="0" err="1"/>
+              <a:t>Jupyter</a:t>
+            </a:r>
+            <a:r>
+              <a:rPr lang="de-CH" sz="1200" dirty="0"/>
+              <a:t> Notebooks with Amazon </a:t>
+            </a:r>
+            <a:r>
+              <a:rPr lang="de-CH" sz="1200" dirty="0" err="1"/>
+              <a:t>SageMaker</a:t>
+            </a:r>
+            <a:endParaRPr lang="de-CH" sz="1200" dirty="0"/>
+          </a:p>
+          <a:p>
+            <a:pPr marL="171450" indent="-171450">
+              <a:lnSpc>
+                <a:spcPct val="150000"/>
+              </a:lnSpc>
+              <a:buFont typeface="Wingdings" panose="05000000000000000000" pitchFamily="2" charset="2"/>
+              <a:buChar char="§"/>
+            </a:pPr>
+            <a:r>
+              <a:rPr lang="de-CH" sz="1200" dirty="0"/>
+              <a:t>….</a:t>
+            </a:r>
+          </a:p>
+        </p:txBody>
+      </p:sp>
+      <p:sp>
+        <p:nvSpPr>
+          <p:cNvPr id="2" name="Textfeld 1">
+            <a:extLst>
+              <a:ext uri="{FF2B5EF4-FFF2-40B4-BE49-F238E27FC236}">
+                <a16:creationId xmlns:a16="http://schemas.microsoft.com/office/drawing/2014/main" id="{0BDC7BB2-703F-4B5B-A1AD-C10C1CD1470F}"/>
+              </a:ext>
+            </a:extLst>
+          </p:cNvPr>
+          <p:cNvSpPr txBox="1"/>
+          <p:nvPr/>
+        </p:nvSpPr>
+        <p:spPr>
+          <a:xfrm>
+            <a:off x="6629400" y="2575791"/>
+            <a:ext cx="1295400" cy="400110"/>
+          </a:xfrm>
+          <a:prstGeom prst="rect">
+            <a:avLst/>
+          </a:prstGeom>
+          <a:solidFill>
+            <a:srgbClr val="FFC000"/>
+          </a:solidFill>
+        </p:spPr>
+        <p:txBody>
+          <a:bodyPr wrap="square" rtlCol="0">
+            <a:spAutoFit/>
+          </a:bodyPr>
+          <a:lstStyle/>
+          <a:p>
+            <a:r>
+              <a:rPr lang="de-CH" sz="2000" dirty="0" err="1"/>
+              <a:t>Example</a:t>
+            </a:r>
+            <a:r>
+              <a:rPr lang="de-CH" sz="2000" dirty="0"/>
+              <a:t>!</a:t>
+            </a:r>
           </a:p>
         </p:txBody>
       </p:sp>
     </p:spTree>
     <p:extLst>
       <p:ext uri="{BB962C8B-B14F-4D97-AF65-F5344CB8AC3E}">
-        <p14:creationId xmlns:p14="http://schemas.microsoft.com/office/powerpoint/2010/main" val="1256666433"/>
+        <p14:creationId xmlns:p14="http://schemas.microsoft.com/office/powerpoint/2010/main" val="4244923999"/>
       </p:ext>
     </p:extLst>
   </p:cSld>
@@ -11204,15 +11536,23 @@
           <a:p>
             <a:r>
               <a:rPr lang="en-US" dirty="0"/>
-              <a:t>Minimal structure of the final presentation (</a:t>
-            </a:r>
-            <a:r>
-              <a:rPr lang="en-US" dirty="0" err="1"/>
-              <a:t>Jupyter</a:t>
+              <a:t>Recommended structure of the </a:t>
+            </a:r>
+            <a:r>
+              <a:rPr lang="de-CH" dirty="0"/>
+              <a:t>«</a:t>
             </a:r>
             <a:r>
               <a:rPr lang="en-US" dirty="0"/>
-              <a:t> Notebook/HTML)</a:t>
+              <a:t>expert</a:t>
+            </a:r>
+            <a:r>
+              <a:rPr lang="de-CH" dirty="0"/>
+              <a:t>»</a:t>
+            </a:r>
+            <a:r>
+              <a:rPr lang="en-US" dirty="0"/>
+              <a:t> sessions</a:t>
             </a:r>
           </a:p>
         </p:txBody>
@@ -11378,7 +11718,331 @@
           <a:p>
             <a:r>
               <a:rPr lang="de-CH" dirty="0"/>
-              <a:t>Dr. Mario Gellrich, Summer School 2021 </a:t>
+              <a:t>Dr. Mario Gellrich, Summer School 2022 </a:t>
+            </a:r>
+          </a:p>
+        </p:txBody>
+      </p:sp>
+      <p:sp>
+        <p:nvSpPr>
+          <p:cNvPr id="3" name="Rechteck 2">
+            <a:extLst>
+              <a:ext uri="{FF2B5EF4-FFF2-40B4-BE49-F238E27FC236}">
+                <a16:creationId xmlns:a16="http://schemas.microsoft.com/office/drawing/2014/main" id="{B7DD5D79-00C9-4F98-91A0-54F9B5713B18}"/>
+              </a:ext>
+            </a:extLst>
+          </p:cNvPr>
+          <p:cNvSpPr/>
+          <p:nvPr/>
+        </p:nvSpPr>
+        <p:spPr>
+          <a:xfrm>
+            <a:off x="126998" y="1100860"/>
+            <a:ext cx="8788402" cy="2031838"/>
+          </a:xfrm>
+          <a:prstGeom prst="rect">
+            <a:avLst/>
+          </a:prstGeom>
+        </p:spPr>
+        <p:txBody>
+          <a:bodyPr wrap="square">
+            <a:spAutoFit/>
+          </a:bodyPr>
+          <a:lstStyle/>
+          <a:p>
+            <a:pPr>
+              <a:lnSpc>
+                <a:spcPct val="150000"/>
+              </a:lnSpc>
+            </a:pPr>
+            <a:r>
+              <a:rPr lang="en-US" dirty="0"/>
+              <a:t>Questions which help to explain the software, functions, methods, etc. by each expert group</a:t>
+            </a:r>
+          </a:p>
+          <a:p>
+            <a:pPr>
+              <a:lnSpc>
+                <a:spcPct val="150000"/>
+              </a:lnSpc>
+            </a:pPr>
+            <a:endParaRPr lang="en-US" sz="600" dirty="0"/>
+          </a:p>
+          <a:p>
+            <a:pPr>
+              <a:lnSpc>
+                <a:spcPct val="150000"/>
+              </a:lnSpc>
+            </a:pPr>
+            <a:r>
+              <a:rPr lang="en-US" dirty="0"/>
+              <a:t>Q: What is ...? / Explain ...! </a:t>
+            </a:r>
+          </a:p>
+          <a:p>
+            <a:pPr>
+              <a:lnSpc>
+                <a:spcPct val="150000"/>
+              </a:lnSpc>
+            </a:pPr>
+            <a:r>
+              <a:rPr lang="en-US" dirty="0"/>
+              <a:t>Q: What problem is solved with ...? </a:t>
+            </a:r>
+          </a:p>
+          <a:p>
+            <a:pPr>
+              <a:lnSpc>
+                <a:spcPct val="150000"/>
+              </a:lnSpc>
+            </a:pPr>
+            <a:r>
+              <a:rPr lang="en-US" dirty="0"/>
+              <a:t>Q: How does ... work? </a:t>
+            </a:r>
+          </a:p>
+          <a:p>
+            <a:pPr>
+              <a:lnSpc>
+                <a:spcPct val="150000"/>
+              </a:lnSpc>
+            </a:pPr>
+            <a:r>
+              <a:rPr lang="en-US" dirty="0"/>
+              <a:t>Q: What applications are there for ...?</a:t>
+            </a:r>
+            <a:endParaRPr lang="de-CH" dirty="0"/>
+          </a:p>
+        </p:txBody>
+      </p:sp>
+    </p:spTree>
+    <p:extLst>
+      <p:ext uri="{BB962C8B-B14F-4D97-AF65-F5344CB8AC3E}">
+        <p14:creationId xmlns:p14="http://schemas.microsoft.com/office/powerpoint/2010/main" val="1256666433"/>
+      </p:ext>
+    </p:extLst>
+  </p:cSld>
+  <p:clrMapOvr>
+    <a:masterClrMapping/>
+  </p:clrMapOvr>
+</p:sld>
+</file>
+
+<file path=ppt/slides/slide13.xml><?xml version="1.0" encoding="utf-8"?>
+<p:sld xmlns:a="http://schemas.openxmlformats.org/drawingml/2006/main" xmlns:r="http://schemas.openxmlformats.org/officeDocument/2006/relationships" xmlns:p="http://schemas.openxmlformats.org/presentationml/2006/main">
+  <p:cSld>
+    <p:spTree>
+      <p:nvGrpSpPr>
+        <p:cNvPr id="1" name=""/>
+        <p:cNvGrpSpPr/>
+        <p:nvPr/>
+      </p:nvGrpSpPr>
+      <p:grpSpPr>
+        <a:xfrm>
+          <a:off x="0" y="0"/>
+          <a:ext cx="0" cy="0"/>
+          <a:chOff x="0" y="0"/>
+          <a:chExt cx="0" cy="0"/>
+        </a:xfrm>
+      </p:grpSpPr>
+      <p:sp>
+        <p:nvSpPr>
+          <p:cNvPr id="12" name="Title 11">
+            <a:extLst>
+              <a:ext uri="{FF2B5EF4-FFF2-40B4-BE49-F238E27FC236}">
+                <a16:creationId xmlns:a16="http://schemas.microsoft.com/office/drawing/2014/main" id="{3ED6289C-2826-479E-8A46-7374B317A105}"/>
+              </a:ext>
+            </a:extLst>
+          </p:cNvPr>
+          <p:cNvSpPr>
+            <a:spLocks noGrp="1"/>
+          </p:cNvSpPr>
+          <p:nvPr>
+            <p:ph type="title"/>
+          </p:nvPr>
+        </p:nvSpPr>
+        <p:spPr/>
+        <p:txBody>
+          <a:bodyPr/>
+          <a:lstStyle/>
+          <a:p>
+            <a:r>
+              <a:rPr lang="en-US" dirty="0"/>
+              <a:t>Minimal structure of the final presentation (</a:t>
+            </a:r>
+            <a:r>
+              <a:rPr lang="en-US" dirty="0" err="1"/>
+              <a:t>Jupyter</a:t>
+            </a:r>
+            <a:r>
+              <a:rPr lang="en-US" dirty="0"/>
+              <a:t> Notebook / HTML)</a:t>
+            </a:r>
+          </a:p>
+        </p:txBody>
+      </p:sp>
+      <p:sp>
+        <p:nvSpPr>
+          <p:cNvPr id="4" name="Slide Number Placeholder 3">
+            <a:extLst>
+              <a:ext uri="{FF2B5EF4-FFF2-40B4-BE49-F238E27FC236}">
+                <a16:creationId xmlns:a16="http://schemas.microsoft.com/office/drawing/2014/main" id="{3F9E7F0D-0FFC-4237-A1D9-A9E618ED35DC}"/>
+              </a:ext>
+            </a:extLst>
+          </p:cNvPr>
+          <p:cNvSpPr>
+            <a:spLocks noGrp="1"/>
+          </p:cNvSpPr>
+          <p:nvPr>
+            <p:ph type="sldNum" sz="quarter" idx="4"/>
+          </p:nvPr>
+        </p:nvSpPr>
+        <p:spPr>
+          <a:xfrm>
+            <a:off x="5817077" y="4920437"/>
+            <a:ext cx="565892" cy="107722"/>
+          </a:xfrm>
+        </p:spPr>
+        <p:txBody>
+          <a:bodyPr/>
+          <a:lstStyle/>
+          <a:p>
+            <a:pPr algn="r"/>
+            <a:fld id="{86CA04C2-9DE3-449B-BEE1-2211725B6BF1}" type="slidenum">
+              <a:rPr lang="de-CH"/>
+              <a:t>13</a:t>
+            </a:fld>
+            <a:endParaRPr lang="de-CH" dirty="0"/>
+          </a:p>
+        </p:txBody>
+      </p:sp>
+      <p:sp>
+        <p:nvSpPr>
+          <p:cNvPr id="13" name="Slide Number Placeholder 3">
+            <a:extLst>
+              <a:ext uri="{FF2B5EF4-FFF2-40B4-BE49-F238E27FC236}">
+                <a16:creationId xmlns:a16="http://schemas.microsoft.com/office/drawing/2014/main" id="{5D4B5637-160C-4252-86E7-26CCB45F80D0}"/>
+              </a:ext>
+            </a:extLst>
+          </p:cNvPr>
+          <p:cNvSpPr txBox="1">
+            <a:spLocks/>
+          </p:cNvSpPr>
+          <p:nvPr/>
+        </p:nvSpPr>
+        <p:spPr>
+          <a:xfrm>
+            <a:off x="152400" y="4943760"/>
+            <a:ext cx="1752600" cy="107722"/>
+          </a:xfrm>
+          <a:prstGeom prst="rect">
+            <a:avLst/>
+          </a:prstGeom>
+          <a:noFill/>
+        </p:spPr>
+        <p:txBody>
+          <a:bodyPr vert="horz" wrap="square" lIns="0" tIns="0" rIns="0" bIns="0" rtlCol="0" anchor="ctr" anchorCtr="0">
+            <a:spAutoFit/>
+          </a:bodyPr>
+          <a:lstStyle>
+            <a:defPPr>
+              <a:defRPr lang="fr-FR"/>
+            </a:defPPr>
+            <a:lvl1pPr marL="0" algn="l" defTabSz="778993" rtl="0" eaLnBrk="1" latinLnBrk="0" hangingPunct="1">
+              <a:defRPr lang="de-CH" sz="700" kern="1200" smtClean="0">
+                <a:solidFill>
+                  <a:srgbClr val="012C59"/>
+                </a:solidFill>
+                <a:latin typeface="+mn-lt"/>
+                <a:ea typeface="+mn-ea"/>
+                <a:cs typeface="+mn-cs"/>
+              </a:defRPr>
+            </a:lvl1pPr>
+            <a:lvl2pPr marL="389496" algn="l" defTabSz="778993" rtl="0" eaLnBrk="1" latinLnBrk="0" hangingPunct="1">
+              <a:defRPr sz="1600" kern="1200">
+                <a:solidFill>
+                  <a:schemeClr val="tx1"/>
+                </a:solidFill>
+                <a:latin typeface="+mn-lt"/>
+                <a:ea typeface="+mn-ea"/>
+                <a:cs typeface="+mn-cs"/>
+              </a:defRPr>
+            </a:lvl2pPr>
+            <a:lvl3pPr marL="778993" algn="l" defTabSz="778993" rtl="0" eaLnBrk="1" latinLnBrk="0" hangingPunct="1">
+              <a:defRPr sz="1600" kern="1200">
+                <a:solidFill>
+                  <a:schemeClr val="tx1"/>
+                </a:solidFill>
+                <a:latin typeface="+mn-lt"/>
+                <a:ea typeface="+mn-ea"/>
+                <a:cs typeface="+mn-cs"/>
+              </a:defRPr>
+            </a:lvl3pPr>
+            <a:lvl4pPr marL="1168488" algn="l" defTabSz="778993" rtl="0" eaLnBrk="1" latinLnBrk="0" hangingPunct="1">
+              <a:defRPr sz="1600" kern="1200">
+                <a:solidFill>
+                  <a:schemeClr val="tx1"/>
+                </a:solidFill>
+                <a:latin typeface="+mn-lt"/>
+                <a:ea typeface="+mn-ea"/>
+                <a:cs typeface="+mn-cs"/>
+              </a:defRPr>
+            </a:lvl4pPr>
+            <a:lvl5pPr marL="1557986" algn="l" defTabSz="778993" rtl="0" eaLnBrk="1" latinLnBrk="0" hangingPunct="1">
+              <a:defRPr sz="1600" kern="1200">
+                <a:solidFill>
+                  <a:schemeClr val="tx1"/>
+                </a:solidFill>
+                <a:latin typeface="+mn-lt"/>
+                <a:ea typeface="+mn-ea"/>
+                <a:cs typeface="+mn-cs"/>
+              </a:defRPr>
+            </a:lvl5pPr>
+            <a:lvl6pPr marL="1947481" algn="l" defTabSz="778993" rtl="0" eaLnBrk="1" latinLnBrk="0" hangingPunct="1">
+              <a:defRPr sz="1600" kern="1200">
+                <a:solidFill>
+                  <a:schemeClr val="tx1"/>
+                </a:solidFill>
+                <a:latin typeface="+mn-lt"/>
+                <a:ea typeface="+mn-ea"/>
+                <a:cs typeface="+mn-cs"/>
+              </a:defRPr>
+            </a:lvl6pPr>
+            <a:lvl7pPr marL="2336979" algn="l" defTabSz="778993" rtl="0" eaLnBrk="1" latinLnBrk="0" hangingPunct="1">
+              <a:defRPr sz="1600" kern="1200">
+                <a:solidFill>
+                  <a:schemeClr val="tx1"/>
+                </a:solidFill>
+                <a:latin typeface="+mn-lt"/>
+                <a:ea typeface="+mn-ea"/>
+                <a:cs typeface="+mn-cs"/>
+              </a:defRPr>
+            </a:lvl7pPr>
+            <a:lvl8pPr marL="2726475" algn="l" defTabSz="778993" rtl="0" eaLnBrk="1" latinLnBrk="0" hangingPunct="1">
+              <a:defRPr sz="1600" kern="1200">
+                <a:solidFill>
+                  <a:schemeClr val="tx1"/>
+                </a:solidFill>
+                <a:latin typeface="+mn-lt"/>
+                <a:ea typeface="+mn-ea"/>
+                <a:cs typeface="+mn-cs"/>
+              </a:defRPr>
+            </a:lvl8pPr>
+            <a:lvl9pPr marL="3115973" algn="l" defTabSz="778993" rtl="0" eaLnBrk="1" latinLnBrk="0" hangingPunct="1">
+              <a:defRPr sz="1600" kern="1200">
+                <a:solidFill>
+                  <a:schemeClr val="tx1"/>
+                </a:solidFill>
+                <a:latin typeface="+mn-lt"/>
+                <a:ea typeface="+mn-ea"/>
+                <a:cs typeface="+mn-cs"/>
+              </a:defRPr>
+            </a:lvl9pPr>
+          </a:lstStyle>
+          <a:p>
+            <a:r>
+              <a:rPr lang="de-CH" dirty="0"/>
+              <a:t>Dr. Mario Gellrich, Summer School 2022 </a:t>
             </a:r>
           </a:p>
         </p:txBody>
@@ -11585,20 +12249,8 @@
           <a:lstStyle/>
           <a:p>
             <a:r>
-              <a:rPr lang="en-US" dirty="0" err="1"/>
-              <a:t>Programe</a:t>
-            </a:r>
-            <a:r>
               <a:rPr lang="en-US" dirty="0"/>
-              <a:t> for the 7</a:t>
-            </a:r>
-            <a:r>
-              <a:rPr lang="en-US" baseline="30000" dirty="0"/>
-              <a:t>th</a:t>
-            </a:r>
-            <a:r>
-              <a:rPr lang="en-US" dirty="0"/>
-              <a:t> of July</a:t>
+              <a:t>Program for July 7</a:t>
             </a:r>
           </a:p>
         </p:txBody>
@@ -11764,7 +12416,7 @@
           <a:p>
             <a:r>
               <a:rPr lang="de-CH" dirty="0"/>
-              <a:t>Dr. Mario Gellrich, Summer School 2021 </a:t>
+              <a:t>Dr. Mario Gellrich, Summer School 2022 </a:t>
             </a:r>
           </a:p>
         </p:txBody>
@@ -11784,7 +12436,7 @@
           <p:nvPr>
             <p:extLst>
               <p:ext uri="{D42A27DB-BD31-4B8C-83A1-F6EECF244321}">
-                <p14:modId xmlns:p14="http://schemas.microsoft.com/office/powerpoint/2010/main" val="1109508138"/>
+                <p14:modId xmlns:p14="http://schemas.microsoft.com/office/powerpoint/2010/main" val="2409247722"/>
               </p:ext>
             </p:extLst>
           </p:nvPr>
@@ -12077,7 +12729,7 @@
                     <a:p>
                       <a:r>
                         <a:rPr lang="de-CH" sz="1400" dirty="0"/>
-                        <a:t>15:00 – 16:00</a:t>
+                        <a:t>15:00 – 16:30</a:t>
                       </a:r>
                     </a:p>
                   </a:txBody>
@@ -12105,10 +12757,13 @@
                         <a:t> by </a:t>
                       </a:r>
                       <a:r>
-                        <a:rPr lang="de-CH" sz="1400"/>
+                        <a:rPr lang="de-CH" sz="1400" dirty="0" err="1"/>
                         <a:t>groups</a:t>
                       </a:r>
-                      <a:endParaRPr lang="de-CH" sz="1400" dirty="0"/>
+                      <a:r>
+                        <a:rPr lang="de-CH" sz="1400" dirty="0"/>
+                        <a:t> (ca. 7 x 15’)</a:t>
+                      </a:r>
                     </a:p>
                   </a:txBody>
                   <a:tcPr/>
@@ -12403,7 +13058,7 @@
           <a:p>
             <a:r>
               <a:rPr lang="de-CH" dirty="0"/>
-              <a:t>Dr. Mario Gellrich, Summer School 2021 </a:t>
+              <a:t>Dr. Mario Gellrich, Summer School 2022 </a:t>
             </a:r>
           </a:p>
         </p:txBody>
@@ -13026,15 +13681,7 @@
           <a:p>
             <a:r>
               <a:rPr lang="en-US" dirty="0"/>
-              <a:t>Prerequisites for the 7</a:t>
-            </a:r>
-            <a:r>
-              <a:rPr lang="en-US" baseline="30000" dirty="0"/>
-              <a:t>th</a:t>
-            </a:r>
-            <a:r>
-              <a:rPr lang="en-US" dirty="0"/>
-              <a:t> of July</a:t>
+              <a:t>Prerequisites for July 7</a:t>
             </a:r>
           </a:p>
         </p:txBody>
@@ -13200,7 +13847,7 @@
           <a:p>
             <a:r>
               <a:rPr lang="de-CH" dirty="0"/>
-              <a:t>Dr. Mario Gellrich, Summer School 2021 </a:t>
+              <a:t>Dr. Mario Gellrich, Summer School 2022 </a:t>
             </a:r>
           </a:p>
         </p:txBody>
@@ -13673,7 +14320,7 @@
           <a:p>
             <a:r>
               <a:rPr lang="de-CH" dirty="0"/>
-              <a:t>Dr. Mario Gellrich, Summer School 2021 </a:t>
+              <a:t>Dr. Mario Gellrich, Summer School 2022 </a:t>
             </a:r>
           </a:p>
         </p:txBody>
@@ -13971,7 +14618,7 @@
           <a:p>
             <a:r>
               <a:rPr lang="de-CH" dirty="0"/>
-              <a:t>Dr. Mario Gellrich, Summer School 2021 </a:t>
+              <a:t>Dr. Mario Gellrich, Summer School 2022 </a:t>
             </a:r>
           </a:p>
         </p:txBody>
@@ -14397,7 +15044,7 @@
           <a:p>
             <a:r>
               <a:rPr lang="de-CH" dirty="0"/>
-              <a:t>Dr. Mario Gellrich, Summer School 2021 </a:t>
+              <a:t>Dr. Mario Gellrich, Summer School 2022 </a:t>
             </a:r>
           </a:p>
         </p:txBody>
@@ -14922,17 +15569,17 @@
           <a:p>
             <a:r>
               <a:rPr lang="de-CH" dirty="0"/>
-              <a:t>Dr. Mario Gellrich, Summer School 2021 </a:t>
-            </a:r>
-          </a:p>
-        </p:txBody>
-      </p:sp>
-      <p:sp>
-        <p:nvSpPr>
-          <p:cNvPr id="3" name="Textfeld 2">
+              <a:t>Dr. Mario Gellrich, Summer School 2022 </a:t>
+            </a:r>
+          </a:p>
+        </p:txBody>
+      </p:sp>
+      <p:sp>
+        <p:nvSpPr>
+          <p:cNvPr id="9" name="Textfeld 8">
             <a:extLst>
               <a:ext uri="{FF2B5EF4-FFF2-40B4-BE49-F238E27FC236}">
-                <a16:creationId xmlns:a16="http://schemas.microsoft.com/office/drawing/2014/main" id="{819A3754-7476-450D-95B6-93C1875F5848}"/>
+                <a16:creationId xmlns:a16="http://schemas.microsoft.com/office/drawing/2014/main" id="{2B5FACD0-53ED-4B04-9D47-B9233E30A515}"/>
               </a:ext>
             </a:extLst>
           </p:cNvPr>
@@ -14942,7 +15589,7 @@
         <p:spPr>
           <a:xfrm>
             <a:off x="159327" y="1200150"/>
-            <a:ext cx="4315690" cy="1754326"/>
+            <a:ext cx="4315690" cy="2556790"/>
           </a:xfrm>
           <a:prstGeom prst="rect">
             <a:avLst/>
@@ -14971,61 +15618,293 @@
             </a:r>
           </a:p>
           <a:p>
-            <a:r>
-              <a:rPr lang="en-US" sz="1200" dirty="0"/>
-              <a:t>-</a:t>
-            </a:r>
-          </a:p>
-          <a:p>
-            <a:r>
-              <a:rPr lang="en-US" sz="1200" dirty="0"/>
-              <a:t>-</a:t>
-            </a:r>
-          </a:p>
-          <a:p>
-            <a:r>
-              <a:rPr lang="en-US" sz="1200" dirty="0"/>
-              <a:t>-</a:t>
-            </a:r>
-          </a:p>
-          <a:p>
-            <a:r>
-              <a:rPr lang="en-US" sz="1200" dirty="0"/>
-              <a:t>-</a:t>
-            </a:r>
-          </a:p>
-          <a:p>
-            <a:r>
-              <a:rPr lang="en-US" sz="1200" dirty="0"/>
-              <a:t>-</a:t>
-            </a:r>
-          </a:p>
-          <a:p>
-            <a:r>
-              <a:rPr lang="en-US" sz="1200" dirty="0"/>
-              <a:t>-</a:t>
-            </a:r>
-          </a:p>
-          <a:p>
-            <a:r>
-              <a:rPr lang="en-US" sz="1200" dirty="0"/>
-              <a:t>-</a:t>
-            </a:r>
-          </a:p>
-          <a:p>
-            <a:r>
-              <a:rPr lang="en-US" sz="1200" dirty="0"/>
-              <a:t>-</a:t>
-            </a:r>
-          </a:p>
-        </p:txBody>
-      </p:sp>
-      <p:sp>
-        <p:nvSpPr>
-          <p:cNvPr id="32" name="Textfeld 31">
+            <a:pPr marL="171450" indent="-171450">
+              <a:lnSpc>
+                <a:spcPct val="150000"/>
+              </a:lnSpc>
+              <a:buFont typeface="Wingdings" panose="05000000000000000000" pitchFamily="2" charset="2"/>
+              <a:buChar char="§"/>
+            </a:pPr>
+            <a:r>
+              <a:rPr lang="de-CH" sz="1000" dirty="0"/>
+              <a:t>Installation (</a:t>
+            </a:r>
+            <a:r>
+              <a:rPr lang="de-CH" sz="1000" dirty="0" err="1"/>
+              <a:t>Anaconda</a:t>
+            </a:r>
+            <a:r>
+              <a:rPr lang="de-CH" sz="1000" dirty="0"/>
+              <a:t>)</a:t>
+            </a:r>
+          </a:p>
+          <a:p>
+            <a:pPr marL="171450" indent="-171450">
+              <a:lnSpc>
+                <a:spcPct val="150000"/>
+              </a:lnSpc>
+              <a:buFont typeface="Wingdings" panose="05000000000000000000" pitchFamily="2" charset="2"/>
+              <a:buChar char="§"/>
+            </a:pPr>
+            <a:r>
+              <a:rPr lang="de-CH" sz="1000" dirty="0"/>
+              <a:t>Making Python Code </a:t>
+            </a:r>
+            <a:r>
+              <a:rPr lang="de-CH" sz="1000" dirty="0" err="1"/>
+              <a:t>running</a:t>
+            </a:r>
+            <a:endParaRPr lang="de-CH" sz="1000" dirty="0"/>
+          </a:p>
+          <a:p>
+            <a:pPr marL="171450" indent="-171450">
+              <a:lnSpc>
+                <a:spcPct val="150000"/>
+              </a:lnSpc>
+              <a:buFont typeface="Wingdings" panose="05000000000000000000" pitchFamily="2" charset="2"/>
+              <a:buChar char="§"/>
+            </a:pPr>
+            <a:r>
+              <a:rPr lang="de-CH" sz="1000" dirty="0"/>
+              <a:t>HTML </a:t>
+            </a:r>
+            <a:r>
+              <a:rPr lang="de-CH" sz="1000" dirty="0" err="1"/>
+              <a:t>formating</a:t>
+            </a:r>
+            <a:r>
+              <a:rPr lang="de-CH" sz="1000" dirty="0"/>
+              <a:t> (</a:t>
+            </a:r>
+            <a:r>
+              <a:rPr lang="de-CH" sz="1000" dirty="0" err="1"/>
+              <a:t>Markdowns</a:t>
+            </a:r>
+            <a:r>
+              <a:rPr lang="de-CH" sz="1000" dirty="0"/>
+              <a:t>)</a:t>
+            </a:r>
+          </a:p>
+          <a:p>
+            <a:pPr marL="171450" indent="-171450">
+              <a:lnSpc>
+                <a:spcPct val="150000"/>
+              </a:lnSpc>
+              <a:buFont typeface="Wingdings" panose="05000000000000000000" pitchFamily="2" charset="2"/>
+              <a:buChar char="§"/>
+            </a:pPr>
+            <a:r>
+              <a:rPr lang="de-CH" sz="1000" dirty="0" err="1"/>
+              <a:t>Getting</a:t>
+            </a:r>
+            <a:r>
+              <a:rPr lang="de-CH" sz="1000" dirty="0"/>
+              <a:t> </a:t>
+            </a:r>
+            <a:r>
+              <a:rPr lang="de-CH" sz="1000" dirty="0" err="1"/>
+              <a:t>help</a:t>
+            </a:r>
+            <a:r>
+              <a:rPr lang="de-CH" sz="1000" dirty="0"/>
+              <a:t> for </a:t>
+            </a:r>
+            <a:r>
+              <a:rPr lang="de-CH" sz="1000" dirty="0" err="1"/>
+              <a:t>the</a:t>
+            </a:r>
+            <a:r>
+              <a:rPr lang="de-CH" sz="1000" dirty="0"/>
+              <a:t> </a:t>
+            </a:r>
+            <a:r>
+              <a:rPr lang="de-CH" sz="1000" dirty="0" err="1"/>
+              <a:t>functions</a:t>
+            </a:r>
+            <a:endParaRPr lang="de-CH" sz="1000" dirty="0"/>
+          </a:p>
+          <a:p>
+            <a:pPr marL="171450" indent="-171450">
+              <a:lnSpc>
+                <a:spcPct val="150000"/>
+              </a:lnSpc>
+              <a:buFont typeface="Wingdings" panose="05000000000000000000" pitchFamily="2" charset="2"/>
+              <a:buChar char="§"/>
+            </a:pPr>
+            <a:r>
+              <a:rPr lang="de-CH" sz="1000" dirty="0" err="1"/>
+              <a:t>Installing</a:t>
+            </a:r>
+            <a:r>
+              <a:rPr lang="de-CH" sz="1000" dirty="0"/>
+              <a:t> additional Python </a:t>
+            </a:r>
+            <a:r>
+              <a:rPr lang="de-CH" sz="1000" dirty="0" err="1"/>
+              <a:t>libraries</a:t>
+            </a:r>
+            <a:r>
+              <a:rPr lang="de-CH" sz="1000" dirty="0"/>
+              <a:t> </a:t>
+            </a:r>
+            <a:r>
+              <a:rPr lang="de-CH" sz="1000" dirty="0" err="1"/>
+              <a:t>from</a:t>
+            </a:r>
+            <a:r>
+              <a:rPr lang="de-CH" sz="1000" dirty="0"/>
+              <a:t> </a:t>
+            </a:r>
+            <a:r>
+              <a:rPr lang="de-CH" sz="1000" dirty="0" err="1"/>
+              <a:t>within</a:t>
+            </a:r>
+            <a:r>
+              <a:rPr lang="de-CH" sz="1000" dirty="0"/>
+              <a:t> a </a:t>
+            </a:r>
+            <a:r>
+              <a:rPr lang="de-CH" sz="1000" dirty="0" err="1"/>
+              <a:t>Jupyter</a:t>
+            </a:r>
+            <a:r>
+              <a:rPr lang="de-CH" sz="1000" dirty="0"/>
+              <a:t> Notebook</a:t>
+            </a:r>
+          </a:p>
+          <a:p>
+            <a:pPr marL="171450" indent="-171450">
+              <a:lnSpc>
+                <a:spcPct val="150000"/>
+              </a:lnSpc>
+              <a:buFont typeface="Wingdings" panose="05000000000000000000" pitchFamily="2" charset="2"/>
+              <a:buChar char="§"/>
+            </a:pPr>
+            <a:r>
+              <a:rPr lang="de-CH" sz="1000" dirty="0"/>
+              <a:t>Working with </a:t>
+            </a:r>
+            <a:r>
+              <a:rPr lang="de-CH" sz="1000" dirty="0" err="1"/>
+              <a:t>short</a:t>
+            </a:r>
+            <a:r>
+              <a:rPr lang="de-CH" sz="1000" dirty="0"/>
+              <a:t> </a:t>
+            </a:r>
+            <a:r>
+              <a:rPr lang="de-CH" sz="1000" dirty="0" err="1"/>
+              <a:t>cuts</a:t>
+            </a:r>
+            <a:endParaRPr lang="de-CH" sz="1000" dirty="0"/>
+          </a:p>
+          <a:p>
+            <a:pPr marL="171450" indent="-171450">
+              <a:lnSpc>
+                <a:spcPct val="150000"/>
+              </a:lnSpc>
+              <a:buFont typeface="Wingdings" panose="05000000000000000000" pitchFamily="2" charset="2"/>
+              <a:buChar char="§"/>
+            </a:pPr>
+            <a:r>
+              <a:rPr lang="de-CH" sz="1000" dirty="0" err="1"/>
+              <a:t>Saving</a:t>
+            </a:r>
+            <a:r>
+              <a:rPr lang="de-CH" sz="1000" dirty="0"/>
+              <a:t> </a:t>
+            </a:r>
+            <a:r>
+              <a:rPr lang="de-CH" sz="1000" dirty="0" err="1"/>
+              <a:t>Results</a:t>
+            </a:r>
+            <a:r>
+              <a:rPr lang="de-CH" sz="1000" dirty="0"/>
+              <a:t> </a:t>
+            </a:r>
+            <a:r>
+              <a:rPr lang="de-CH" sz="1000" dirty="0" err="1"/>
+              <a:t>as</a:t>
+            </a:r>
+            <a:r>
+              <a:rPr lang="de-CH" sz="1000" dirty="0"/>
+              <a:t> HTML-File</a:t>
+            </a:r>
+          </a:p>
+          <a:p>
+            <a:pPr marL="171450" indent="-171450">
+              <a:lnSpc>
+                <a:spcPct val="150000"/>
+              </a:lnSpc>
+              <a:buFont typeface="Wingdings" panose="05000000000000000000" pitchFamily="2" charset="2"/>
+              <a:buChar char="§"/>
+            </a:pPr>
+            <a:r>
+              <a:rPr lang="de-CH" sz="1000" dirty="0" err="1"/>
+              <a:t>Jupyter</a:t>
+            </a:r>
+            <a:r>
+              <a:rPr lang="de-CH" sz="1000" dirty="0"/>
+              <a:t> Notebook, </a:t>
+            </a:r>
+            <a:r>
+              <a:rPr lang="de-CH" sz="1000" dirty="0" err="1"/>
+              <a:t>Jupyter</a:t>
+            </a:r>
+            <a:r>
+              <a:rPr lang="de-CH" sz="1000" dirty="0"/>
+              <a:t> Lab, Google </a:t>
+            </a:r>
+            <a:r>
+              <a:rPr lang="de-CH" sz="1000" dirty="0" err="1"/>
+              <a:t>Collab</a:t>
+            </a:r>
+            <a:endParaRPr lang="de-CH" sz="1000" dirty="0"/>
+          </a:p>
+          <a:p>
+            <a:pPr marL="171450" indent="-171450">
+              <a:lnSpc>
+                <a:spcPct val="150000"/>
+              </a:lnSpc>
+              <a:buFont typeface="Wingdings" panose="05000000000000000000" pitchFamily="2" charset="2"/>
+              <a:buChar char="§"/>
+            </a:pPr>
+            <a:r>
+              <a:rPr lang="de-CH" sz="1000" dirty="0"/>
+              <a:t>Running </a:t>
+            </a:r>
+            <a:r>
+              <a:rPr lang="de-CH" sz="1000" dirty="0" err="1"/>
+              <a:t>Jupyter</a:t>
+            </a:r>
+            <a:r>
+              <a:rPr lang="de-CH" sz="1000" dirty="0"/>
+              <a:t> Notebooks with Amazon </a:t>
+            </a:r>
+            <a:r>
+              <a:rPr lang="de-CH" sz="1000" dirty="0" err="1"/>
+              <a:t>SageMaker</a:t>
+            </a:r>
+            <a:endParaRPr lang="de-CH" sz="1000" dirty="0"/>
+          </a:p>
+          <a:p>
+            <a:pPr marL="171450" indent="-171450">
+              <a:lnSpc>
+                <a:spcPct val="150000"/>
+              </a:lnSpc>
+              <a:buFont typeface="Wingdings" panose="05000000000000000000" pitchFamily="2" charset="2"/>
+              <a:buChar char="§"/>
+            </a:pPr>
+            <a:endParaRPr lang="de-CH" sz="1000" dirty="0"/>
+          </a:p>
+        </p:txBody>
+      </p:sp>
+      <p:sp>
+        <p:nvSpPr>
+          <p:cNvPr id="10" name="Textfeld 9">
             <a:extLst>
               <a:ext uri="{FF2B5EF4-FFF2-40B4-BE49-F238E27FC236}">
-                <a16:creationId xmlns:a16="http://schemas.microsoft.com/office/drawing/2014/main" id="{8CEBDC2E-4FF7-4C7D-B083-240C63E057F1}"/>
+                <a16:creationId xmlns:a16="http://schemas.microsoft.com/office/drawing/2014/main" id="{13A6153F-F227-4072-A0BE-265F89DE8041}"/>
               </a:ext>
             </a:extLst>
           </p:cNvPr>
@@ -15035,7 +15914,7 @@
         <p:spPr>
           <a:xfrm>
             <a:off x="4572001" y="1200150"/>
-            <a:ext cx="4343400" cy="1754326"/>
+            <a:ext cx="4343400" cy="2556790"/>
           </a:xfrm>
           <a:prstGeom prst="rect">
             <a:avLst/>
@@ -15056,217 +15935,134 @@
             </a:r>
           </a:p>
           <a:p>
-            <a:r>
-              <a:rPr lang="en-US" sz="1200" dirty="0"/>
-              <a:t>-</a:t>
-            </a:r>
-          </a:p>
-          <a:p>
-            <a:r>
-              <a:rPr lang="en-US" sz="1200" dirty="0"/>
-              <a:t>-</a:t>
-            </a:r>
-          </a:p>
-          <a:p>
-            <a:r>
-              <a:rPr lang="en-US" sz="1200" dirty="0"/>
-              <a:t>-</a:t>
-            </a:r>
-          </a:p>
-          <a:p>
-            <a:r>
-              <a:rPr lang="en-US" sz="1200" dirty="0"/>
-              <a:t>-</a:t>
-            </a:r>
-          </a:p>
-          <a:p>
-            <a:r>
-              <a:rPr lang="en-US" sz="1200" dirty="0"/>
-              <a:t>-</a:t>
-            </a:r>
-          </a:p>
-          <a:p>
-            <a:r>
-              <a:rPr lang="en-US" sz="1200" dirty="0"/>
-              <a:t>-</a:t>
-            </a:r>
-          </a:p>
-          <a:p>
-            <a:r>
-              <a:rPr lang="en-US" sz="1200" dirty="0"/>
-              <a:t>-</a:t>
-            </a:r>
-          </a:p>
-          <a:p>
-            <a:r>
-              <a:rPr lang="en-US" sz="1200" dirty="0"/>
-              <a:t>-</a:t>
-            </a:r>
-          </a:p>
-        </p:txBody>
-      </p:sp>
-      <p:sp>
-        <p:nvSpPr>
-          <p:cNvPr id="33" name="Textfeld 32">
-            <a:extLst>
-              <a:ext uri="{FF2B5EF4-FFF2-40B4-BE49-F238E27FC236}">
-                <a16:creationId xmlns:a16="http://schemas.microsoft.com/office/drawing/2014/main" id="{10FC5704-BC39-4249-AB8C-0F35B4EDEBB0}"/>
-              </a:ext>
-            </a:extLst>
-          </p:cNvPr>
-          <p:cNvSpPr txBox="1"/>
-          <p:nvPr/>
-        </p:nvSpPr>
-        <p:spPr>
-          <a:xfrm>
-            <a:off x="180108" y="3137476"/>
-            <a:ext cx="4315691" cy="1569660"/>
-          </a:xfrm>
-          <a:prstGeom prst="rect">
-            <a:avLst/>
-          </a:prstGeom>
-          <a:solidFill>
-            <a:srgbClr val="FAE38E"/>
-          </a:solidFill>
-        </p:spPr>
-        <p:txBody>
-          <a:bodyPr wrap="square" rtlCol="0">
-            <a:spAutoFit/>
-          </a:bodyPr>
-          <a:lstStyle/>
-          <a:p>
-            <a:r>
-              <a:rPr lang="en-US" sz="1200" dirty="0"/>
-              <a:t> (Topic 3) Exploratory data analysis (non-graphical, graphical)</a:t>
-            </a:r>
-          </a:p>
-          <a:p>
-            <a:r>
-              <a:rPr lang="en-US" sz="1200" dirty="0"/>
-              <a:t>-</a:t>
-            </a:r>
-          </a:p>
-          <a:p>
-            <a:r>
-              <a:rPr lang="en-US" sz="1200" dirty="0"/>
-              <a:t>-</a:t>
-            </a:r>
-          </a:p>
-          <a:p>
-            <a:r>
-              <a:rPr lang="en-US" sz="1200" dirty="0"/>
-              <a:t>-</a:t>
-            </a:r>
-          </a:p>
-          <a:p>
-            <a:r>
-              <a:rPr lang="en-US" sz="1200" dirty="0"/>
-              <a:t>-</a:t>
-            </a:r>
-          </a:p>
-          <a:p>
-            <a:r>
-              <a:rPr lang="en-US" sz="1200" dirty="0"/>
-              <a:t>-</a:t>
-            </a:r>
-          </a:p>
-          <a:p>
-            <a:r>
-              <a:rPr lang="en-US" sz="1200" dirty="0"/>
-              <a:t>-</a:t>
-            </a:r>
-          </a:p>
-          <a:p>
-            <a:r>
-              <a:rPr lang="en-US" sz="1200" dirty="0"/>
-              <a:t>-</a:t>
-            </a:r>
-          </a:p>
-        </p:txBody>
-      </p:sp>
-      <p:sp>
-        <p:nvSpPr>
-          <p:cNvPr id="34" name="Textfeld 33">
-            <a:extLst>
-              <a:ext uri="{FF2B5EF4-FFF2-40B4-BE49-F238E27FC236}">
-                <a16:creationId xmlns:a16="http://schemas.microsoft.com/office/drawing/2014/main" id="{EB422D93-4AFA-4102-9CCA-D51BE5A5276F}"/>
-              </a:ext>
-            </a:extLst>
-          </p:cNvPr>
-          <p:cNvSpPr txBox="1"/>
-          <p:nvPr/>
-        </p:nvSpPr>
-        <p:spPr>
-          <a:xfrm>
-            <a:off x="4574309" y="3137476"/>
-            <a:ext cx="4341092" cy="1569660"/>
-          </a:xfrm>
-          <a:prstGeom prst="rect">
-            <a:avLst/>
-          </a:prstGeom>
-          <a:solidFill>
-            <a:srgbClr val="FAE38E"/>
-          </a:solidFill>
-        </p:spPr>
-        <p:txBody>
-          <a:bodyPr wrap="square" rtlCol="0">
-            <a:spAutoFit/>
-          </a:bodyPr>
-          <a:lstStyle/>
-          <a:p>
-            <a:r>
-              <a:rPr lang="en-US" sz="1200" dirty="0"/>
-              <a:t> (4) Data engineering and preprocessing</a:t>
-            </a:r>
-          </a:p>
-          <a:p>
-            <a:r>
-              <a:rPr lang="en-US" sz="1200" dirty="0"/>
-              <a:t>-</a:t>
-            </a:r>
-          </a:p>
-          <a:p>
-            <a:r>
-              <a:rPr lang="en-US" sz="1200" dirty="0"/>
-              <a:t>-</a:t>
-            </a:r>
-          </a:p>
-          <a:p>
-            <a:r>
-              <a:rPr lang="en-US" sz="1200" dirty="0"/>
-              <a:t>-</a:t>
-            </a:r>
-          </a:p>
-          <a:p>
-            <a:r>
-              <a:rPr lang="en-US" sz="1200" dirty="0"/>
-              <a:t>-</a:t>
-            </a:r>
-          </a:p>
-          <a:p>
-            <a:r>
-              <a:rPr lang="en-US" sz="1200" dirty="0"/>
-              <a:t>-</a:t>
-            </a:r>
-          </a:p>
-          <a:p>
-            <a:r>
-              <a:rPr lang="en-US" sz="1200" dirty="0"/>
-              <a:t>-</a:t>
-            </a:r>
-          </a:p>
-          <a:p>
-            <a:r>
-              <a:rPr lang="en-US" sz="1200" dirty="0"/>
-              <a:t>-</a:t>
-            </a:r>
+            <a:pPr marL="171450" indent="-171450">
+              <a:lnSpc>
+                <a:spcPct val="150000"/>
+              </a:lnSpc>
+              <a:buFont typeface="Wingdings" panose="05000000000000000000" pitchFamily="2" charset="2"/>
+              <a:buChar char="§"/>
+            </a:pPr>
+            <a:r>
+              <a:rPr lang="en-US" sz="1000" dirty="0"/>
+              <a:t>Load libraries (Pandas)</a:t>
+            </a:r>
+          </a:p>
+          <a:p>
+            <a:pPr marL="171450" indent="-171450">
+              <a:lnSpc>
+                <a:spcPct val="150000"/>
+              </a:lnSpc>
+              <a:buFont typeface="Wingdings" panose="05000000000000000000" pitchFamily="2" charset="2"/>
+              <a:buChar char="§"/>
+            </a:pPr>
+            <a:r>
+              <a:rPr lang="en-US" sz="1000" dirty="0"/>
+              <a:t>Read dataset into </a:t>
+            </a:r>
+            <a:r>
+              <a:rPr lang="en-US" sz="1000" dirty="0" err="1"/>
+              <a:t>jupyter</a:t>
+            </a:r>
+            <a:endParaRPr lang="en-US" sz="1000" dirty="0"/>
+          </a:p>
+          <a:p>
+            <a:pPr marL="171450" indent="-171450">
+              <a:lnSpc>
+                <a:spcPct val="150000"/>
+              </a:lnSpc>
+              <a:buFont typeface="Wingdings" panose="05000000000000000000" pitchFamily="2" charset="2"/>
+              <a:buChar char="§"/>
+            </a:pPr>
+            <a:r>
+              <a:rPr lang="en-US" sz="1000" dirty="0"/>
+              <a:t>Understanding the data</a:t>
+            </a:r>
+          </a:p>
+          <a:p>
+            <a:pPr marL="171450" indent="-171450">
+              <a:lnSpc>
+                <a:spcPct val="150000"/>
+              </a:lnSpc>
+              <a:buFont typeface="Wingdings" panose="05000000000000000000" pitchFamily="2" charset="2"/>
+              <a:buChar char="§"/>
+            </a:pPr>
+            <a:r>
+              <a:rPr lang="en-US" sz="1000" dirty="0"/>
+              <a:t>Display a </a:t>
+            </a:r>
+            <a:r>
+              <a:rPr lang="en-US" sz="1000" dirty="0" err="1"/>
+              <a:t>dataframe</a:t>
+            </a:r>
+            <a:endParaRPr lang="en-US" sz="1000" dirty="0"/>
+          </a:p>
+          <a:p>
+            <a:pPr marL="171450" indent="-171450">
+              <a:lnSpc>
+                <a:spcPct val="150000"/>
+              </a:lnSpc>
+              <a:buFont typeface="Wingdings" panose="05000000000000000000" pitchFamily="2" charset="2"/>
+              <a:buChar char="§"/>
+            </a:pPr>
+            <a:r>
+              <a:rPr lang="en-US" sz="1000" dirty="0"/>
+              <a:t>Explain Datatype</a:t>
+            </a:r>
+          </a:p>
+          <a:p>
+            <a:pPr marL="171450" indent="-171450">
+              <a:lnSpc>
+                <a:spcPct val="150000"/>
+              </a:lnSpc>
+              <a:buFont typeface="Wingdings" panose="05000000000000000000" pitchFamily="2" charset="2"/>
+              <a:buChar char="§"/>
+            </a:pPr>
+            <a:endParaRPr lang="en-US" sz="1000" dirty="0"/>
+          </a:p>
+          <a:p>
+            <a:pPr marL="171450" indent="-171450">
+              <a:lnSpc>
+                <a:spcPct val="150000"/>
+              </a:lnSpc>
+              <a:buFont typeface="Wingdings" panose="05000000000000000000" pitchFamily="2" charset="2"/>
+              <a:buChar char="§"/>
+            </a:pPr>
+            <a:endParaRPr lang="en-US" sz="1000" dirty="0"/>
+          </a:p>
+          <a:p>
+            <a:pPr marL="171450" indent="-171450">
+              <a:lnSpc>
+                <a:spcPct val="150000"/>
+              </a:lnSpc>
+              <a:buFont typeface="Wingdings" panose="05000000000000000000" pitchFamily="2" charset="2"/>
+              <a:buChar char="§"/>
+            </a:pPr>
+            <a:endParaRPr lang="en-US" sz="1000" dirty="0"/>
+          </a:p>
+          <a:p>
+            <a:pPr>
+              <a:lnSpc>
+                <a:spcPct val="150000"/>
+              </a:lnSpc>
+            </a:pPr>
+            <a:endParaRPr lang="en-US" sz="1000" dirty="0"/>
+          </a:p>
+          <a:p>
+            <a:pPr marL="171450" indent="-171450">
+              <a:lnSpc>
+                <a:spcPct val="150000"/>
+              </a:lnSpc>
+              <a:buFont typeface="Wingdings" panose="05000000000000000000" pitchFamily="2" charset="2"/>
+              <a:buChar char="§"/>
+            </a:pPr>
+            <a:endParaRPr lang="en-US" sz="1000" dirty="0"/>
           </a:p>
         </p:txBody>
       </p:sp>
     </p:spTree>
     <p:extLst>
       <p:ext uri="{BB962C8B-B14F-4D97-AF65-F5344CB8AC3E}">
-        <p14:creationId xmlns:p14="http://schemas.microsoft.com/office/powerpoint/2010/main" val="412348106"/>
+        <p14:creationId xmlns:p14="http://schemas.microsoft.com/office/powerpoint/2010/main" val="2278282963"/>
       </p:ext>
     </p:extLst>
   </p:cSld>
@@ -15482,17 +16278,17 @@
           <a:p>
             <a:r>
               <a:rPr lang="de-CH" dirty="0"/>
-              <a:t>Dr. Mario Gellrich, Summer School 2021 </a:t>
-            </a:r>
-          </a:p>
-        </p:txBody>
-      </p:sp>
-      <p:sp>
-        <p:nvSpPr>
-          <p:cNvPr id="3" name="Textfeld 2">
+              <a:t>Dr. Mario Gellrich, Summer School 2022 </a:t>
+            </a:r>
+          </a:p>
+        </p:txBody>
+      </p:sp>
+      <p:sp>
+        <p:nvSpPr>
+          <p:cNvPr id="9" name="Textfeld 8">
             <a:extLst>
               <a:ext uri="{FF2B5EF4-FFF2-40B4-BE49-F238E27FC236}">
-                <a16:creationId xmlns:a16="http://schemas.microsoft.com/office/drawing/2014/main" id="{819A3754-7476-450D-95B6-93C1875F5848}"/>
+                <a16:creationId xmlns:a16="http://schemas.microsoft.com/office/drawing/2014/main" id="{2B5FACD0-53ED-4B04-9D47-B9233E30A515}"/>
               </a:ext>
             </a:extLst>
           </p:cNvPr>
@@ -15501,8 +16297,8 @@
         </p:nvSpPr>
         <p:spPr>
           <a:xfrm>
-            <a:off x="159326" y="1200150"/>
-            <a:ext cx="4343399" cy="1754326"/>
+            <a:off x="159327" y="1200150"/>
+            <a:ext cx="4315690" cy="1169551"/>
           </a:xfrm>
           <a:prstGeom prst="rect">
             <a:avLst/>
@@ -15519,78 +16315,32 @@
           <a:p>
             <a:r>
               <a:rPr lang="en-US" sz="1200" dirty="0"/>
-              <a:t> (5) Modeling (</a:t>
-            </a:r>
-            <a:r>
-              <a:rPr lang="en-US" sz="1200" dirty="0" err="1"/>
-              <a:t>LogReg</a:t>
-            </a:r>
-            <a:r>
-              <a:rPr lang="en-US" sz="1200" dirty="0"/>
-              <a:t>, KNN, </a:t>
-            </a:r>
-            <a:r>
-              <a:rPr lang="en-US" sz="1200" dirty="0" err="1"/>
-              <a:t>RandomForest</a:t>
-            </a:r>
-            <a:r>
-              <a:rPr lang="en-US" sz="1200" dirty="0"/>
-              <a:t>)</a:t>
-            </a:r>
-          </a:p>
-          <a:p>
-            <a:r>
-              <a:rPr lang="en-US" sz="1200" dirty="0"/>
-              <a:t>-</a:t>
-            </a:r>
-          </a:p>
-          <a:p>
-            <a:r>
-              <a:rPr lang="en-US" sz="1200" dirty="0"/>
-              <a:t>-</a:t>
-            </a:r>
-          </a:p>
-          <a:p>
-            <a:r>
-              <a:rPr lang="en-US" sz="1200" dirty="0"/>
-              <a:t>-</a:t>
-            </a:r>
-          </a:p>
-          <a:p>
-            <a:r>
-              <a:rPr lang="en-US" sz="1200" dirty="0"/>
-              <a:t>-</a:t>
-            </a:r>
-          </a:p>
-          <a:p>
-            <a:r>
-              <a:rPr lang="en-US" sz="1200" dirty="0"/>
-              <a:t>-</a:t>
-            </a:r>
-          </a:p>
-          <a:p>
-            <a:r>
-              <a:rPr lang="en-US" sz="1200" dirty="0"/>
-              <a:t>-</a:t>
-            </a:r>
-          </a:p>
-          <a:p>
-            <a:r>
-              <a:rPr lang="en-US" sz="1200" dirty="0"/>
-              <a:t>-</a:t>
+              <a:t> (Topic 3) Exploratory Data Analysis</a:t>
             </a:r>
           </a:p>
           <a:p>
             <a:endParaRPr lang="en-US" sz="1200" dirty="0"/>
           </a:p>
-        </p:txBody>
-      </p:sp>
-      <p:sp>
-        <p:nvSpPr>
-          <p:cNvPr id="32" name="Textfeld 31">
+          <a:p>
+            <a:endParaRPr lang="en-US" sz="1200" dirty="0"/>
+          </a:p>
+          <a:p>
+            <a:endParaRPr lang="en-US" sz="1200" dirty="0"/>
+          </a:p>
+          <a:p>
+            <a:endParaRPr lang="en-US" sz="1200" dirty="0"/>
+          </a:p>
+          <a:p>
+            <a:endParaRPr lang="de-CH" sz="1000" dirty="0"/>
+          </a:p>
+        </p:txBody>
+      </p:sp>
+      <p:sp>
+        <p:nvSpPr>
+          <p:cNvPr id="10" name="Textfeld 9">
             <a:extLst>
               <a:ext uri="{FF2B5EF4-FFF2-40B4-BE49-F238E27FC236}">
-                <a16:creationId xmlns:a16="http://schemas.microsoft.com/office/drawing/2014/main" id="{8CEBDC2E-4FF7-4C7D-B083-240C63E057F1}"/>
+                <a16:creationId xmlns:a16="http://schemas.microsoft.com/office/drawing/2014/main" id="{13A6153F-F227-4072-A0BE-265F89DE8041}"/>
               </a:ext>
             </a:extLst>
           </p:cNvPr>
@@ -15600,7 +16350,7 @@
         <p:spPr>
           <a:xfrm>
             <a:off x="4572001" y="1200150"/>
-            <a:ext cx="4343400" cy="1754326"/>
+            <a:ext cx="4343400" cy="1171796"/>
           </a:xfrm>
           <a:prstGeom prst="rect">
             <a:avLst/>
@@ -15617,229 +16367,54 @@
           <a:p>
             <a:r>
               <a:rPr lang="en-US" sz="1200" dirty="0"/>
-              <a:t> (6) Modeling (CT, </a:t>
-            </a:r>
-            <a:r>
-              <a:rPr lang="en-US" sz="1200" dirty="0" err="1"/>
-              <a:t>XGBoost</a:t>
-            </a:r>
-            <a:r>
-              <a:rPr lang="en-US" sz="1200" dirty="0"/>
-              <a:t>, MLP)</a:t>
-            </a:r>
-          </a:p>
-          <a:p>
-            <a:r>
-              <a:rPr lang="en-US" sz="1200" dirty="0"/>
-              <a:t>-</a:t>
-            </a:r>
-          </a:p>
-          <a:p>
-            <a:r>
-              <a:rPr lang="en-US" sz="1200" dirty="0"/>
-              <a:t>-</a:t>
-            </a:r>
-          </a:p>
-          <a:p>
-            <a:r>
-              <a:rPr lang="en-US" sz="1200" dirty="0"/>
-              <a:t>-</a:t>
-            </a:r>
-          </a:p>
-          <a:p>
-            <a:r>
-              <a:rPr lang="en-US" sz="1200" dirty="0"/>
-              <a:t>-</a:t>
-            </a:r>
-          </a:p>
-          <a:p>
-            <a:r>
-              <a:rPr lang="en-US" sz="1200" dirty="0"/>
-              <a:t>-</a:t>
-            </a:r>
-          </a:p>
-          <a:p>
-            <a:r>
-              <a:rPr lang="en-US" sz="1200" dirty="0"/>
-              <a:t>-</a:t>
-            </a:r>
-          </a:p>
-          <a:p>
-            <a:r>
-              <a:rPr lang="en-US" sz="1200" dirty="0"/>
-              <a:t>-</a:t>
-            </a:r>
-          </a:p>
-          <a:p>
-            <a:r>
-              <a:rPr lang="en-US" sz="1200" dirty="0"/>
-              <a:t>-</a:t>
-            </a:r>
-          </a:p>
-        </p:txBody>
-      </p:sp>
-      <p:sp>
-        <p:nvSpPr>
-          <p:cNvPr id="33" name="Textfeld 32">
-            <a:extLst>
-              <a:ext uri="{FF2B5EF4-FFF2-40B4-BE49-F238E27FC236}">
-                <a16:creationId xmlns:a16="http://schemas.microsoft.com/office/drawing/2014/main" id="{10FC5704-BC39-4249-AB8C-0F35B4EDEBB0}"/>
-              </a:ext>
-            </a:extLst>
-          </p:cNvPr>
-          <p:cNvSpPr txBox="1"/>
-          <p:nvPr/>
-        </p:nvSpPr>
-        <p:spPr>
-          <a:xfrm>
-            <a:off x="180109" y="3137476"/>
-            <a:ext cx="4322616" cy="1569660"/>
-          </a:xfrm>
-          <a:prstGeom prst="rect">
-            <a:avLst/>
-          </a:prstGeom>
-          <a:solidFill>
-            <a:srgbClr val="FAE38E"/>
-          </a:solidFill>
-        </p:spPr>
-        <p:txBody>
-          <a:bodyPr wrap="square" rtlCol="0">
-            <a:spAutoFit/>
-          </a:bodyPr>
-          <a:lstStyle/>
-          <a:p>
-            <a:r>
-              <a:rPr lang="en-US" sz="1200" dirty="0"/>
-              <a:t> (7) Model predictions and -performance </a:t>
-            </a:r>
-          </a:p>
-          <a:p>
-            <a:r>
-              <a:rPr lang="en-US" sz="1200" dirty="0"/>
-              <a:t>-</a:t>
-            </a:r>
-          </a:p>
-          <a:p>
-            <a:r>
-              <a:rPr lang="en-US" sz="1200" dirty="0"/>
-              <a:t>-</a:t>
-            </a:r>
-          </a:p>
-          <a:p>
-            <a:r>
-              <a:rPr lang="en-US" sz="1200" dirty="0"/>
-              <a:t>-</a:t>
-            </a:r>
-          </a:p>
-          <a:p>
-            <a:r>
-              <a:rPr lang="en-US" sz="1200" dirty="0"/>
-              <a:t>-</a:t>
-            </a:r>
-          </a:p>
-          <a:p>
-            <a:r>
-              <a:rPr lang="en-US" sz="1200" dirty="0"/>
-              <a:t>-</a:t>
-            </a:r>
-          </a:p>
-          <a:p>
-            <a:r>
-              <a:rPr lang="en-US" sz="1200" dirty="0"/>
-              <a:t>-</a:t>
-            </a:r>
-          </a:p>
-          <a:p>
-            <a:r>
-              <a:rPr lang="en-US" sz="1200" dirty="0"/>
-              <a:t>-</a:t>
-            </a:r>
-          </a:p>
-        </p:txBody>
-      </p:sp>
-      <p:sp>
-        <p:nvSpPr>
-          <p:cNvPr id="34" name="Textfeld 33">
-            <a:extLst>
-              <a:ext uri="{FF2B5EF4-FFF2-40B4-BE49-F238E27FC236}">
-                <a16:creationId xmlns:a16="http://schemas.microsoft.com/office/drawing/2014/main" id="{EB422D93-4AFA-4102-9CCA-D51BE5A5276F}"/>
-              </a:ext>
-            </a:extLst>
-          </p:cNvPr>
-          <p:cNvSpPr txBox="1"/>
-          <p:nvPr/>
-        </p:nvSpPr>
-        <p:spPr>
-          <a:xfrm>
-            <a:off x="4574309" y="3137476"/>
-            <a:ext cx="4341092" cy="1569660"/>
-          </a:xfrm>
-          <a:prstGeom prst="rect">
-            <a:avLst/>
-          </a:prstGeom>
-          <a:solidFill>
-            <a:srgbClr val="FAE38E"/>
-          </a:solidFill>
-        </p:spPr>
-        <p:txBody>
-          <a:bodyPr wrap="square" rtlCol="0">
-            <a:spAutoFit/>
-          </a:bodyPr>
-          <a:lstStyle/>
-          <a:p>
-            <a:r>
-              <a:rPr lang="en-US" sz="1200" dirty="0"/>
-              <a:t> Other?</a:t>
-            </a:r>
-          </a:p>
-          <a:p>
-            <a:r>
-              <a:rPr lang="en-US" sz="1200" dirty="0"/>
-              <a:t>-</a:t>
-            </a:r>
-          </a:p>
-          <a:p>
-            <a:r>
-              <a:rPr lang="en-US" sz="1200" dirty="0"/>
-              <a:t>-</a:t>
-            </a:r>
-          </a:p>
-          <a:p>
-            <a:r>
-              <a:rPr lang="en-US" sz="1200" dirty="0"/>
-              <a:t>-</a:t>
-            </a:r>
-          </a:p>
-          <a:p>
-            <a:r>
-              <a:rPr lang="en-US" sz="1200" dirty="0"/>
-              <a:t>-</a:t>
-            </a:r>
-          </a:p>
-          <a:p>
-            <a:r>
-              <a:rPr lang="en-US" sz="1200" dirty="0"/>
-              <a:t>-</a:t>
-            </a:r>
-          </a:p>
-          <a:p>
-            <a:r>
-              <a:rPr lang="en-US" sz="1200" dirty="0"/>
-              <a:t>-</a:t>
-            </a:r>
-          </a:p>
-          <a:p>
-            <a:r>
-              <a:rPr lang="en-US" sz="1200" dirty="0"/>
-              <a:t>-</a:t>
-            </a:r>
+              <a:t> (Topic 4) Data Engineering, Preprocessing</a:t>
+            </a:r>
+            <a:endParaRPr lang="en-US" sz="1000" dirty="0"/>
+          </a:p>
+          <a:p>
+            <a:pPr marL="171450" indent="-171450">
+              <a:lnSpc>
+                <a:spcPct val="150000"/>
+              </a:lnSpc>
+              <a:buFont typeface="Wingdings" panose="05000000000000000000" pitchFamily="2" charset="2"/>
+              <a:buChar char="§"/>
+            </a:pPr>
+            <a:endParaRPr lang="en-US" sz="1000" dirty="0"/>
+          </a:p>
+          <a:p>
+            <a:pPr marL="171450" indent="-171450">
+              <a:lnSpc>
+                <a:spcPct val="150000"/>
+              </a:lnSpc>
+              <a:buFont typeface="Wingdings" panose="05000000000000000000" pitchFamily="2" charset="2"/>
+              <a:buChar char="§"/>
+            </a:pPr>
+            <a:endParaRPr lang="en-US" sz="1000" dirty="0"/>
+          </a:p>
+          <a:p>
+            <a:pPr>
+              <a:lnSpc>
+                <a:spcPct val="150000"/>
+              </a:lnSpc>
+            </a:pPr>
+            <a:endParaRPr lang="en-US" sz="1000" dirty="0"/>
+          </a:p>
+          <a:p>
+            <a:pPr marL="171450" indent="-171450">
+              <a:lnSpc>
+                <a:spcPct val="150000"/>
+              </a:lnSpc>
+              <a:buFont typeface="Wingdings" panose="05000000000000000000" pitchFamily="2" charset="2"/>
+              <a:buChar char="§"/>
+            </a:pPr>
+            <a:endParaRPr lang="en-US" sz="1000" dirty="0"/>
           </a:p>
         </p:txBody>
       </p:sp>
     </p:spTree>
     <p:extLst>
       <p:ext uri="{BB962C8B-B14F-4D97-AF65-F5344CB8AC3E}">
-        <p14:creationId xmlns:p14="http://schemas.microsoft.com/office/powerpoint/2010/main" val="1582036201"/>
+        <p14:creationId xmlns:p14="http://schemas.microsoft.com/office/powerpoint/2010/main" val="2945310862"/>
       </p:ext>
     </p:extLst>
   </p:cSld>
@@ -16677,11 +17252,11 @@
 </file>
 
 <file path=customXml/item1.xml><?xml version="1.0" encoding="utf-8"?>
-<AllExternalAdhocVariableMappings/>
+<VariableListDefinition name="Computed" displayName="Computed" id="145657b4-b8f5-4796-b4d6-5ad0202156cb" isdomainofvalue="False" dataSourceId="d047bc2d-ea0e-4827-9c6c-eda3deaf492a"/>
 </file>
 
 <file path=customXml/item2.xml><?xml version="1.0" encoding="utf-8"?>
-<VariableListDefinition name="System" displayName="System" id="f9d12240-e4e0-447c-a279-5cfbdc1d54bc" isdomainofvalue="False" dataSourceId="e900a022-2ee3-47aa-95bc-cf4962dd15bc"/>
+<VariableList UniqueId="cbf17c5a-5824-4c10-889d-65c6df0b3ad2" Name="AD_HOC" ContentType="XML" MajorVersion="0" MinorVersion="1" isLocalCopy="False" IsBaseObject="False" DataSourceId="fa42598e-4842-4137-85b3-bc234252d283" DataSourceMajorVersion="0" DataSourceMinorVersion="1"/>
 </file>
 
 <file path=customXml/item3.xml><?xml version="1.0" encoding="utf-8"?>
@@ -16689,29 +17264,29 @@
 </file>
 
 <file path=customXml/item4.xml><?xml version="1.0" encoding="utf-8"?>
+<VariableListDefinition name="System" displayName="System" id="f9d12240-e4e0-447c-a279-5cfbdc1d54bc" isdomainofvalue="False" dataSourceId="e900a022-2ee3-47aa-95bc-cf4962dd15bc"/>
+</file>
+
+<file path=customXml/item5.xml><?xml version="1.0" encoding="utf-8"?>
+<VariableListDefinition name="AD_HOC" displayName="AD_HOC" id="cbf17c5a-5824-4c10-889d-65c6df0b3ad2" isdomainofvalue="False" dataSourceId="fa42598e-4842-4137-85b3-bc234252d283"/>
+</file>
+
+<file path=customXml/item6.xml><?xml version="1.0" encoding="utf-8"?>
+<AllExternalAdhocVariableMappings/>
+</file>
+
+<file path=customXml/item7.xml><?xml version="1.0" encoding="utf-8"?>
 <VariableList UniqueId="f9d12240-e4e0-447c-a279-5cfbdc1d54bc" Name="System" ContentType="XML" MajorVersion="0" MinorVersion="1" isLocalCopy="False" IsBaseObject="False" DataSourceId="e900a022-2ee3-47aa-95bc-cf4962dd15bc" DataSourceMajorVersion="0" DataSourceMinorVersion="1"/>
 </file>
 
-<file path=customXml/item5.xml><?xml version="1.0" encoding="utf-8"?>
-<VariableList UniqueId="cbf17c5a-5824-4c10-889d-65c6df0b3ad2" Name="AD_HOC" ContentType="XML" MajorVersion="0" MinorVersion="1" isLocalCopy="False" IsBaseObject="False" DataSourceId="fa42598e-4842-4137-85b3-bc234252d283" DataSourceMajorVersion="0" DataSourceMinorVersion="1"/>
-</file>
-
-<file path=customXml/item6.xml><?xml version="1.0" encoding="utf-8"?>
-<VariableListDefinition name="Computed" displayName="Computed" id="145657b4-b8f5-4796-b4d6-5ad0202156cb" isdomainofvalue="False" dataSourceId="d047bc2d-ea0e-4827-9c6c-eda3deaf492a"/>
-</file>
-
-<file path=customXml/item7.xml><?xml version="1.0" encoding="utf-8"?>
-<VariableListDefinition name="AD_HOC" displayName="AD_HOC" id="cbf17c5a-5824-4c10-889d-65c6df0b3ad2" isdomainofvalue="False" dataSourceId="fa42598e-4842-4137-85b3-bc234252d283"/>
-</file>
-
 <file path=customXml/itemProps1.xml><?xml version="1.0" encoding="utf-8"?>
-<ds:datastoreItem xmlns:ds="http://schemas.openxmlformats.org/officeDocument/2006/customXml" ds:itemID="{5B1DE78D-2B0B-4D0D-A586-18E6B2BB4502}">
+<ds:datastoreItem xmlns:ds="http://schemas.openxmlformats.org/officeDocument/2006/customXml" ds:itemID="{EA62E2AA-386B-4B90-8CBA-CD0EE7FB646E}">
   <ds:schemaRefs/>
 </ds:datastoreItem>
 </file>
 
 <file path=customXml/itemProps2.xml><?xml version="1.0" encoding="utf-8"?>
-<ds:datastoreItem xmlns:ds="http://schemas.openxmlformats.org/officeDocument/2006/customXml" ds:itemID="{76F94A71-2C14-4177-8C82-6A59E103E987}">
+<ds:datastoreItem xmlns:ds="http://schemas.openxmlformats.org/officeDocument/2006/customXml" ds:itemID="{C2C751EE-D757-44D7-B62C-B1794CD6BE59}">
   <ds:schemaRefs/>
 </ds:datastoreItem>
 </file>
@@ -16723,25 +17298,25 @@
 </file>
 
 <file path=customXml/itemProps4.xml><?xml version="1.0" encoding="utf-8"?>
-<ds:datastoreItem xmlns:ds="http://schemas.openxmlformats.org/officeDocument/2006/customXml" ds:itemID="{76A0325B-5F5F-43A2-8090-4A18AFB661F6}">
+<ds:datastoreItem xmlns:ds="http://schemas.openxmlformats.org/officeDocument/2006/customXml" ds:itemID="{76F94A71-2C14-4177-8C82-6A59E103E987}">
   <ds:schemaRefs/>
 </ds:datastoreItem>
 </file>
 
 <file path=customXml/itemProps5.xml><?xml version="1.0" encoding="utf-8"?>
-<ds:datastoreItem xmlns:ds="http://schemas.openxmlformats.org/officeDocument/2006/customXml" ds:itemID="{C2C751EE-D757-44D7-B62C-B1794CD6BE59}">
+<ds:datastoreItem xmlns:ds="http://schemas.openxmlformats.org/officeDocument/2006/customXml" ds:itemID="{E733264B-5ECE-46BF-8FE3-7F0E0F6E4E16}">
   <ds:schemaRefs/>
 </ds:datastoreItem>
 </file>
 
 <file path=customXml/itemProps6.xml><?xml version="1.0" encoding="utf-8"?>
-<ds:datastoreItem xmlns:ds="http://schemas.openxmlformats.org/officeDocument/2006/customXml" ds:itemID="{EA62E2AA-386B-4B90-8CBA-CD0EE7FB646E}">
+<ds:datastoreItem xmlns:ds="http://schemas.openxmlformats.org/officeDocument/2006/customXml" ds:itemID="{5B1DE78D-2B0B-4D0D-A586-18E6B2BB4502}">
   <ds:schemaRefs/>
 </ds:datastoreItem>
 </file>
 
 <file path=customXml/itemProps7.xml><?xml version="1.0" encoding="utf-8"?>
-<ds:datastoreItem xmlns:ds="http://schemas.openxmlformats.org/officeDocument/2006/customXml" ds:itemID="{E733264B-5ECE-46BF-8FE3-7F0E0F6E4E16}">
+<ds:datastoreItem xmlns:ds="http://schemas.openxmlformats.org/officeDocument/2006/customXml" ds:itemID="{76A0325B-5F5F-43A2-8090-4A18AFB661F6}">
   <ds:schemaRefs/>
 </ds:datastoreItem>
 </file>
--- a/Credit_Risk_Modeling/Slides_Credit_Risk_Modeling_Workshop_EN.pptx
+++ b/Credit_Risk_Modeling/Slides_Credit_Risk_Modeling_Workshop_EN.pptx
@@ -28,13 +28,13 @@
   <p:sldSz cx="9144000" cy="5143500" type="screen16x9"/>
   <p:notesSz cx="7099300" cy="10234613"/>
   <p:custDataLst>
+    <p:custData r:id="rId7"/>
+    <p:custData r:id="rId6"/>
+    <p:custData r:id="rId5"/>
+    <p:custData r:id="rId1"/>
     <p:custData r:id="rId3"/>
-    <p:custData r:id="rId5"/>
-    <p:custData r:id="rId6"/>
-    <p:custData r:id="rId7"/>
+    <p:custData r:id="rId2"/>
     <p:custData r:id="rId4"/>
-    <p:custData r:id="rId1"/>
-    <p:custData r:id="rId2"/>
   </p:custDataLst>
   <p:defaultTextStyle>
     <a:defPPr>
@@ -272,7 +272,7 @@
             <a:fld id="{AA48851D-549D-4785-8040-D1740898315D}" type="datetime1">
               <a:rPr lang="de-CH" smtClean="0"/>
               <a:pPr/>
-              <a:t>25.06.2022</a:t>
+              <a:t>02.07.2022</a:t>
             </a:fld>
             <a:endParaRPr lang="fr-FR" dirty="0"/>
           </a:p>
@@ -439,7 +439,7 @@
             <a:fld id="{1C03A998-303B-4F86-9947-A49AF14B2D3A}" type="datetimeFigureOut">
               <a:rPr lang="fr-FR" smtClean="0"/>
               <a:pPr/>
-              <a:t>25/06/2022</a:t>
+              <a:t>02/07/2022</a:t>
             </a:fld>
             <a:endParaRPr lang="fr-FR" dirty="0"/>
           </a:p>
@@ -10289,7 +10289,7 @@
                   <a:schemeClr val="lt1"/>
                 </a:solidFill>
               </a:rPr>
-              <a:t> Bayonne 2021 | Credit Risk Modeling Workshop</a:t>
+              <a:t> Bayonne 2022 | Credit Risk Modeling Workshop</a:t>
             </a:r>
             <a:br>
               <a:rPr lang="de-CH" dirty="0"/>
@@ -10524,197 +10524,6 @@
       </p:sp>
       <p:sp>
         <p:nvSpPr>
-          <p:cNvPr id="3" name="Textfeld 2">
-            <a:extLst>
-              <a:ext uri="{FF2B5EF4-FFF2-40B4-BE49-F238E27FC236}">
-                <a16:creationId xmlns:a16="http://schemas.microsoft.com/office/drawing/2014/main" id="{819A3754-7476-450D-95B6-93C1875F5848}"/>
-              </a:ext>
-            </a:extLst>
-          </p:cNvPr>
-          <p:cNvSpPr txBox="1"/>
-          <p:nvPr/>
-        </p:nvSpPr>
-        <p:spPr>
-          <a:xfrm>
-            <a:off x="159326" y="1200150"/>
-            <a:ext cx="4343399" cy="1754326"/>
-          </a:xfrm>
-          <a:prstGeom prst="rect">
-            <a:avLst/>
-          </a:prstGeom>
-          <a:solidFill>
-            <a:srgbClr val="FAE38E"/>
-          </a:solidFill>
-        </p:spPr>
-        <p:txBody>
-          <a:bodyPr wrap="square" rtlCol="0">
-            <a:spAutoFit/>
-          </a:bodyPr>
-          <a:lstStyle/>
-          <a:p>
-            <a:r>
-              <a:rPr lang="en-US" sz="1200" dirty="0"/>
-              <a:t> (5) Modeling (</a:t>
-            </a:r>
-            <a:r>
-              <a:rPr lang="en-US" sz="1200" dirty="0" err="1"/>
-              <a:t>LogReg</a:t>
-            </a:r>
-            <a:r>
-              <a:rPr lang="en-US" sz="1200" dirty="0"/>
-              <a:t>, KNN, </a:t>
-            </a:r>
-            <a:r>
-              <a:rPr lang="en-US" sz="1200" dirty="0" err="1"/>
-              <a:t>RandomForest</a:t>
-            </a:r>
-            <a:r>
-              <a:rPr lang="en-US" sz="1200" dirty="0"/>
-              <a:t>)</a:t>
-            </a:r>
-          </a:p>
-          <a:p>
-            <a:r>
-              <a:rPr lang="en-US" sz="1200" dirty="0"/>
-              <a:t>- </a:t>
-            </a:r>
-          </a:p>
-          <a:p>
-            <a:r>
-              <a:rPr lang="en-US" sz="1200" dirty="0"/>
-              <a:t>-</a:t>
-            </a:r>
-          </a:p>
-          <a:p>
-            <a:r>
-              <a:rPr lang="en-US" sz="1200" dirty="0"/>
-              <a:t>-</a:t>
-            </a:r>
-          </a:p>
-          <a:p>
-            <a:r>
-              <a:rPr lang="en-US" sz="1200" dirty="0"/>
-              <a:t>-</a:t>
-            </a:r>
-          </a:p>
-          <a:p>
-            <a:r>
-              <a:rPr lang="en-US" sz="1200" dirty="0"/>
-              <a:t>-</a:t>
-            </a:r>
-          </a:p>
-          <a:p>
-            <a:r>
-              <a:rPr lang="en-US" sz="1200" dirty="0"/>
-              <a:t>-</a:t>
-            </a:r>
-          </a:p>
-          <a:p>
-            <a:r>
-              <a:rPr lang="en-US" sz="1200" dirty="0"/>
-              <a:t>-</a:t>
-            </a:r>
-          </a:p>
-          <a:p>
-            <a:endParaRPr lang="en-US" sz="1200" dirty="0"/>
-          </a:p>
-        </p:txBody>
-      </p:sp>
-      <p:sp>
-        <p:nvSpPr>
-          <p:cNvPr id="32" name="Textfeld 31">
-            <a:extLst>
-              <a:ext uri="{FF2B5EF4-FFF2-40B4-BE49-F238E27FC236}">
-                <a16:creationId xmlns:a16="http://schemas.microsoft.com/office/drawing/2014/main" id="{8CEBDC2E-4FF7-4C7D-B083-240C63E057F1}"/>
-              </a:ext>
-            </a:extLst>
-          </p:cNvPr>
-          <p:cNvSpPr txBox="1"/>
-          <p:nvPr/>
-        </p:nvSpPr>
-        <p:spPr>
-          <a:xfrm>
-            <a:off x="4572001" y="1200150"/>
-            <a:ext cx="4343400" cy="1754326"/>
-          </a:xfrm>
-          <a:prstGeom prst="rect">
-            <a:avLst/>
-          </a:prstGeom>
-          <a:solidFill>
-            <a:srgbClr val="FAE38E"/>
-          </a:solidFill>
-        </p:spPr>
-        <p:txBody>
-          <a:bodyPr wrap="square" rtlCol="0">
-            <a:spAutoFit/>
-          </a:bodyPr>
-          <a:lstStyle/>
-          <a:p>
-            <a:r>
-              <a:rPr lang="en-US" sz="1200" dirty="0"/>
-              <a:t> (6) Modeling (CT, </a:t>
-            </a:r>
-            <a:r>
-              <a:rPr lang="en-US" sz="1200" dirty="0" err="1"/>
-              <a:t>XGBoost</a:t>
-            </a:r>
-            <a:r>
-              <a:rPr lang="en-US" sz="1200" dirty="0"/>
-              <a:t>, MLP)</a:t>
-            </a:r>
-          </a:p>
-          <a:p>
-            <a:r>
-              <a:rPr lang="en-US" sz="1200" dirty="0"/>
-              <a:t>-</a:t>
-            </a:r>
-          </a:p>
-          <a:p>
-            <a:r>
-              <a:rPr lang="en-US" sz="1200" dirty="0"/>
-              <a:t>-</a:t>
-            </a:r>
-          </a:p>
-          <a:p>
-            <a:r>
-              <a:rPr lang="en-US" sz="1200" dirty="0"/>
-              <a:t>-</a:t>
-            </a:r>
-          </a:p>
-          <a:p>
-            <a:r>
-              <a:rPr lang="en-US" sz="1200" dirty="0"/>
-              <a:t>-</a:t>
-            </a:r>
-          </a:p>
-          <a:p>
-            <a:r>
-              <a:rPr lang="en-US" sz="1200" dirty="0"/>
-              <a:t>-</a:t>
-            </a:r>
-          </a:p>
-          <a:p>
-            <a:r>
-              <a:rPr lang="en-US" sz="1200" dirty="0"/>
-              <a:t>-</a:t>
-            </a:r>
-          </a:p>
-          <a:p>
-            <a:r>
-              <a:rPr lang="en-US" sz="1200" dirty="0"/>
-              <a:t>-</a:t>
-            </a:r>
-          </a:p>
-          <a:p>
-            <a:r>
-              <a:rPr lang="en-US" sz="1200" dirty="0"/>
-              <a:t>-</a:t>
-            </a:r>
-          </a:p>
-        </p:txBody>
-      </p:sp>
-      <p:sp>
-        <p:nvSpPr>
           <p:cNvPr id="33" name="Textfeld 32">
             <a:extLst>
               <a:ext uri="{FF2B5EF4-FFF2-40B4-BE49-F238E27FC236}">
@@ -10727,7 +10536,7 @@
         </p:nvSpPr>
         <p:spPr>
           <a:xfrm>
-            <a:off x="180109" y="3137476"/>
+            <a:off x="192230" y="1216696"/>
             <a:ext cx="4322616" cy="1569660"/>
           </a:xfrm>
           <a:prstGeom prst="rect">
@@ -10745,7 +10554,7 @@
           <a:p>
             <a:r>
               <a:rPr lang="en-US" sz="1200" dirty="0"/>
-              <a:t> (7) Model predictions and -performance </a:t>
+              <a:t> (Topic 7) Model predictions and -performance </a:t>
             </a:r>
           </a:p>
           <a:p>
@@ -10806,7 +10615,7 @@
         </p:nvSpPr>
         <p:spPr>
           <a:xfrm>
-            <a:off x="4574309" y="3137476"/>
+            <a:off x="4624385" y="1216696"/>
             <a:ext cx="4341092" cy="1569660"/>
           </a:xfrm>
           <a:prstGeom prst="rect">
@@ -10824,7 +10633,7 @@
           <a:p>
             <a:r>
               <a:rPr lang="en-US" sz="1200" dirty="0"/>
-              <a:t> Other?</a:t>
+              <a:t> (Topic 8) Model deployment using flask and Python</a:t>
             </a:r>
           </a:p>
           <a:p>
@@ -11419,7 +11228,7 @@
             </a:r>
             <a:r>
               <a:rPr lang="de-CH" sz="1200" dirty="0"/>
-              <a:t> Notebooks with Amazon </a:t>
+              <a:t> Notebooks on Amazon </a:t>
             </a:r>
             <a:r>
               <a:rPr lang="de-CH" sz="1200" dirty="0" err="1"/>
@@ -12436,7 +12245,7 @@
           <p:nvPr>
             <p:extLst>
               <p:ext uri="{D42A27DB-BD31-4B8C-83A1-F6EECF244321}">
-                <p14:modId xmlns:p14="http://schemas.microsoft.com/office/powerpoint/2010/main" val="2409247722"/>
+                <p14:modId xmlns:p14="http://schemas.microsoft.com/office/powerpoint/2010/main" val="1858524691"/>
               </p:ext>
             </p:extLst>
           </p:nvPr>
@@ -12762,7 +12571,15 @@
                       </a:r>
                       <a:r>
                         <a:rPr lang="de-CH" sz="1400" dirty="0"/>
-                        <a:t> (ca. 7 x 15’)</a:t>
+                        <a:t> (ca. 15’ min. per </a:t>
+                      </a:r>
+                      <a:r>
+                        <a:rPr lang="de-CH" sz="1400" dirty="0" err="1"/>
+                        <a:t>group</a:t>
+                      </a:r>
+                      <a:r>
+                        <a:rPr lang="de-CH" sz="1400" dirty="0"/>
+                        <a:t>)</a:t>
                       </a:r>
                     </a:p>
                   </a:txBody>
@@ -13193,7 +13010,7 @@
             </a:r>
             <a:r>
               <a:rPr lang="de-CH" sz="1400" dirty="0"/>
-              <a:t> (7 </a:t>
+              <a:t> (8 </a:t>
             </a:r>
             <a:r>
               <a:rPr lang="de-CH" sz="1400" dirty="0" err="1"/>
@@ -15589,7 +15406,7 @@
         <p:spPr>
           <a:xfrm>
             <a:off x="159327" y="1200150"/>
-            <a:ext cx="4315690" cy="2556790"/>
+            <a:ext cx="4315690" cy="2325958"/>
           </a:xfrm>
           <a:prstGeom prst="rect">
             <a:avLst/>
@@ -15743,34 +15560,7 @@
               <a:rPr lang="de-CH" sz="1000" dirty="0" err="1"/>
               <a:t>libraries</a:t>
             </a:r>
-            <a:r>
-              <a:rPr lang="de-CH" sz="1000" dirty="0"/>
-              <a:t> </a:t>
-            </a:r>
-            <a:r>
-              <a:rPr lang="de-CH" sz="1000" dirty="0" err="1"/>
-              <a:t>from</a:t>
-            </a:r>
-            <a:r>
-              <a:rPr lang="de-CH" sz="1000" dirty="0"/>
-              <a:t> </a:t>
-            </a:r>
-            <a:r>
-              <a:rPr lang="de-CH" sz="1000" dirty="0" err="1"/>
-              <a:t>within</a:t>
-            </a:r>
-            <a:r>
-              <a:rPr lang="de-CH" sz="1000" dirty="0"/>
-              <a:t> a </a:t>
-            </a:r>
-            <a:r>
-              <a:rPr lang="de-CH" sz="1000" dirty="0" err="1"/>
-              <a:t>Jupyter</a:t>
-            </a:r>
-            <a:r>
-              <a:rPr lang="de-CH" sz="1000" dirty="0"/>
-              <a:t> Notebook</a:t>
-            </a:r>
+            <a:endParaRPr lang="de-CH" sz="1000" dirty="0"/>
           </a:p>
           <a:p>
             <a:pPr marL="171450" indent="-171450">
@@ -15871,7 +15661,7 @@
             </a:pPr>
             <a:r>
               <a:rPr lang="de-CH" sz="1000" dirty="0"/>
-              <a:t>Running </a:t>
+              <a:t>Running a </a:t>
             </a:r>
             <a:r>
               <a:rPr lang="de-CH" sz="1000" dirty="0" err="1"/>
@@ -15879,22 +15669,12 @@
             </a:r>
             <a:r>
               <a:rPr lang="de-CH" sz="1000" dirty="0"/>
-              <a:t> Notebooks with Amazon </a:t>
+              <a:t> Notebook on Amazon </a:t>
             </a:r>
             <a:r>
               <a:rPr lang="de-CH" sz="1000" dirty="0" err="1"/>
-              <a:t>SageMaker</a:t>
-            </a:r>
-            <a:endParaRPr lang="de-CH" sz="1000" dirty="0"/>
-          </a:p>
-          <a:p>
-            <a:pPr marL="171450" indent="-171450">
-              <a:lnSpc>
-                <a:spcPct val="150000"/>
-              </a:lnSpc>
-              <a:buFont typeface="Wingdings" panose="05000000000000000000" pitchFamily="2" charset="2"/>
-              <a:buChar char="§"/>
-            </a:pPr>
+              <a:t>Sagemaker</a:t>
+            </a:r>
             <a:endParaRPr lang="de-CH" sz="1000" dirty="0"/>
           </a:p>
         </p:txBody>
@@ -15914,7 +15694,7 @@
         <p:spPr>
           <a:xfrm>
             <a:off x="4572001" y="1200150"/>
-            <a:ext cx="4343400" cy="2556790"/>
+            <a:ext cx="4343400" cy="2325958"/>
           </a:xfrm>
           <a:prstGeom prst="rect">
             <a:avLst/>
@@ -15957,13 +15737,8 @@
             </a:pPr>
             <a:r>
               <a:rPr lang="en-US" sz="1000" dirty="0"/>
-              <a:t>Read dataset into </a:t>
-            </a:r>
-            <a:r>
-              <a:rPr lang="en-US" sz="1000" dirty="0" err="1"/>
-              <a:t>jupyter</a:t>
-            </a:r>
-            <a:endParaRPr lang="en-US" sz="1000" dirty="0"/>
+              <a:t>Reading the data</a:t>
+            </a:r>
           </a:p>
           <a:p>
             <a:pPr marL="171450" indent="-171450">
@@ -15988,13 +15763,8 @@
             </a:pPr>
             <a:r>
               <a:rPr lang="en-US" sz="1000" dirty="0"/>
-              <a:t>Display a </a:t>
-            </a:r>
-            <a:r>
-              <a:rPr lang="en-US" sz="1000" dirty="0" err="1"/>
-              <a:t>dataframe</a:t>
-            </a:r>
-            <a:endParaRPr lang="en-US" sz="1000" dirty="0"/>
+              <a:t>Displaying a data frame</a:t>
+            </a:r>
           </a:p>
           <a:p>
             <a:pPr marL="171450" indent="-171450">
@@ -16006,7 +15776,7 @@
             </a:pPr>
             <a:r>
               <a:rPr lang="en-US" sz="1000" dirty="0"/>
-              <a:t>Explain Datatype</a:t>
+              <a:t>Explain Datatypes</a:t>
             </a:r>
           </a:p>
           <a:p>
@@ -16030,16 +15800,6 @@
             <a:endParaRPr lang="en-US" sz="1000" dirty="0"/>
           </a:p>
           <a:p>
-            <a:pPr marL="171450" indent="-171450">
-              <a:lnSpc>
-                <a:spcPct val="150000"/>
-              </a:lnSpc>
-              <a:buFont typeface="Wingdings" panose="05000000000000000000" pitchFamily="2" charset="2"/>
-              <a:buChar char="§"/>
-            </a:pPr>
-            <a:endParaRPr lang="en-US" sz="1000" dirty="0"/>
-          </a:p>
-          <a:p>
             <a:pPr>
               <a:lnSpc>
                 <a:spcPct val="150000"/>
@@ -16048,12 +15808,10 @@
             <a:endParaRPr lang="en-US" sz="1000" dirty="0"/>
           </a:p>
           <a:p>
-            <a:pPr marL="171450" indent="-171450">
+            <a:pPr>
               <a:lnSpc>
                 <a:spcPct val="150000"/>
               </a:lnSpc>
-              <a:buFont typeface="Wingdings" panose="05000000000000000000" pitchFamily="2" charset="2"/>
-              <a:buChar char="§"/>
             </a:pPr>
             <a:endParaRPr lang="en-US" sz="1000" dirty="0"/>
           </a:p>
@@ -16298,7 +16056,7 @@
         <p:spPr>
           <a:xfrm>
             <a:off x="159327" y="1200150"/>
-            <a:ext cx="4315690" cy="1169551"/>
+            <a:ext cx="4315690" cy="1569660"/>
           </a:xfrm>
           <a:prstGeom prst="rect">
             <a:avLst/>
@@ -16319,19 +16077,46 @@
             </a:r>
           </a:p>
           <a:p>
-            <a:endParaRPr lang="en-US" sz="1200" dirty="0"/>
-          </a:p>
-          <a:p>
-            <a:endParaRPr lang="en-US" sz="1200" dirty="0"/>
-          </a:p>
-          <a:p>
-            <a:endParaRPr lang="en-US" sz="1200" dirty="0"/>
-          </a:p>
-          <a:p>
-            <a:endParaRPr lang="en-US" sz="1200" dirty="0"/>
-          </a:p>
-          <a:p>
-            <a:endParaRPr lang="de-CH" sz="1000" dirty="0"/>
+            <a:r>
+              <a:rPr lang="en-US" sz="1200" dirty="0"/>
+              <a:t>- </a:t>
+            </a:r>
+          </a:p>
+          <a:p>
+            <a:r>
+              <a:rPr lang="en-US" sz="1200" dirty="0"/>
+              <a:t>-</a:t>
+            </a:r>
+          </a:p>
+          <a:p>
+            <a:r>
+              <a:rPr lang="en-US" sz="1200" dirty="0"/>
+              <a:t>-</a:t>
+            </a:r>
+          </a:p>
+          <a:p>
+            <a:r>
+              <a:rPr lang="en-US" sz="1200" dirty="0"/>
+              <a:t>-</a:t>
+            </a:r>
+          </a:p>
+          <a:p>
+            <a:r>
+              <a:rPr lang="en-US" sz="1200" dirty="0"/>
+              <a:t>-</a:t>
+            </a:r>
+          </a:p>
+          <a:p>
+            <a:r>
+              <a:rPr lang="en-US" sz="1200" dirty="0"/>
+              <a:t>-</a:t>
+            </a:r>
+          </a:p>
+          <a:p>
+            <a:r>
+              <a:rPr lang="en-US" sz="1200" dirty="0"/>
+              <a:t>-</a:t>
+            </a:r>
           </a:p>
         </p:txBody>
       </p:sp>
@@ -16350,7 +16135,7 @@
         <p:spPr>
           <a:xfrm>
             <a:off x="4572001" y="1200150"/>
-            <a:ext cx="4343400" cy="1171796"/>
+            <a:ext cx="4343400" cy="1556516"/>
           </a:xfrm>
           <a:prstGeom prst="rect">
             <a:avLst/>
@@ -16369,27 +16154,48 @@
               <a:rPr lang="en-US" sz="1200" dirty="0"/>
               <a:t> (Topic 4) Data Engineering, Preprocessing</a:t>
             </a:r>
-            <a:endParaRPr lang="en-US" sz="1000" dirty="0"/>
-          </a:p>
-          <a:p>
-            <a:pPr marL="171450" indent="-171450">
-              <a:lnSpc>
-                <a:spcPct val="150000"/>
-              </a:lnSpc>
-              <a:buFont typeface="Wingdings" panose="05000000000000000000" pitchFamily="2" charset="2"/>
-              <a:buChar char="§"/>
-            </a:pPr>
-            <a:endParaRPr lang="en-US" sz="1000" dirty="0"/>
-          </a:p>
-          <a:p>
-            <a:pPr marL="171450" indent="-171450">
-              <a:lnSpc>
-                <a:spcPct val="150000"/>
-              </a:lnSpc>
-              <a:buFont typeface="Wingdings" panose="05000000000000000000" pitchFamily="2" charset="2"/>
-              <a:buChar char="§"/>
-            </a:pPr>
-            <a:endParaRPr lang="en-US" sz="1000" dirty="0"/>
+          </a:p>
+          <a:p>
+            <a:r>
+              <a:rPr lang="en-US" sz="1000" dirty="0"/>
+              <a:t>- </a:t>
+            </a:r>
+          </a:p>
+          <a:p>
+            <a:r>
+              <a:rPr lang="en-US" sz="1000" dirty="0"/>
+              <a:t>-</a:t>
+            </a:r>
+          </a:p>
+          <a:p>
+            <a:r>
+              <a:rPr lang="en-US" sz="1000" dirty="0"/>
+              <a:t>-</a:t>
+            </a:r>
+          </a:p>
+          <a:p>
+            <a:r>
+              <a:rPr lang="en-US" sz="1000" dirty="0"/>
+              <a:t>-</a:t>
+            </a:r>
+          </a:p>
+          <a:p>
+            <a:r>
+              <a:rPr lang="en-US" sz="1000" dirty="0"/>
+              <a:t>-</a:t>
+            </a:r>
+          </a:p>
+          <a:p>
+            <a:r>
+              <a:rPr lang="en-US" sz="1000" dirty="0"/>
+              <a:t>-</a:t>
+            </a:r>
+          </a:p>
+          <a:p>
+            <a:r>
+              <a:rPr lang="en-US" sz="1000" dirty="0"/>
+              <a:t>-</a:t>
+            </a:r>
           </a:p>
           <a:p>
             <a:pPr>
@@ -16397,17 +16203,201 @@
                 <a:spcPct val="150000"/>
               </a:lnSpc>
             </a:pPr>
-            <a:endParaRPr lang="en-US" sz="1000" dirty="0"/>
-          </a:p>
-          <a:p>
-            <a:pPr marL="171450" indent="-171450">
-              <a:lnSpc>
-                <a:spcPct val="150000"/>
-              </a:lnSpc>
-              <a:buFont typeface="Wingdings" panose="05000000000000000000" pitchFamily="2" charset="2"/>
-              <a:buChar char="§"/>
-            </a:pPr>
-            <a:endParaRPr lang="en-US" sz="1000" dirty="0"/>
+            <a:r>
+              <a:rPr lang="en-US" sz="1000" dirty="0"/>
+              <a:t>-</a:t>
+            </a:r>
+          </a:p>
+        </p:txBody>
+      </p:sp>
+      <p:sp>
+        <p:nvSpPr>
+          <p:cNvPr id="7" name="Textfeld 6">
+            <a:extLst>
+              <a:ext uri="{FF2B5EF4-FFF2-40B4-BE49-F238E27FC236}">
+                <a16:creationId xmlns:a16="http://schemas.microsoft.com/office/drawing/2014/main" id="{B5BA745E-AE67-45A6-AECF-882CC67CDE82}"/>
+              </a:ext>
+            </a:extLst>
+          </p:cNvPr>
+          <p:cNvSpPr txBox="1"/>
+          <p:nvPr/>
+        </p:nvSpPr>
+        <p:spPr>
+          <a:xfrm>
+            <a:off x="152400" y="2876550"/>
+            <a:ext cx="4343399" cy="1754326"/>
+          </a:xfrm>
+          <a:prstGeom prst="rect">
+            <a:avLst/>
+          </a:prstGeom>
+          <a:solidFill>
+            <a:srgbClr val="FAE38E"/>
+          </a:solidFill>
+        </p:spPr>
+        <p:txBody>
+          <a:bodyPr wrap="square" rtlCol="0">
+            <a:spAutoFit/>
+          </a:bodyPr>
+          <a:lstStyle/>
+          <a:p>
+            <a:r>
+              <a:rPr lang="en-US" sz="1200" dirty="0"/>
+              <a:t> (Topic 5) Modeling (</a:t>
+            </a:r>
+            <a:r>
+              <a:rPr lang="en-US" sz="1200" dirty="0" err="1"/>
+              <a:t>LogReg</a:t>
+            </a:r>
+            <a:r>
+              <a:rPr lang="en-US" sz="1200" dirty="0"/>
+              <a:t>, KNN, </a:t>
+            </a:r>
+            <a:r>
+              <a:rPr lang="en-US" sz="1200" dirty="0" err="1"/>
+              <a:t>RandomForest</a:t>
+            </a:r>
+            <a:r>
+              <a:rPr lang="en-US" sz="1200" dirty="0"/>
+              <a:t>)</a:t>
+            </a:r>
+          </a:p>
+          <a:p>
+            <a:r>
+              <a:rPr lang="en-US" sz="1200" dirty="0"/>
+              <a:t>- </a:t>
+            </a:r>
+          </a:p>
+          <a:p>
+            <a:r>
+              <a:rPr lang="en-US" sz="1200" dirty="0"/>
+              <a:t>-</a:t>
+            </a:r>
+          </a:p>
+          <a:p>
+            <a:r>
+              <a:rPr lang="en-US" sz="1200" dirty="0"/>
+              <a:t>-</a:t>
+            </a:r>
+          </a:p>
+          <a:p>
+            <a:r>
+              <a:rPr lang="en-US" sz="1200" dirty="0"/>
+              <a:t>-</a:t>
+            </a:r>
+          </a:p>
+          <a:p>
+            <a:r>
+              <a:rPr lang="en-US" sz="1200" dirty="0"/>
+              <a:t>-</a:t>
+            </a:r>
+          </a:p>
+          <a:p>
+            <a:r>
+              <a:rPr lang="en-US" sz="1200" dirty="0"/>
+              <a:t>-</a:t>
+            </a:r>
+          </a:p>
+          <a:p>
+            <a:r>
+              <a:rPr lang="en-US" sz="1200" dirty="0"/>
+              <a:t>-</a:t>
+            </a:r>
+          </a:p>
+          <a:p>
+            <a:endParaRPr lang="en-US" sz="1200" dirty="0"/>
+          </a:p>
+        </p:txBody>
+      </p:sp>
+      <p:sp>
+        <p:nvSpPr>
+          <p:cNvPr id="8" name="Textfeld 7">
+            <a:extLst>
+              <a:ext uri="{FF2B5EF4-FFF2-40B4-BE49-F238E27FC236}">
+                <a16:creationId xmlns:a16="http://schemas.microsoft.com/office/drawing/2014/main" id="{560B819D-BE24-4E6F-946D-6BF455940428}"/>
+              </a:ext>
+            </a:extLst>
+          </p:cNvPr>
+          <p:cNvSpPr txBox="1"/>
+          <p:nvPr/>
+        </p:nvSpPr>
+        <p:spPr>
+          <a:xfrm>
+            <a:off x="4565075" y="2876550"/>
+            <a:ext cx="4343400" cy="1754326"/>
+          </a:xfrm>
+          <a:prstGeom prst="rect">
+            <a:avLst/>
+          </a:prstGeom>
+          <a:solidFill>
+            <a:srgbClr val="FAE38E"/>
+          </a:solidFill>
+        </p:spPr>
+        <p:txBody>
+          <a:bodyPr wrap="square" rtlCol="0">
+            <a:spAutoFit/>
+          </a:bodyPr>
+          <a:lstStyle/>
+          <a:p>
+            <a:r>
+              <a:rPr lang="en-US" sz="1200" dirty="0"/>
+              <a:t> (Topic 6) Modeling (CT, </a:t>
+            </a:r>
+            <a:r>
+              <a:rPr lang="en-US" sz="1200" dirty="0" err="1"/>
+              <a:t>XGBoost</a:t>
+            </a:r>
+            <a:r>
+              <a:rPr lang="en-US" sz="1200" dirty="0"/>
+              <a:t>, MLP)</a:t>
+            </a:r>
+          </a:p>
+          <a:p>
+            <a:r>
+              <a:rPr lang="en-US" sz="1200" dirty="0"/>
+              <a:t>-</a:t>
+            </a:r>
+          </a:p>
+          <a:p>
+            <a:r>
+              <a:rPr lang="en-US" sz="1200" dirty="0"/>
+              <a:t>-</a:t>
+            </a:r>
+          </a:p>
+          <a:p>
+            <a:r>
+              <a:rPr lang="en-US" sz="1200" dirty="0"/>
+              <a:t>-</a:t>
+            </a:r>
+          </a:p>
+          <a:p>
+            <a:r>
+              <a:rPr lang="en-US" sz="1200" dirty="0"/>
+              <a:t>-</a:t>
+            </a:r>
+          </a:p>
+          <a:p>
+            <a:r>
+              <a:rPr lang="en-US" sz="1200" dirty="0"/>
+              <a:t>-</a:t>
+            </a:r>
+          </a:p>
+          <a:p>
+            <a:r>
+              <a:rPr lang="en-US" sz="1200" dirty="0"/>
+              <a:t>-</a:t>
+            </a:r>
+          </a:p>
+          <a:p>
+            <a:r>
+              <a:rPr lang="en-US" sz="1200" dirty="0"/>
+              <a:t>-</a:t>
+            </a:r>
+          </a:p>
+          <a:p>
+            <a:r>
+              <a:rPr lang="en-US" sz="1200" dirty="0"/>
+              <a:t>-</a:t>
+            </a:r>
           </a:p>
         </p:txBody>
       </p:sp>
@@ -17252,71 +17242,71 @@
 </file>
 
 <file path=customXml/item1.xml><?xml version="1.0" encoding="utf-8"?>
+<VariableList UniqueId="f9d12240-e4e0-447c-a279-5cfbdc1d54bc" Name="System" ContentType="XML" MajorVersion="0" MinorVersion="1" isLocalCopy="False" IsBaseObject="False" DataSourceId="e900a022-2ee3-47aa-95bc-cf4962dd15bc" DataSourceMajorVersion="0" DataSourceMinorVersion="1"/>
+</file>
+
+<file path=customXml/item2.xml><?xml version="1.0" encoding="utf-8"?>
 <VariableListDefinition name="Computed" displayName="Computed" id="145657b4-b8f5-4796-b4d6-5ad0202156cb" isdomainofvalue="False" dataSourceId="d047bc2d-ea0e-4827-9c6c-eda3deaf492a"/>
 </file>
 
-<file path=customXml/item2.xml><?xml version="1.0" encoding="utf-8"?>
+<file path=customXml/item3.xml><?xml version="1.0" encoding="utf-8"?>
+<VariableListDefinition name="System" displayName="System" id="f9d12240-e4e0-447c-a279-5cfbdc1d54bc" isdomainofvalue="False" dataSourceId="e900a022-2ee3-47aa-95bc-cf4962dd15bc"/>
+</file>
+
+<file path=customXml/item4.xml><?xml version="1.0" encoding="utf-8"?>
 <VariableList UniqueId="cbf17c5a-5824-4c10-889d-65c6df0b3ad2" Name="AD_HOC" ContentType="XML" MajorVersion="0" MinorVersion="1" isLocalCopy="False" IsBaseObject="False" DataSourceId="fa42598e-4842-4137-85b3-bc234252d283" DataSourceMajorVersion="0" DataSourceMinorVersion="1"/>
 </file>
 
-<file path=customXml/item3.xml><?xml version="1.0" encoding="utf-8"?>
+<file path=customXml/item5.xml><?xml version="1.0" encoding="utf-8"?>
+<AllExternalAdhocVariableMappings/>
+</file>
+
+<file path=customXml/item6.xml><?xml version="1.0" encoding="utf-8"?>
+<VariableListDefinition name="AD_HOC" displayName="AD_HOC" id="cbf17c5a-5824-4c10-889d-65c6df0b3ad2" isdomainofvalue="False" dataSourceId="fa42598e-4842-4137-85b3-bc234252d283"/>
+</file>
+
+<file path=customXml/item7.xml><?xml version="1.0" encoding="utf-8"?>
 <VariableList UniqueId="145657b4-b8f5-4796-b4d6-5ad0202156cb" Name="Computed" ContentType="XML" MajorVersion="0" MinorVersion="1" isLocalCopy="False" IsBaseObject="False" DataSourceId="d047bc2d-ea0e-4827-9c6c-eda3deaf492a" DataSourceMajorVersion="0" DataSourceMinorVersion="1"/>
 </file>
 
-<file path=customXml/item4.xml><?xml version="1.0" encoding="utf-8"?>
-<VariableListDefinition name="System" displayName="System" id="f9d12240-e4e0-447c-a279-5cfbdc1d54bc" isdomainofvalue="False" dataSourceId="e900a022-2ee3-47aa-95bc-cf4962dd15bc"/>
+<file path=customXml/itemProps1.xml><?xml version="1.0" encoding="utf-8"?>
+<ds:datastoreItem xmlns:ds="http://schemas.openxmlformats.org/officeDocument/2006/customXml" ds:itemID="{76A0325B-5F5F-43A2-8090-4A18AFB661F6}">
+  <ds:schemaRefs/>
+</ds:datastoreItem>
 </file>
 
-<file path=customXml/item5.xml><?xml version="1.0" encoding="utf-8"?>
-<VariableListDefinition name="AD_HOC" displayName="AD_HOC" id="cbf17c5a-5824-4c10-889d-65c6df0b3ad2" isdomainofvalue="False" dataSourceId="fa42598e-4842-4137-85b3-bc234252d283"/>
-</file>
-
-<file path=customXml/item6.xml><?xml version="1.0" encoding="utf-8"?>
-<AllExternalAdhocVariableMappings/>
-</file>
-
-<file path=customXml/item7.xml><?xml version="1.0" encoding="utf-8"?>
-<VariableList UniqueId="f9d12240-e4e0-447c-a279-5cfbdc1d54bc" Name="System" ContentType="XML" MajorVersion="0" MinorVersion="1" isLocalCopy="False" IsBaseObject="False" DataSourceId="e900a022-2ee3-47aa-95bc-cf4962dd15bc" DataSourceMajorVersion="0" DataSourceMinorVersion="1"/>
-</file>
-
-<file path=customXml/itemProps1.xml><?xml version="1.0" encoding="utf-8"?>
+<file path=customXml/itemProps2.xml><?xml version="1.0" encoding="utf-8"?>
 <ds:datastoreItem xmlns:ds="http://schemas.openxmlformats.org/officeDocument/2006/customXml" ds:itemID="{EA62E2AA-386B-4B90-8CBA-CD0EE7FB646E}">
   <ds:schemaRefs/>
 </ds:datastoreItem>
 </file>
 
-<file path=customXml/itemProps2.xml><?xml version="1.0" encoding="utf-8"?>
+<file path=customXml/itemProps3.xml><?xml version="1.0" encoding="utf-8"?>
+<ds:datastoreItem xmlns:ds="http://schemas.openxmlformats.org/officeDocument/2006/customXml" ds:itemID="{76F94A71-2C14-4177-8C82-6A59E103E987}">
+  <ds:schemaRefs/>
+</ds:datastoreItem>
+</file>
+
+<file path=customXml/itemProps4.xml><?xml version="1.0" encoding="utf-8"?>
 <ds:datastoreItem xmlns:ds="http://schemas.openxmlformats.org/officeDocument/2006/customXml" ds:itemID="{C2C751EE-D757-44D7-B62C-B1794CD6BE59}">
   <ds:schemaRefs/>
 </ds:datastoreItem>
 </file>
 
-<file path=customXml/itemProps3.xml><?xml version="1.0" encoding="utf-8"?>
-<ds:datastoreItem xmlns:ds="http://schemas.openxmlformats.org/officeDocument/2006/customXml" ds:itemID="{17A2846B-FC8E-49C9-8A38-DC56ED4E9F42}">
+<file path=customXml/itemProps5.xml><?xml version="1.0" encoding="utf-8"?>
+<ds:datastoreItem xmlns:ds="http://schemas.openxmlformats.org/officeDocument/2006/customXml" ds:itemID="{5B1DE78D-2B0B-4D0D-A586-18E6B2BB4502}">
   <ds:schemaRefs/>
 </ds:datastoreItem>
 </file>
 
-<file path=customXml/itemProps4.xml><?xml version="1.0" encoding="utf-8"?>
-<ds:datastoreItem xmlns:ds="http://schemas.openxmlformats.org/officeDocument/2006/customXml" ds:itemID="{76F94A71-2C14-4177-8C82-6A59E103E987}">
-  <ds:schemaRefs/>
-</ds:datastoreItem>
-</file>
-
-<file path=customXml/itemProps5.xml><?xml version="1.0" encoding="utf-8"?>
+<file path=customXml/itemProps6.xml><?xml version="1.0" encoding="utf-8"?>
 <ds:datastoreItem xmlns:ds="http://schemas.openxmlformats.org/officeDocument/2006/customXml" ds:itemID="{E733264B-5ECE-46BF-8FE3-7F0E0F6E4E16}">
   <ds:schemaRefs/>
 </ds:datastoreItem>
 </file>
 
-<file path=customXml/itemProps6.xml><?xml version="1.0" encoding="utf-8"?>
-<ds:datastoreItem xmlns:ds="http://schemas.openxmlformats.org/officeDocument/2006/customXml" ds:itemID="{5B1DE78D-2B0B-4D0D-A586-18E6B2BB4502}">
-  <ds:schemaRefs/>
-</ds:datastoreItem>
-</file>
-
 <file path=customXml/itemProps7.xml><?xml version="1.0" encoding="utf-8"?>
-<ds:datastoreItem xmlns:ds="http://schemas.openxmlformats.org/officeDocument/2006/customXml" ds:itemID="{76A0325B-5F5F-43A2-8090-4A18AFB661F6}">
+<ds:datastoreItem xmlns:ds="http://schemas.openxmlformats.org/officeDocument/2006/customXml" ds:itemID="{17A2846B-FC8E-49C9-8A38-DC56ED4E9F42}">
   <ds:schemaRefs/>
 </ds:datastoreItem>
 </file>
--- a/Credit_Risk_Modeling/Slides_Credit_Risk_Modeling_Workshop_EN.pptx
+++ b/Credit_Risk_Modeling/Slides_Credit_Risk_Modeling_Workshop_EN.pptx
@@ -272,7 +272,7 @@
             <a:fld id="{AA48851D-549D-4785-8040-D1740898315D}" type="datetime1">
               <a:rPr lang="de-CH" smtClean="0"/>
               <a:pPr/>
-              <a:t>02.07.2022</a:t>
+              <a:t>04.07.2022</a:t>
             </a:fld>
             <a:endParaRPr lang="fr-FR" dirty="0"/>
           </a:p>
@@ -439,7 +439,7 @@
             <a:fld id="{1C03A998-303B-4F86-9947-A49AF14B2D3A}" type="datetimeFigureOut">
               <a:rPr lang="fr-FR" smtClean="0"/>
               <a:pPr/>
-              <a:t>02/07/2022</a:t>
+              <a:t>04/07/2022</a:t>
             </a:fld>
             <a:endParaRPr lang="fr-FR" dirty="0"/>
           </a:p>
@@ -10633,7 +10633,7 @@
           <a:p>
             <a:r>
               <a:rPr lang="en-US" sz="1200" dirty="0"/>
-              <a:t> (Topic 8) Model deployment using flask and Python</a:t>
+              <a:t> (Topic 8) Model deployment</a:t>
             </a:r>
           </a:p>
           <a:p>
@@ -11228,7 +11228,7 @@
             </a:r>
             <a:r>
               <a:rPr lang="de-CH" sz="1200" dirty="0"/>
-              <a:t> Notebooks on Amazon </a:t>
+              <a:t> Notebooks with Amazon </a:t>
             </a:r>
             <a:r>
               <a:rPr lang="de-CH" sz="1200" dirty="0" err="1"/>
@@ -13746,17 +13746,8 @@
             </a:r>
             <a:r>
               <a:rPr lang="de-CH" dirty="0"/>
-              <a:t> Notebook</a:t>
-            </a:r>
-          </a:p>
-          <a:p>
-            <a:pPr marL="675246" lvl="1" indent="-285750">
-              <a:lnSpc>
-                <a:spcPct val="150000"/>
-              </a:lnSpc>
-              <a:buFont typeface="Wingdings" panose="05000000000000000000" pitchFamily="2" charset="2"/>
-              <a:buChar char="§"/>
-            </a:pPr>
+              <a:t> Notebook, </a:t>
+            </a:r>
             <a:r>
               <a:rPr lang="de-CH" dirty="0" err="1"/>
               <a:t>Jupyter</a:t>
@@ -13797,6 +13788,73 @@
             <a:r>
               <a:rPr lang="de-CH" dirty="0"/>
               <a:t>Amazon Web Services (AWS)</a:t>
+            </a:r>
+          </a:p>
+          <a:p>
+            <a:pPr marL="285750" indent="-285750">
+              <a:lnSpc>
+                <a:spcPct val="150000"/>
+              </a:lnSpc>
+              <a:buFont typeface="Wingdings" panose="05000000000000000000" pitchFamily="2" charset="2"/>
+              <a:buChar char="§"/>
+            </a:pPr>
+            <a:r>
+              <a:rPr lang="de-CH" dirty="0"/>
+              <a:t>GitHub (</a:t>
+            </a:r>
+            <a:r>
+              <a:rPr lang="de-CH" dirty="0" err="1"/>
+              <a:t>please</a:t>
+            </a:r>
+            <a:r>
+              <a:rPr lang="de-CH" dirty="0"/>
+              <a:t> </a:t>
+            </a:r>
+            <a:r>
+              <a:rPr lang="de-CH" dirty="0" err="1"/>
+              <a:t>provide</a:t>
+            </a:r>
+            <a:r>
+              <a:rPr lang="de-CH" dirty="0"/>
+              <a:t> </a:t>
+            </a:r>
+            <a:r>
+              <a:rPr lang="de-CH" dirty="0" err="1"/>
+              <a:t>your</a:t>
+            </a:r>
+            <a:r>
+              <a:rPr lang="de-CH" dirty="0"/>
+              <a:t> user-name </a:t>
+            </a:r>
+            <a:r>
+              <a:rPr lang="de-CH" dirty="0" err="1"/>
+              <a:t>here</a:t>
+            </a:r>
+            <a:r>
+              <a:rPr lang="de-CH" dirty="0"/>
+              <a:t>: </a:t>
+            </a:r>
+            <a:r>
+              <a:rPr lang="de-CH" dirty="0">
+                <a:solidFill>
+                  <a:schemeClr val="accent2">
+                    <a:lumMod val="50000"/>
+                    <a:lumOff val="50000"/>
+                  </a:schemeClr>
+                </a:solidFill>
+                <a:hlinkClick r:id="rId3">
+                  <a:extLst>
+                    <a:ext uri="{A12FA001-AC4F-418D-AE19-62706E023703}">
+                      <ahyp:hlinkClr xmlns:ahyp="http://schemas.microsoft.com/office/drawing/2018/hyperlinkcolor" val="tx"/>
+                    </a:ext>
+                  </a:extLst>
+                </a:hlinkClick>
+              </a:rPr>
+              <a:t>Link</a:t>
+            </a:r>
+            <a:r>
+              <a:rPr lang="de-CH" dirty="0"/>
+              <a:t>)</a:t>
             </a:r>
           </a:p>
           <a:p>
@@ -15737,8 +15795,13 @@
             </a:pPr>
             <a:r>
               <a:rPr lang="en-US" sz="1000" dirty="0"/>
-              <a:t>Reading the data</a:t>
-            </a:r>
+              <a:t>Read dataset into </a:t>
+            </a:r>
+            <a:r>
+              <a:rPr lang="en-US" sz="1000" dirty="0" err="1"/>
+              <a:t>jupyter</a:t>
+            </a:r>
+            <a:endParaRPr lang="en-US" sz="1000" dirty="0"/>
           </a:p>
           <a:p>
             <a:pPr marL="171450" indent="-171450">
@@ -15763,8 +15826,13 @@
             </a:pPr>
             <a:r>
               <a:rPr lang="en-US" sz="1000" dirty="0"/>
-              <a:t>Displaying a data frame</a:t>
-            </a:r>
+              <a:t>Display a </a:t>
+            </a:r>
+            <a:r>
+              <a:rPr lang="en-US" sz="1000" dirty="0" err="1"/>
+              <a:t>dataframe</a:t>
+            </a:r>
+            <a:endParaRPr lang="en-US" sz="1000" dirty="0"/>
           </a:p>
           <a:p>
             <a:pPr marL="171450" indent="-171450">
@@ -15776,7 +15844,7 @@
             </a:pPr>
             <a:r>
               <a:rPr lang="en-US" sz="1000" dirty="0"/>
-              <a:t>Explain Datatypes</a:t>
+              <a:t>Explain Datatype</a:t>
             </a:r>
           </a:p>
           <a:p>

--- a/Credit_Risk_Modeling/Slides_Credit_Risk_Modeling_Workshop_EN.pptx
+++ b/Credit_Risk_Modeling/Slides_Credit_Risk_Modeling_Workshop_EN.pptx
@@ -5,10 +5,10 @@
     <p:sldMasterId id="2147483670" r:id="rId8"/>
   </p:sldMasterIdLst>
   <p:notesMasterIdLst>
-    <p:notesMasterId r:id="rId22"/>
+    <p:notesMasterId r:id="rId21"/>
   </p:notesMasterIdLst>
   <p:handoutMasterIdLst>
-    <p:handoutMasterId r:id="rId23"/>
+    <p:handoutMasterId r:id="rId22"/>
   </p:handoutMasterIdLst>
   <p:sldIdLst>
     <p:sldId id="327" r:id="rId9"/>
@@ -20,21 +20,20 @@
     <p:sldId id="492" r:id="rId15"/>
     <p:sldId id="499" r:id="rId16"/>
     <p:sldId id="500" r:id="rId17"/>
-    <p:sldId id="498" r:id="rId18"/>
-    <p:sldId id="485" r:id="rId19"/>
-    <p:sldId id="487" r:id="rId20"/>
-    <p:sldId id="488" r:id="rId21"/>
+    <p:sldId id="485" r:id="rId18"/>
+    <p:sldId id="487" r:id="rId19"/>
+    <p:sldId id="488" r:id="rId20"/>
   </p:sldIdLst>
   <p:sldSz cx="9144000" cy="5143500" type="screen16x9"/>
   <p:notesSz cx="7099300" cy="10234613"/>
   <p:custDataLst>
-    <p:custData r:id="rId7"/>
+    <p:custData r:id="rId3"/>
     <p:custData r:id="rId6"/>
     <p:custData r:id="rId5"/>
+    <p:custData r:id="rId7"/>
+    <p:custData r:id="rId4"/>
     <p:custData r:id="rId1"/>
-    <p:custData r:id="rId3"/>
     <p:custData r:id="rId2"/>
-    <p:custData r:id="rId4"/>
   </p:custDataLst>
   <p:defaultTextStyle>
     <a:defPPr>
@@ -272,7 +271,7 @@
             <a:fld id="{AA48851D-549D-4785-8040-D1740898315D}" type="datetime1">
               <a:rPr lang="de-CH" smtClean="0"/>
               <a:pPr/>
-              <a:t>04.07.2022</a:t>
+              <a:t>05.07.2022</a:t>
             </a:fld>
             <a:endParaRPr lang="fr-FR" dirty="0"/>
           </a:p>
@@ -439,7 +438,7 @@
             <a:fld id="{1C03A998-303B-4F86-9947-A49AF14B2D3A}" type="datetimeFigureOut">
               <a:rPr lang="fr-FR" smtClean="0"/>
               <a:pPr/>
-              <a:t>04/07/2022</a:t>
+              <a:t>05/07/2022</a:t>
             </a:fld>
             <a:endParaRPr lang="fr-FR" dirty="0"/>
           </a:p>
@@ -878,7 +877,7 @@
     </p:spTree>
     <p:extLst>
       <p:ext uri="{BB962C8B-B14F-4D97-AF65-F5344CB8AC3E}">
-        <p14:creationId xmlns:p14="http://schemas.microsoft.com/office/powerpoint/2010/main" val="2423174098"/>
+        <p14:creationId xmlns:p14="http://schemas.microsoft.com/office/powerpoint/2010/main" val="4218146176"/>
       </p:ext>
     </p:extLst>
   </p:cSld>
@@ -960,96 +959,6 @@
               <a:rPr lang="fr-FR" smtClean="0"/>
               <a:pPr/>
               <a:t>12</a:t>
-            </a:fld>
-            <a:endParaRPr lang="fr-FR" dirty="0"/>
-          </a:p>
-        </p:txBody>
-      </p:sp>
-    </p:spTree>
-    <p:extLst>
-      <p:ext uri="{BB962C8B-B14F-4D97-AF65-F5344CB8AC3E}">
-        <p14:creationId xmlns:p14="http://schemas.microsoft.com/office/powerpoint/2010/main" val="4218146176"/>
-      </p:ext>
-    </p:extLst>
-  </p:cSld>
-  <p:clrMapOvr>
-    <a:masterClrMapping/>
-  </p:clrMapOvr>
-</p:notes>
-</file>
-
-<file path=ppt/notesSlides/notesSlide12.xml><?xml version="1.0" encoding="utf-8"?>
-<p:notes xmlns:a="http://schemas.openxmlformats.org/drawingml/2006/main" xmlns:r="http://schemas.openxmlformats.org/officeDocument/2006/relationships" xmlns:p="http://schemas.openxmlformats.org/presentationml/2006/main">
-  <p:cSld>
-    <p:spTree>
-      <p:nvGrpSpPr>
-        <p:cNvPr id="1" name=""/>
-        <p:cNvGrpSpPr/>
-        <p:nvPr/>
-      </p:nvGrpSpPr>
-      <p:grpSpPr>
-        <a:xfrm>
-          <a:off x="0" y="0"/>
-          <a:ext cx="0" cy="0"/>
-          <a:chOff x="0" y="0"/>
-          <a:chExt cx="0" cy="0"/>
-        </a:xfrm>
-      </p:grpSpPr>
-      <p:sp>
-        <p:nvSpPr>
-          <p:cNvPr id="2" name="Slide Image Placeholder 1"/>
-          <p:cNvSpPr>
-            <a:spLocks noGrp="1" noRot="1" noChangeAspect="1"/>
-          </p:cNvSpPr>
-          <p:nvPr>
-            <p:ph type="sldImg"/>
-          </p:nvPr>
-        </p:nvSpPr>
-        <p:spPr>
-          <a:xfrm>
-            <a:off x="144463" y="766763"/>
-            <a:ext cx="6807200" cy="3829050"/>
-          </a:xfrm>
-        </p:spPr>
-      </p:sp>
-      <p:sp>
-        <p:nvSpPr>
-          <p:cNvPr id="3" name="Notes Placeholder 2"/>
-          <p:cNvSpPr>
-            <a:spLocks noGrp="1"/>
-          </p:cNvSpPr>
-          <p:nvPr>
-            <p:ph type="body" idx="1"/>
-          </p:nvPr>
-        </p:nvSpPr>
-        <p:spPr/>
-        <p:txBody>
-          <a:bodyPr/>
-          <a:lstStyle/>
-          <a:p>
-            <a:endParaRPr lang="de-CH"/>
-          </a:p>
-        </p:txBody>
-      </p:sp>
-      <p:sp>
-        <p:nvSpPr>
-          <p:cNvPr id="4" name="Slide Number Placeholder 3"/>
-          <p:cNvSpPr>
-            <a:spLocks noGrp="1"/>
-          </p:cNvSpPr>
-          <p:nvPr>
-            <p:ph type="sldNum" sz="quarter" idx="10"/>
-          </p:nvPr>
-        </p:nvSpPr>
-        <p:spPr/>
-        <p:txBody>
-          <a:bodyPr/>
-          <a:lstStyle/>
-          <a:p>
-            <a:fld id="{4E9274FF-26F8-4AE0-B748-E0D66FCDF779}" type="slidenum">
-              <a:rPr lang="fr-FR" smtClean="0"/>
-              <a:pPr/>
-              <a:t>13</a:t>
             </a:fld>
             <a:endParaRPr lang="fr-FR" dirty="0"/>
           </a:p>
@@ -1778,7 +1687,7 @@
     </p:spTree>
     <p:extLst>
       <p:ext uri="{BB962C8B-B14F-4D97-AF65-F5344CB8AC3E}">
-        <p14:creationId xmlns:p14="http://schemas.microsoft.com/office/powerpoint/2010/main" val="22888696"/>
+        <p14:creationId xmlns:p14="http://schemas.microsoft.com/office/powerpoint/2010/main" val="2423174098"/>
       </p:ext>
     </p:extLst>
   </p:cSld>
@@ -10351,7 +10260,7 @@
           <a:p>
             <a:r>
               <a:rPr lang="en-US" dirty="0"/>
-              <a:t>Keyword pinboard (basis to define group tasks)</a:t>
+              <a:t>Expert groups and definition of tasks</a:t>
             </a:r>
           </a:p>
         </p:txBody>
@@ -10524,10 +10433,10 @@
       </p:sp>
       <p:sp>
         <p:nvSpPr>
-          <p:cNvPr id="33" name="Textfeld 32">
+          <p:cNvPr id="3" name="Textfeld 2">
             <a:extLst>
               <a:ext uri="{FF2B5EF4-FFF2-40B4-BE49-F238E27FC236}">
-                <a16:creationId xmlns:a16="http://schemas.microsoft.com/office/drawing/2014/main" id="{10FC5704-BC39-4249-AB8C-0F35B4EDEBB0}"/>
+                <a16:creationId xmlns:a16="http://schemas.microsoft.com/office/drawing/2014/main" id="{2037E902-4E91-49F0-B5D8-D40107E09CC9}"/>
               </a:ext>
             </a:extLst>
           </p:cNvPr>
@@ -10536,15 +10445,13 @@
         </p:nvSpPr>
         <p:spPr>
           <a:xfrm>
-            <a:off x="192230" y="1216696"/>
-            <a:ext cx="4322616" cy="1569660"/>
+            <a:off x="181264" y="1130876"/>
+            <a:ext cx="8763000" cy="3151312"/>
           </a:xfrm>
           <a:prstGeom prst="rect">
             <a:avLst/>
           </a:prstGeom>
-          <a:solidFill>
-            <a:srgbClr val="FAE38E"/>
-          </a:solidFill>
+          <a:noFill/>
         </p:spPr>
         <p:txBody>
           <a:bodyPr wrap="square" rtlCol="0">
@@ -10552,61 +10459,348 @@
           </a:bodyPr>
           <a:lstStyle/>
           <a:p>
-            <a:r>
-              <a:rPr lang="en-US" sz="1200" dirty="0"/>
-              <a:t> (Topic 7) Model predictions and -performance </a:t>
-            </a:r>
-          </a:p>
-          <a:p>
-            <a:r>
-              <a:rPr lang="en-US" sz="1200" dirty="0"/>
-              <a:t>-</a:t>
-            </a:r>
-          </a:p>
-          <a:p>
-            <a:r>
-              <a:rPr lang="en-US" sz="1200" dirty="0"/>
-              <a:t>-</a:t>
-            </a:r>
-          </a:p>
-          <a:p>
-            <a:r>
-              <a:rPr lang="en-US" sz="1200" dirty="0"/>
-              <a:t>-</a:t>
-            </a:r>
-          </a:p>
-          <a:p>
-            <a:r>
-              <a:rPr lang="en-US" sz="1200" dirty="0"/>
-              <a:t>-</a:t>
-            </a:r>
-          </a:p>
-          <a:p>
-            <a:r>
-              <a:rPr lang="en-US" sz="1200" dirty="0"/>
-              <a:t>-</a:t>
-            </a:r>
-          </a:p>
-          <a:p>
-            <a:r>
-              <a:rPr lang="en-US" sz="1200" dirty="0"/>
-              <a:t>-</a:t>
-            </a:r>
-          </a:p>
-          <a:p>
-            <a:r>
-              <a:rPr lang="en-US" sz="1200" dirty="0"/>
-              <a:t>-</a:t>
-            </a:r>
-          </a:p>
-        </p:txBody>
-      </p:sp>
-      <p:sp>
-        <p:nvSpPr>
-          <p:cNvPr id="34" name="Textfeld 33">
+            <a:pPr>
+              <a:lnSpc>
+                <a:spcPct val="150000"/>
+              </a:lnSpc>
+            </a:pPr>
+            <a:r>
+              <a:rPr lang="de-CH" sz="1400" b="1" dirty="0"/>
+              <a:t>Expert Group (X): Working with Python and </a:t>
+            </a:r>
+            <a:r>
+              <a:rPr lang="de-CH" sz="1400" b="1" dirty="0" err="1"/>
+              <a:t>Jupyter</a:t>
+            </a:r>
+            <a:r>
+              <a:rPr lang="de-CH" sz="1400" b="1" dirty="0"/>
+              <a:t> Notebooks</a:t>
+            </a:r>
+          </a:p>
+          <a:p>
+            <a:pPr marL="171450" indent="-171450">
+              <a:lnSpc>
+                <a:spcPct val="150000"/>
+              </a:lnSpc>
+              <a:buFont typeface="Wingdings" panose="05000000000000000000" pitchFamily="2" charset="2"/>
+              <a:buChar char="§"/>
+            </a:pPr>
+            <a:r>
+              <a:rPr lang="de-CH" sz="1200" dirty="0"/>
+              <a:t>Installation (</a:t>
+            </a:r>
+            <a:r>
+              <a:rPr lang="de-CH" sz="1200" dirty="0" err="1"/>
+              <a:t>Anaconda</a:t>
+            </a:r>
+            <a:r>
+              <a:rPr lang="de-CH" sz="1200" dirty="0"/>
+              <a:t>)</a:t>
+            </a:r>
+          </a:p>
+          <a:p>
+            <a:pPr marL="171450" indent="-171450">
+              <a:lnSpc>
+                <a:spcPct val="150000"/>
+              </a:lnSpc>
+              <a:buFont typeface="Wingdings" panose="05000000000000000000" pitchFamily="2" charset="2"/>
+              <a:buChar char="§"/>
+            </a:pPr>
+            <a:r>
+              <a:rPr lang="de-CH" sz="1200" dirty="0" err="1"/>
+              <a:t>Creating</a:t>
+            </a:r>
+            <a:r>
+              <a:rPr lang="de-CH" sz="1200" dirty="0"/>
+              <a:t> a </a:t>
+            </a:r>
+            <a:r>
+              <a:rPr lang="de-CH" sz="1200" dirty="0" err="1"/>
+              <a:t>Conda</a:t>
+            </a:r>
+            <a:r>
+              <a:rPr lang="de-CH" sz="1200" dirty="0"/>
+              <a:t> </a:t>
+            </a:r>
+            <a:r>
+              <a:rPr lang="de-CH" sz="1200" dirty="0" err="1"/>
+              <a:t>environment</a:t>
+            </a:r>
+            <a:endParaRPr lang="de-CH" sz="1200" dirty="0"/>
+          </a:p>
+          <a:p>
+            <a:pPr marL="171450" indent="-171450">
+              <a:lnSpc>
+                <a:spcPct val="150000"/>
+              </a:lnSpc>
+              <a:buFont typeface="Wingdings" panose="05000000000000000000" pitchFamily="2" charset="2"/>
+              <a:buChar char="§"/>
+            </a:pPr>
+            <a:r>
+              <a:rPr lang="de-CH" sz="1200" dirty="0"/>
+              <a:t>Making Python Code </a:t>
+            </a:r>
+            <a:r>
+              <a:rPr lang="de-CH" sz="1200" dirty="0" err="1"/>
+              <a:t>running</a:t>
+            </a:r>
+            <a:endParaRPr lang="de-CH" sz="1200" dirty="0"/>
+          </a:p>
+          <a:p>
+            <a:pPr marL="171450" indent="-171450">
+              <a:lnSpc>
+                <a:spcPct val="150000"/>
+              </a:lnSpc>
+              <a:buFont typeface="Wingdings" panose="05000000000000000000" pitchFamily="2" charset="2"/>
+              <a:buChar char="§"/>
+            </a:pPr>
+            <a:r>
+              <a:rPr lang="de-CH" sz="1200" dirty="0"/>
+              <a:t>HTML </a:t>
+            </a:r>
+            <a:r>
+              <a:rPr lang="de-CH" sz="1200" dirty="0" err="1"/>
+              <a:t>formating</a:t>
+            </a:r>
+            <a:r>
+              <a:rPr lang="de-CH" sz="1200" dirty="0"/>
+              <a:t> (</a:t>
+            </a:r>
+            <a:r>
+              <a:rPr lang="de-CH" sz="1200" dirty="0" err="1"/>
+              <a:t>Markdowns</a:t>
+            </a:r>
+            <a:r>
+              <a:rPr lang="de-CH" sz="1200" dirty="0"/>
+              <a:t>)</a:t>
+            </a:r>
+          </a:p>
+          <a:p>
+            <a:pPr marL="171450" indent="-171450">
+              <a:lnSpc>
+                <a:spcPct val="150000"/>
+              </a:lnSpc>
+              <a:buFont typeface="Wingdings" panose="05000000000000000000" pitchFamily="2" charset="2"/>
+              <a:buChar char="§"/>
+            </a:pPr>
+            <a:r>
+              <a:rPr lang="de-CH" sz="1200" dirty="0" err="1"/>
+              <a:t>Getting</a:t>
+            </a:r>
+            <a:r>
+              <a:rPr lang="de-CH" sz="1200" dirty="0"/>
+              <a:t> </a:t>
+            </a:r>
+            <a:r>
+              <a:rPr lang="de-CH" sz="1200" dirty="0" err="1"/>
+              <a:t>help</a:t>
+            </a:r>
+            <a:r>
+              <a:rPr lang="de-CH" sz="1200" dirty="0"/>
+              <a:t> for </a:t>
+            </a:r>
+            <a:r>
+              <a:rPr lang="de-CH" sz="1200" dirty="0" err="1"/>
+              <a:t>the</a:t>
+            </a:r>
+            <a:r>
+              <a:rPr lang="de-CH" sz="1200" dirty="0"/>
+              <a:t> </a:t>
+            </a:r>
+            <a:r>
+              <a:rPr lang="de-CH" sz="1200" dirty="0" err="1"/>
+              <a:t>functions</a:t>
+            </a:r>
+            <a:endParaRPr lang="de-CH" sz="1200" dirty="0"/>
+          </a:p>
+          <a:p>
+            <a:pPr marL="171450" indent="-171450">
+              <a:lnSpc>
+                <a:spcPct val="150000"/>
+              </a:lnSpc>
+              <a:buFont typeface="Wingdings" panose="05000000000000000000" pitchFamily="2" charset="2"/>
+              <a:buChar char="§"/>
+            </a:pPr>
+            <a:r>
+              <a:rPr lang="de-CH" sz="1200" dirty="0" err="1"/>
+              <a:t>Installing</a:t>
+            </a:r>
+            <a:r>
+              <a:rPr lang="de-CH" sz="1200" dirty="0"/>
+              <a:t> additional Python </a:t>
+            </a:r>
+            <a:r>
+              <a:rPr lang="de-CH" sz="1200" dirty="0" err="1"/>
+              <a:t>libraries</a:t>
+            </a:r>
+            <a:r>
+              <a:rPr lang="de-CH" sz="1200" dirty="0"/>
+              <a:t> </a:t>
+            </a:r>
+            <a:r>
+              <a:rPr lang="de-CH" sz="1200" dirty="0" err="1"/>
+              <a:t>from</a:t>
+            </a:r>
+            <a:r>
+              <a:rPr lang="de-CH" sz="1200" dirty="0"/>
+              <a:t> </a:t>
+            </a:r>
+            <a:r>
+              <a:rPr lang="de-CH" sz="1200" dirty="0" err="1"/>
+              <a:t>within</a:t>
+            </a:r>
+            <a:r>
+              <a:rPr lang="de-CH" sz="1200" dirty="0"/>
+              <a:t> a </a:t>
+            </a:r>
+            <a:r>
+              <a:rPr lang="de-CH" sz="1200" dirty="0" err="1"/>
+              <a:t>Jupyter</a:t>
+            </a:r>
+            <a:r>
+              <a:rPr lang="de-CH" sz="1200" dirty="0"/>
+              <a:t> Notebook</a:t>
+            </a:r>
+          </a:p>
+          <a:p>
+            <a:pPr marL="171450" indent="-171450">
+              <a:lnSpc>
+                <a:spcPct val="150000"/>
+              </a:lnSpc>
+              <a:buFont typeface="Wingdings" panose="05000000000000000000" pitchFamily="2" charset="2"/>
+              <a:buChar char="§"/>
+            </a:pPr>
+            <a:r>
+              <a:rPr lang="de-CH" sz="1200" dirty="0"/>
+              <a:t>Working with </a:t>
+            </a:r>
+            <a:r>
+              <a:rPr lang="de-CH" sz="1200" dirty="0" err="1"/>
+              <a:t>short</a:t>
+            </a:r>
+            <a:r>
+              <a:rPr lang="de-CH" sz="1200" dirty="0"/>
+              <a:t> </a:t>
+            </a:r>
+            <a:r>
+              <a:rPr lang="de-CH" sz="1200" dirty="0" err="1"/>
+              <a:t>cuts</a:t>
+            </a:r>
+            <a:endParaRPr lang="de-CH" sz="1200" dirty="0"/>
+          </a:p>
+          <a:p>
+            <a:pPr marL="171450" indent="-171450">
+              <a:lnSpc>
+                <a:spcPct val="150000"/>
+              </a:lnSpc>
+              <a:buFont typeface="Wingdings" panose="05000000000000000000" pitchFamily="2" charset="2"/>
+              <a:buChar char="§"/>
+            </a:pPr>
+            <a:r>
+              <a:rPr lang="de-CH" sz="1200" dirty="0" err="1"/>
+              <a:t>Saving</a:t>
+            </a:r>
+            <a:r>
+              <a:rPr lang="de-CH" sz="1200" dirty="0"/>
+              <a:t> </a:t>
+            </a:r>
+            <a:r>
+              <a:rPr lang="de-CH" sz="1200" dirty="0" err="1"/>
+              <a:t>Results</a:t>
+            </a:r>
+            <a:r>
+              <a:rPr lang="de-CH" sz="1200" dirty="0"/>
+              <a:t> </a:t>
+            </a:r>
+            <a:r>
+              <a:rPr lang="de-CH" sz="1200" dirty="0" err="1"/>
+              <a:t>as</a:t>
+            </a:r>
+            <a:r>
+              <a:rPr lang="de-CH" sz="1200" dirty="0"/>
+              <a:t> HTML-File</a:t>
+            </a:r>
+          </a:p>
+          <a:p>
+            <a:pPr marL="171450" indent="-171450">
+              <a:lnSpc>
+                <a:spcPct val="150000"/>
+              </a:lnSpc>
+              <a:buFont typeface="Wingdings" panose="05000000000000000000" pitchFamily="2" charset="2"/>
+              <a:buChar char="§"/>
+            </a:pPr>
+            <a:r>
+              <a:rPr lang="de-CH" sz="1200" dirty="0" err="1"/>
+              <a:t>Jupyter</a:t>
+            </a:r>
+            <a:r>
+              <a:rPr lang="de-CH" sz="1200" dirty="0"/>
+              <a:t> Notebook, </a:t>
+            </a:r>
+            <a:r>
+              <a:rPr lang="de-CH" sz="1200" dirty="0" err="1"/>
+              <a:t>Jupyter</a:t>
+            </a:r>
+            <a:r>
+              <a:rPr lang="de-CH" sz="1200" dirty="0"/>
+              <a:t> Lab, Google </a:t>
+            </a:r>
+            <a:r>
+              <a:rPr lang="de-CH" sz="1200" dirty="0" err="1"/>
+              <a:t>Collab</a:t>
+            </a:r>
+            <a:endParaRPr lang="de-CH" sz="1200" dirty="0"/>
+          </a:p>
+          <a:p>
+            <a:pPr marL="171450" indent="-171450">
+              <a:lnSpc>
+                <a:spcPct val="150000"/>
+              </a:lnSpc>
+              <a:buFont typeface="Wingdings" panose="05000000000000000000" pitchFamily="2" charset="2"/>
+              <a:buChar char="§"/>
+            </a:pPr>
+            <a:r>
+              <a:rPr lang="de-CH" sz="1200" dirty="0"/>
+              <a:t>Running </a:t>
+            </a:r>
+            <a:r>
+              <a:rPr lang="de-CH" sz="1200" dirty="0" err="1"/>
+              <a:t>locally</a:t>
+            </a:r>
+            <a:r>
+              <a:rPr lang="de-CH" sz="1200" dirty="0"/>
+              <a:t> </a:t>
+            </a:r>
+            <a:r>
+              <a:rPr lang="de-CH" sz="1200" dirty="0" err="1"/>
+              <a:t>developed</a:t>
+            </a:r>
+            <a:r>
+              <a:rPr lang="de-CH" sz="1200" dirty="0"/>
+              <a:t> </a:t>
+            </a:r>
+            <a:r>
+              <a:rPr lang="de-CH" sz="1200" dirty="0" err="1"/>
+              <a:t>Jupyter</a:t>
+            </a:r>
+            <a:r>
+              <a:rPr lang="de-CH" sz="1200" dirty="0"/>
+              <a:t> Notebooks with Amazon </a:t>
+            </a:r>
+            <a:r>
+              <a:rPr lang="de-CH" sz="1200" dirty="0" err="1"/>
+              <a:t>SageMaker</a:t>
+            </a:r>
+            <a:endParaRPr lang="de-CH" sz="1200" dirty="0"/>
+          </a:p>
+        </p:txBody>
+      </p:sp>
+      <p:sp>
+        <p:nvSpPr>
+          <p:cNvPr id="2" name="Textfeld 1">
             <a:extLst>
               <a:ext uri="{FF2B5EF4-FFF2-40B4-BE49-F238E27FC236}">
-                <a16:creationId xmlns:a16="http://schemas.microsoft.com/office/drawing/2014/main" id="{EB422D93-4AFA-4102-9CCA-D51BE5A5276F}"/>
+                <a16:creationId xmlns:a16="http://schemas.microsoft.com/office/drawing/2014/main" id="{0BDC7BB2-703F-4B5B-A1AD-C10C1CD1470F}"/>
               </a:ext>
             </a:extLst>
           </p:cNvPr>
@@ -10615,14 +10809,14 @@
         </p:nvSpPr>
         <p:spPr>
           <a:xfrm>
-            <a:off x="4624385" y="1216696"/>
-            <a:ext cx="4341092" cy="1569660"/>
+            <a:off x="6629400" y="2575791"/>
+            <a:ext cx="1295400" cy="400110"/>
           </a:xfrm>
           <a:prstGeom prst="rect">
             <a:avLst/>
           </a:prstGeom>
           <a:solidFill>
-            <a:srgbClr val="FAE38E"/>
+            <a:srgbClr val="FFC000"/>
           </a:solidFill>
         </p:spPr>
         <p:txBody>
@@ -10632,50 +10826,12 @@
           <a:lstStyle/>
           <a:p>
             <a:r>
-              <a:rPr lang="en-US" sz="1200" dirty="0"/>
-              <a:t> (Topic 8) Model deployment</a:t>
-            </a:r>
-          </a:p>
-          <a:p>
-            <a:r>
-              <a:rPr lang="en-US" sz="1200" dirty="0"/>
-              <a:t>-</a:t>
-            </a:r>
-          </a:p>
-          <a:p>
-            <a:r>
-              <a:rPr lang="en-US" sz="1200" dirty="0"/>
-              <a:t>-</a:t>
-            </a:r>
-          </a:p>
-          <a:p>
-            <a:r>
-              <a:rPr lang="en-US" sz="1200" dirty="0"/>
-              <a:t>-</a:t>
-            </a:r>
-          </a:p>
-          <a:p>
-            <a:r>
-              <a:rPr lang="en-US" sz="1200" dirty="0"/>
-              <a:t>-</a:t>
-            </a:r>
-          </a:p>
-          <a:p>
-            <a:r>
-              <a:rPr lang="en-US" sz="1200" dirty="0"/>
-              <a:t>-</a:t>
-            </a:r>
-          </a:p>
-          <a:p>
-            <a:r>
-              <a:rPr lang="en-US" sz="1200" dirty="0"/>
-              <a:t>-</a:t>
-            </a:r>
-          </a:p>
-          <a:p>
-            <a:r>
-              <a:rPr lang="en-US" sz="1200" dirty="0"/>
-              <a:t>-</a:t>
+              <a:rPr lang="de-CH" sz="2000" dirty="0" err="1"/>
+              <a:t>Example</a:t>
+            </a:r>
+            <a:r>
+              <a:rPr lang="de-CH" sz="2000" dirty="0"/>
+              <a:t>!</a:t>
             </a:r>
           </a:p>
         </p:txBody>
@@ -10683,7 +10839,7 @@
     </p:spTree>
     <p:extLst>
       <p:ext uri="{BB962C8B-B14F-4D97-AF65-F5344CB8AC3E}">
-        <p14:creationId xmlns:p14="http://schemas.microsoft.com/office/powerpoint/2010/main" val="1582036201"/>
+        <p14:creationId xmlns:p14="http://schemas.microsoft.com/office/powerpoint/2010/main" val="4244923999"/>
       </p:ext>
     </p:extLst>
   </p:cSld>
@@ -10733,7 +10889,23 @@
           <a:p>
             <a:r>
               <a:rPr lang="en-US" dirty="0"/>
-              <a:t>Expert groups and definition of tasks</a:t>
+              <a:t>Recommended structure of the </a:t>
+            </a:r>
+            <a:r>
+              <a:rPr lang="de-CH" dirty="0"/>
+              <a:t>«</a:t>
+            </a:r>
+            <a:r>
+              <a:rPr lang="en-US" dirty="0"/>
+              <a:t>expert</a:t>
+            </a:r>
+            <a:r>
+              <a:rPr lang="de-CH" dirty="0"/>
+              <a:t>»</a:t>
+            </a:r>
+            <a:r>
+              <a:rPr lang="en-US" dirty="0"/>
+              <a:t> sessions</a:t>
             </a:r>
           </a:p>
         </p:txBody>
@@ -10906,28 +11078,27 @@
       </p:sp>
       <p:sp>
         <p:nvSpPr>
-          <p:cNvPr id="3" name="Textfeld 2">
+          <p:cNvPr id="3" name="Rechteck 2">
             <a:extLst>
               <a:ext uri="{FF2B5EF4-FFF2-40B4-BE49-F238E27FC236}">
-                <a16:creationId xmlns:a16="http://schemas.microsoft.com/office/drawing/2014/main" id="{2037E902-4E91-49F0-B5D8-D40107E09CC9}"/>
+                <a16:creationId xmlns:a16="http://schemas.microsoft.com/office/drawing/2014/main" id="{B7DD5D79-00C9-4F98-91A0-54F9B5713B18}"/>
               </a:ext>
             </a:extLst>
           </p:cNvPr>
-          <p:cNvSpPr txBox="1"/>
+          <p:cNvSpPr/>
           <p:nvPr/>
         </p:nvSpPr>
         <p:spPr>
           <a:xfrm>
-            <a:off x="181264" y="1130876"/>
-            <a:ext cx="8763000" cy="3151312"/>
+            <a:off x="165102" y="1096097"/>
+            <a:ext cx="8788402" cy="2031838"/>
           </a:xfrm>
           <a:prstGeom prst="rect">
             <a:avLst/>
           </a:prstGeom>
-          <a:noFill/>
-        </p:spPr>
-        <p:txBody>
-          <a:bodyPr wrap="square" rtlCol="0">
+        </p:spPr>
+        <p:txBody>
+          <a:bodyPr wrap="square">
             <a:spAutoFit/>
           </a:bodyPr>
           <a:lstStyle/>
@@ -10938,364 +11109,69 @@
               </a:lnSpc>
             </a:pPr>
             <a:r>
-              <a:rPr lang="de-CH" sz="1400" b="1" dirty="0"/>
-              <a:t>Expert Group (X): Working with Python and </a:t>
-            </a:r>
-            <a:r>
-              <a:rPr lang="de-CH" sz="1400" b="1" dirty="0" err="1"/>
-              <a:t>Jupyter</a:t>
-            </a:r>
-            <a:r>
-              <a:rPr lang="de-CH" sz="1400" b="1" dirty="0"/>
-              <a:t> Notebooks</a:t>
-            </a:r>
-          </a:p>
-          <a:p>
-            <a:pPr marL="171450" indent="-171450">
+              <a:rPr lang="en-US" dirty="0"/>
+              <a:t>Questions which help to explain the software, functions, methods, etc. by each expert group</a:t>
+            </a:r>
+          </a:p>
+          <a:p>
+            <a:pPr>
               <a:lnSpc>
                 <a:spcPct val="150000"/>
               </a:lnSpc>
-              <a:buFont typeface="Wingdings" panose="05000000000000000000" pitchFamily="2" charset="2"/>
-              <a:buChar char="§"/>
             </a:pPr>
-            <a:r>
-              <a:rPr lang="de-CH" sz="1200" dirty="0"/>
-              <a:t>Installation (</a:t>
-            </a:r>
-            <a:r>
-              <a:rPr lang="de-CH" sz="1200" dirty="0" err="1"/>
-              <a:t>Anaconda</a:t>
-            </a:r>
-            <a:r>
-              <a:rPr lang="de-CH" sz="1200" dirty="0"/>
-              <a:t>)</a:t>
-            </a:r>
-          </a:p>
-          <a:p>
-            <a:pPr marL="171450" indent="-171450">
+            <a:endParaRPr lang="en-US" sz="600" dirty="0"/>
+          </a:p>
+          <a:p>
+            <a:pPr>
               <a:lnSpc>
                 <a:spcPct val="150000"/>
               </a:lnSpc>
-              <a:buFont typeface="Wingdings" panose="05000000000000000000" pitchFamily="2" charset="2"/>
-              <a:buChar char="§"/>
             </a:pPr>
             <a:r>
-              <a:rPr lang="de-CH" sz="1200" dirty="0"/>
-              <a:t>Making Python Code </a:t>
-            </a:r>
-            <a:r>
-              <a:rPr lang="de-CH" sz="1200" dirty="0" err="1"/>
-              <a:t>running</a:t>
-            </a:r>
-            <a:endParaRPr lang="de-CH" sz="1200" dirty="0"/>
-          </a:p>
-          <a:p>
-            <a:pPr marL="171450" indent="-171450">
+              <a:rPr lang="en-US" dirty="0"/>
+              <a:t>Q1: What is ...?</a:t>
+            </a:r>
+          </a:p>
+          <a:p>
+            <a:pPr>
               <a:lnSpc>
                 <a:spcPct val="150000"/>
               </a:lnSpc>
-              <a:buFont typeface="Wingdings" panose="05000000000000000000" pitchFamily="2" charset="2"/>
-              <a:buChar char="§"/>
             </a:pPr>
             <a:r>
-              <a:rPr lang="de-CH" sz="1200" dirty="0"/>
-              <a:t>HTML </a:t>
-            </a:r>
-            <a:r>
-              <a:rPr lang="de-CH" sz="1200" dirty="0" err="1"/>
-              <a:t>formating</a:t>
-            </a:r>
-            <a:r>
-              <a:rPr lang="de-CH" sz="1200" dirty="0"/>
-              <a:t> (</a:t>
-            </a:r>
-            <a:r>
-              <a:rPr lang="de-CH" sz="1200" dirty="0" err="1"/>
-              <a:t>Markdowns</a:t>
-            </a:r>
-            <a:r>
-              <a:rPr lang="de-CH" sz="1200" dirty="0"/>
-              <a:t>)</a:t>
-            </a:r>
-          </a:p>
-          <a:p>
-            <a:pPr marL="171450" indent="-171450">
+              <a:rPr lang="en-US" dirty="0"/>
+              <a:t>Q2: What problem is solved with ...? </a:t>
+            </a:r>
+          </a:p>
+          <a:p>
+            <a:pPr>
               <a:lnSpc>
                 <a:spcPct val="150000"/>
               </a:lnSpc>
-              <a:buFont typeface="Wingdings" panose="05000000000000000000" pitchFamily="2" charset="2"/>
-              <a:buChar char="§"/>
             </a:pPr>
             <a:r>
-              <a:rPr lang="de-CH" sz="1200" dirty="0" err="1"/>
-              <a:t>Getting</a:t>
-            </a:r>
-            <a:r>
-              <a:rPr lang="de-CH" sz="1200" dirty="0"/>
-              <a:t> </a:t>
-            </a:r>
-            <a:r>
-              <a:rPr lang="de-CH" sz="1200" dirty="0" err="1"/>
-              <a:t>help</a:t>
-            </a:r>
-            <a:r>
-              <a:rPr lang="de-CH" sz="1200" dirty="0"/>
-              <a:t> for </a:t>
-            </a:r>
-            <a:r>
-              <a:rPr lang="de-CH" sz="1200" dirty="0" err="1"/>
-              <a:t>the</a:t>
-            </a:r>
-            <a:r>
-              <a:rPr lang="de-CH" sz="1200" dirty="0"/>
-              <a:t> </a:t>
-            </a:r>
-            <a:r>
-              <a:rPr lang="de-CH" sz="1200" dirty="0" err="1"/>
-              <a:t>functions</a:t>
-            </a:r>
-            <a:endParaRPr lang="de-CH" sz="1200" dirty="0"/>
-          </a:p>
-          <a:p>
-            <a:pPr marL="171450" indent="-171450">
+              <a:rPr lang="en-US" dirty="0"/>
+              <a:t>Q3: How does ... work? </a:t>
+            </a:r>
+          </a:p>
+          <a:p>
+            <a:pPr>
               <a:lnSpc>
                 <a:spcPct val="150000"/>
               </a:lnSpc>
-              <a:buFont typeface="Wingdings" panose="05000000000000000000" pitchFamily="2" charset="2"/>
-              <a:buChar char="§"/>
             </a:pPr>
             <a:r>
-              <a:rPr lang="de-CH" sz="1200" dirty="0" err="1"/>
-              <a:t>Installing</a:t>
-            </a:r>
-            <a:r>
-              <a:rPr lang="de-CH" sz="1200" dirty="0"/>
-              <a:t> additional Python </a:t>
-            </a:r>
-            <a:r>
-              <a:rPr lang="de-CH" sz="1200" dirty="0" err="1"/>
-              <a:t>libraries</a:t>
-            </a:r>
-            <a:r>
-              <a:rPr lang="de-CH" sz="1200" dirty="0"/>
-              <a:t> </a:t>
-            </a:r>
-            <a:r>
-              <a:rPr lang="de-CH" sz="1200" dirty="0" err="1"/>
-              <a:t>from</a:t>
-            </a:r>
-            <a:r>
-              <a:rPr lang="de-CH" sz="1200" dirty="0"/>
-              <a:t> </a:t>
-            </a:r>
-            <a:r>
-              <a:rPr lang="de-CH" sz="1200" dirty="0" err="1"/>
-              <a:t>within</a:t>
-            </a:r>
-            <a:r>
-              <a:rPr lang="de-CH" sz="1200" dirty="0"/>
-              <a:t> a </a:t>
-            </a:r>
-            <a:r>
-              <a:rPr lang="de-CH" sz="1200" dirty="0" err="1"/>
-              <a:t>Jupyter</a:t>
-            </a:r>
-            <a:r>
-              <a:rPr lang="de-CH" sz="1200" dirty="0"/>
-              <a:t> Notebook</a:t>
-            </a:r>
-          </a:p>
-          <a:p>
-            <a:pPr marL="171450" indent="-171450">
-              <a:lnSpc>
-                <a:spcPct val="150000"/>
-              </a:lnSpc>
-              <a:buFont typeface="Wingdings" panose="05000000000000000000" pitchFamily="2" charset="2"/>
-              <a:buChar char="§"/>
-            </a:pPr>
-            <a:r>
-              <a:rPr lang="de-CH" sz="1200" dirty="0"/>
-              <a:t>Working with </a:t>
-            </a:r>
-            <a:r>
-              <a:rPr lang="de-CH" sz="1200" dirty="0" err="1"/>
-              <a:t>short</a:t>
-            </a:r>
-            <a:r>
-              <a:rPr lang="de-CH" sz="1200" dirty="0"/>
-              <a:t> </a:t>
-            </a:r>
-            <a:r>
-              <a:rPr lang="de-CH" sz="1200" dirty="0" err="1"/>
-              <a:t>cuts</a:t>
-            </a:r>
-            <a:endParaRPr lang="de-CH" sz="1200" dirty="0"/>
-          </a:p>
-          <a:p>
-            <a:pPr marL="171450" indent="-171450">
-              <a:lnSpc>
-                <a:spcPct val="150000"/>
-              </a:lnSpc>
-              <a:buFont typeface="Wingdings" panose="05000000000000000000" pitchFamily="2" charset="2"/>
-              <a:buChar char="§"/>
-            </a:pPr>
-            <a:r>
-              <a:rPr lang="de-CH" sz="1200" dirty="0" err="1"/>
-              <a:t>Saving</a:t>
-            </a:r>
-            <a:r>
-              <a:rPr lang="de-CH" sz="1200" dirty="0"/>
-              <a:t> </a:t>
-            </a:r>
-            <a:r>
-              <a:rPr lang="de-CH" sz="1200" dirty="0" err="1"/>
-              <a:t>Results</a:t>
-            </a:r>
-            <a:r>
-              <a:rPr lang="de-CH" sz="1200" dirty="0"/>
-              <a:t> </a:t>
-            </a:r>
-            <a:r>
-              <a:rPr lang="de-CH" sz="1200" dirty="0" err="1"/>
-              <a:t>as</a:t>
-            </a:r>
-            <a:r>
-              <a:rPr lang="de-CH" sz="1200" dirty="0"/>
-              <a:t> HTML-File</a:t>
-            </a:r>
-          </a:p>
-          <a:p>
-            <a:pPr marL="171450" indent="-171450">
-              <a:lnSpc>
-                <a:spcPct val="150000"/>
-              </a:lnSpc>
-              <a:buFont typeface="Wingdings" panose="05000000000000000000" pitchFamily="2" charset="2"/>
-              <a:buChar char="§"/>
-            </a:pPr>
-            <a:r>
-              <a:rPr lang="de-CH" sz="1200" dirty="0" err="1"/>
-              <a:t>Jupyter</a:t>
-            </a:r>
-            <a:r>
-              <a:rPr lang="de-CH" sz="1200" dirty="0"/>
-              <a:t> Notebook, </a:t>
-            </a:r>
-            <a:r>
-              <a:rPr lang="de-CH" sz="1200" dirty="0" err="1"/>
-              <a:t>Jupyter</a:t>
-            </a:r>
-            <a:r>
-              <a:rPr lang="de-CH" sz="1200" dirty="0"/>
-              <a:t> Lab, Google </a:t>
-            </a:r>
-            <a:r>
-              <a:rPr lang="de-CH" sz="1200" dirty="0" err="1"/>
-              <a:t>Collab</a:t>
-            </a:r>
-            <a:endParaRPr lang="de-CH" sz="1200" dirty="0"/>
-          </a:p>
-          <a:p>
-            <a:pPr marL="171450" indent="-171450">
-              <a:lnSpc>
-                <a:spcPct val="150000"/>
-              </a:lnSpc>
-              <a:buFont typeface="Wingdings" panose="05000000000000000000" pitchFamily="2" charset="2"/>
-              <a:buChar char="§"/>
-            </a:pPr>
-            <a:r>
-              <a:rPr lang="de-CH" sz="1200" dirty="0"/>
-              <a:t>Running </a:t>
-            </a:r>
-            <a:r>
-              <a:rPr lang="de-CH" sz="1200" dirty="0" err="1"/>
-              <a:t>locally</a:t>
-            </a:r>
-            <a:r>
-              <a:rPr lang="de-CH" sz="1200" dirty="0"/>
-              <a:t> </a:t>
-            </a:r>
-            <a:r>
-              <a:rPr lang="de-CH" sz="1200" dirty="0" err="1"/>
-              <a:t>developed</a:t>
-            </a:r>
-            <a:r>
-              <a:rPr lang="de-CH" sz="1200" dirty="0"/>
-              <a:t> </a:t>
-            </a:r>
-            <a:r>
-              <a:rPr lang="de-CH" sz="1200" dirty="0" err="1"/>
-              <a:t>Jupyter</a:t>
-            </a:r>
-            <a:r>
-              <a:rPr lang="de-CH" sz="1200" dirty="0"/>
-              <a:t> Notebooks with Amazon </a:t>
-            </a:r>
-            <a:r>
-              <a:rPr lang="de-CH" sz="1200" dirty="0" err="1"/>
-              <a:t>SageMaker</a:t>
-            </a:r>
-            <a:endParaRPr lang="de-CH" sz="1200" dirty="0"/>
-          </a:p>
-          <a:p>
-            <a:pPr marL="171450" indent="-171450">
-              <a:lnSpc>
-                <a:spcPct val="150000"/>
-              </a:lnSpc>
-              <a:buFont typeface="Wingdings" panose="05000000000000000000" pitchFamily="2" charset="2"/>
-              <a:buChar char="§"/>
-            </a:pPr>
-            <a:r>
-              <a:rPr lang="de-CH" sz="1200" dirty="0"/>
-              <a:t>….</a:t>
-            </a:r>
-          </a:p>
-        </p:txBody>
-      </p:sp>
-      <p:sp>
-        <p:nvSpPr>
-          <p:cNvPr id="2" name="Textfeld 1">
-            <a:extLst>
-              <a:ext uri="{FF2B5EF4-FFF2-40B4-BE49-F238E27FC236}">
-                <a16:creationId xmlns:a16="http://schemas.microsoft.com/office/drawing/2014/main" id="{0BDC7BB2-703F-4B5B-A1AD-C10C1CD1470F}"/>
-              </a:ext>
-            </a:extLst>
-          </p:cNvPr>
-          <p:cNvSpPr txBox="1"/>
-          <p:nvPr/>
-        </p:nvSpPr>
-        <p:spPr>
-          <a:xfrm>
-            <a:off x="6629400" y="2575791"/>
-            <a:ext cx="1295400" cy="400110"/>
-          </a:xfrm>
-          <a:prstGeom prst="rect">
-            <a:avLst/>
-          </a:prstGeom>
-          <a:solidFill>
-            <a:srgbClr val="FFC000"/>
-          </a:solidFill>
-        </p:spPr>
-        <p:txBody>
-          <a:bodyPr wrap="square" rtlCol="0">
-            <a:spAutoFit/>
-          </a:bodyPr>
-          <a:lstStyle/>
-          <a:p>
-            <a:r>
-              <a:rPr lang="de-CH" sz="2000" dirty="0" err="1"/>
-              <a:t>Example</a:t>
-            </a:r>
-            <a:r>
-              <a:rPr lang="de-CH" sz="2000" dirty="0"/>
-              <a:t>!</a:t>
-            </a:r>
+              <a:rPr lang="en-US" dirty="0"/>
+              <a:t>Q4: What are typical applications for ...?</a:t>
+            </a:r>
+            <a:endParaRPr lang="de-CH" dirty="0"/>
           </a:p>
         </p:txBody>
       </p:sp>
     </p:spTree>
     <p:extLst>
       <p:ext uri="{BB962C8B-B14F-4D97-AF65-F5344CB8AC3E}">
-        <p14:creationId xmlns:p14="http://schemas.microsoft.com/office/powerpoint/2010/main" val="4244923999"/>
+        <p14:creationId xmlns:p14="http://schemas.microsoft.com/office/powerpoint/2010/main" val="1256666433"/>
       </p:ext>
     </p:extLst>
   </p:cSld>
@@ -11345,23 +11221,15 @@
           <a:p>
             <a:r>
               <a:rPr lang="en-US" dirty="0"/>
-              <a:t>Recommended structure of the </a:t>
-            </a:r>
-            <a:r>
-              <a:rPr lang="de-CH" dirty="0"/>
-              <a:t>«</a:t>
+              <a:t>Minimal structure of the final presentation (</a:t>
+            </a:r>
+            <a:r>
+              <a:rPr lang="en-US" dirty="0" err="1"/>
+              <a:t>Jupyter</a:t>
             </a:r>
             <a:r>
               <a:rPr lang="en-US" dirty="0"/>
-              <a:t>expert</a:t>
-            </a:r>
-            <a:r>
-              <a:rPr lang="de-CH" dirty="0"/>
-              <a:t>»</a:t>
-            </a:r>
-            <a:r>
-              <a:rPr lang="en-US" dirty="0"/>
-              <a:t> sessions</a:t>
+              <a:t> Notebook / HTML)</a:t>
             </a:r>
           </a:p>
         </p:txBody>
@@ -11534,330 +11402,6 @@
       </p:sp>
       <p:sp>
         <p:nvSpPr>
-          <p:cNvPr id="3" name="Rechteck 2">
-            <a:extLst>
-              <a:ext uri="{FF2B5EF4-FFF2-40B4-BE49-F238E27FC236}">
-                <a16:creationId xmlns:a16="http://schemas.microsoft.com/office/drawing/2014/main" id="{B7DD5D79-00C9-4F98-91A0-54F9B5713B18}"/>
-              </a:ext>
-            </a:extLst>
-          </p:cNvPr>
-          <p:cNvSpPr/>
-          <p:nvPr/>
-        </p:nvSpPr>
-        <p:spPr>
-          <a:xfrm>
-            <a:off x="126998" y="1100860"/>
-            <a:ext cx="8788402" cy="2031838"/>
-          </a:xfrm>
-          <a:prstGeom prst="rect">
-            <a:avLst/>
-          </a:prstGeom>
-        </p:spPr>
-        <p:txBody>
-          <a:bodyPr wrap="square">
-            <a:spAutoFit/>
-          </a:bodyPr>
-          <a:lstStyle/>
-          <a:p>
-            <a:pPr>
-              <a:lnSpc>
-                <a:spcPct val="150000"/>
-              </a:lnSpc>
-            </a:pPr>
-            <a:r>
-              <a:rPr lang="en-US" dirty="0"/>
-              <a:t>Questions which help to explain the software, functions, methods, etc. by each expert group</a:t>
-            </a:r>
-          </a:p>
-          <a:p>
-            <a:pPr>
-              <a:lnSpc>
-                <a:spcPct val="150000"/>
-              </a:lnSpc>
-            </a:pPr>
-            <a:endParaRPr lang="en-US" sz="600" dirty="0"/>
-          </a:p>
-          <a:p>
-            <a:pPr>
-              <a:lnSpc>
-                <a:spcPct val="150000"/>
-              </a:lnSpc>
-            </a:pPr>
-            <a:r>
-              <a:rPr lang="en-US" dirty="0"/>
-              <a:t>Q: What is ...? / Explain ...! </a:t>
-            </a:r>
-          </a:p>
-          <a:p>
-            <a:pPr>
-              <a:lnSpc>
-                <a:spcPct val="150000"/>
-              </a:lnSpc>
-            </a:pPr>
-            <a:r>
-              <a:rPr lang="en-US" dirty="0"/>
-              <a:t>Q: What problem is solved with ...? </a:t>
-            </a:r>
-          </a:p>
-          <a:p>
-            <a:pPr>
-              <a:lnSpc>
-                <a:spcPct val="150000"/>
-              </a:lnSpc>
-            </a:pPr>
-            <a:r>
-              <a:rPr lang="en-US" dirty="0"/>
-              <a:t>Q: How does ... work? </a:t>
-            </a:r>
-          </a:p>
-          <a:p>
-            <a:pPr>
-              <a:lnSpc>
-                <a:spcPct val="150000"/>
-              </a:lnSpc>
-            </a:pPr>
-            <a:r>
-              <a:rPr lang="en-US" dirty="0"/>
-              <a:t>Q: What applications are there for ...?</a:t>
-            </a:r>
-            <a:endParaRPr lang="de-CH" dirty="0"/>
-          </a:p>
-        </p:txBody>
-      </p:sp>
-    </p:spTree>
-    <p:extLst>
-      <p:ext uri="{BB962C8B-B14F-4D97-AF65-F5344CB8AC3E}">
-        <p14:creationId xmlns:p14="http://schemas.microsoft.com/office/powerpoint/2010/main" val="1256666433"/>
-      </p:ext>
-    </p:extLst>
-  </p:cSld>
-  <p:clrMapOvr>
-    <a:masterClrMapping/>
-  </p:clrMapOvr>
-</p:sld>
-</file>
-
-<file path=ppt/slides/slide13.xml><?xml version="1.0" encoding="utf-8"?>
-<p:sld xmlns:a="http://schemas.openxmlformats.org/drawingml/2006/main" xmlns:r="http://schemas.openxmlformats.org/officeDocument/2006/relationships" xmlns:p="http://schemas.openxmlformats.org/presentationml/2006/main">
-  <p:cSld>
-    <p:spTree>
-      <p:nvGrpSpPr>
-        <p:cNvPr id="1" name=""/>
-        <p:cNvGrpSpPr/>
-        <p:nvPr/>
-      </p:nvGrpSpPr>
-      <p:grpSpPr>
-        <a:xfrm>
-          <a:off x="0" y="0"/>
-          <a:ext cx="0" cy="0"/>
-          <a:chOff x="0" y="0"/>
-          <a:chExt cx="0" cy="0"/>
-        </a:xfrm>
-      </p:grpSpPr>
-      <p:sp>
-        <p:nvSpPr>
-          <p:cNvPr id="12" name="Title 11">
-            <a:extLst>
-              <a:ext uri="{FF2B5EF4-FFF2-40B4-BE49-F238E27FC236}">
-                <a16:creationId xmlns:a16="http://schemas.microsoft.com/office/drawing/2014/main" id="{3ED6289C-2826-479E-8A46-7374B317A105}"/>
-              </a:ext>
-            </a:extLst>
-          </p:cNvPr>
-          <p:cNvSpPr>
-            <a:spLocks noGrp="1"/>
-          </p:cNvSpPr>
-          <p:nvPr>
-            <p:ph type="title"/>
-          </p:nvPr>
-        </p:nvSpPr>
-        <p:spPr/>
-        <p:txBody>
-          <a:bodyPr/>
-          <a:lstStyle/>
-          <a:p>
-            <a:r>
-              <a:rPr lang="en-US" dirty="0"/>
-              <a:t>Minimal structure of the final presentation (</a:t>
-            </a:r>
-            <a:r>
-              <a:rPr lang="en-US" dirty="0" err="1"/>
-              <a:t>Jupyter</a:t>
-            </a:r>
-            <a:r>
-              <a:rPr lang="en-US" dirty="0"/>
-              <a:t> Notebook / HTML)</a:t>
-            </a:r>
-          </a:p>
-        </p:txBody>
-      </p:sp>
-      <p:sp>
-        <p:nvSpPr>
-          <p:cNvPr id="4" name="Slide Number Placeholder 3">
-            <a:extLst>
-              <a:ext uri="{FF2B5EF4-FFF2-40B4-BE49-F238E27FC236}">
-                <a16:creationId xmlns:a16="http://schemas.microsoft.com/office/drawing/2014/main" id="{3F9E7F0D-0FFC-4237-A1D9-A9E618ED35DC}"/>
-              </a:ext>
-            </a:extLst>
-          </p:cNvPr>
-          <p:cNvSpPr>
-            <a:spLocks noGrp="1"/>
-          </p:cNvSpPr>
-          <p:nvPr>
-            <p:ph type="sldNum" sz="quarter" idx="4"/>
-          </p:nvPr>
-        </p:nvSpPr>
-        <p:spPr>
-          <a:xfrm>
-            <a:off x="5817077" y="4920437"/>
-            <a:ext cx="565892" cy="107722"/>
-          </a:xfrm>
-        </p:spPr>
-        <p:txBody>
-          <a:bodyPr/>
-          <a:lstStyle/>
-          <a:p>
-            <a:pPr algn="r"/>
-            <a:fld id="{86CA04C2-9DE3-449B-BEE1-2211725B6BF1}" type="slidenum">
-              <a:rPr lang="de-CH"/>
-              <a:t>13</a:t>
-            </a:fld>
-            <a:endParaRPr lang="de-CH" dirty="0"/>
-          </a:p>
-        </p:txBody>
-      </p:sp>
-      <p:sp>
-        <p:nvSpPr>
-          <p:cNvPr id="13" name="Slide Number Placeholder 3">
-            <a:extLst>
-              <a:ext uri="{FF2B5EF4-FFF2-40B4-BE49-F238E27FC236}">
-                <a16:creationId xmlns:a16="http://schemas.microsoft.com/office/drawing/2014/main" id="{5D4B5637-160C-4252-86E7-26CCB45F80D0}"/>
-              </a:ext>
-            </a:extLst>
-          </p:cNvPr>
-          <p:cNvSpPr txBox="1">
-            <a:spLocks/>
-          </p:cNvSpPr>
-          <p:nvPr/>
-        </p:nvSpPr>
-        <p:spPr>
-          <a:xfrm>
-            <a:off x="152400" y="4943760"/>
-            <a:ext cx="1752600" cy="107722"/>
-          </a:xfrm>
-          <a:prstGeom prst="rect">
-            <a:avLst/>
-          </a:prstGeom>
-          <a:noFill/>
-        </p:spPr>
-        <p:txBody>
-          <a:bodyPr vert="horz" wrap="square" lIns="0" tIns="0" rIns="0" bIns="0" rtlCol="0" anchor="ctr" anchorCtr="0">
-            <a:spAutoFit/>
-          </a:bodyPr>
-          <a:lstStyle>
-            <a:defPPr>
-              <a:defRPr lang="fr-FR"/>
-            </a:defPPr>
-            <a:lvl1pPr marL="0" algn="l" defTabSz="778993" rtl="0" eaLnBrk="1" latinLnBrk="0" hangingPunct="1">
-              <a:defRPr lang="de-CH" sz="700" kern="1200" smtClean="0">
-                <a:solidFill>
-                  <a:srgbClr val="012C59"/>
-                </a:solidFill>
-                <a:latin typeface="+mn-lt"/>
-                <a:ea typeface="+mn-ea"/>
-                <a:cs typeface="+mn-cs"/>
-              </a:defRPr>
-            </a:lvl1pPr>
-            <a:lvl2pPr marL="389496" algn="l" defTabSz="778993" rtl="0" eaLnBrk="1" latinLnBrk="0" hangingPunct="1">
-              <a:defRPr sz="1600" kern="1200">
-                <a:solidFill>
-                  <a:schemeClr val="tx1"/>
-                </a:solidFill>
-                <a:latin typeface="+mn-lt"/>
-                <a:ea typeface="+mn-ea"/>
-                <a:cs typeface="+mn-cs"/>
-              </a:defRPr>
-            </a:lvl2pPr>
-            <a:lvl3pPr marL="778993" algn="l" defTabSz="778993" rtl="0" eaLnBrk="1" latinLnBrk="0" hangingPunct="1">
-              <a:defRPr sz="1600" kern="1200">
-                <a:solidFill>
-                  <a:schemeClr val="tx1"/>
-                </a:solidFill>
-                <a:latin typeface="+mn-lt"/>
-                <a:ea typeface="+mn-ea"/>
-                <a:cs typeface="+mn-cs"/>
-              </a:defRPr>
-            </a:lvl3pPr>
-            <a:lvl4pPr marL="1168488" algn="l" defTabSz="778993" rtl="0" eaLnBrk="1" latinLnBrk="0" hangingPunct="1">
-              <a:defRPr sz="1600" kern="1200">
-                <a:solidFill>
-                  <a:schemeClr val="tx1"/>
-                </a:solidFill>
-                <a:latin typeface="+mn-lt"/>
-                <a:ea typeface="+mn-ea"/>
-                <a:cs typeface="+mn-cs"/>
-              </a:defRPr>
-            </a:lvl4pPr>
-            <a:lvl5pPr marL="1557986" algn="l" defTabSz="778993" rtl="0" eaLnBrk="1" latinLnBrk="0" hangingPunct="1">
-              <a:defRPr sz="1600" kern="1200">
-                <a:solidFill>
-                  <a:schemeClr val="tx1"/>
-                </a:solidFill>
-                <a:latin typeface="+mn-lt"/>
-                <a:ea typeface="+mn-ea"/>
-                <a:cs typeface="+mn-cs"/>
-              </a:defRPr>
-            </a:lvl5pPr>
-            <a:lvl6pPr marL="1947481" algn="l" defTabSz="778993" rtl="0" eaLnBrk="1" latinLnBrk="0" hangingPunct="1">
-              <a:defRPr sz="1600" kern="1200">
-                <a:solidFill>
-                  <a:schemeClr val="tx1"/>
-                </a:solidFill>
-                <a:latin typeface="+mn-lt"/>
-                <a:ea typeface="+mn-ea"/>
-                <a:cs typeface="+mn-cs"/>
-              </a:defRPr>
-            </a:lvl6pPr>
-            <a:lvl7pPr marL="2336979" algn="l" defTabSz="778993" rtl="0" eaLnBrk="1" latinLnBrk="0" hangingPunct="1">
-              <a:defRPr sz="1600" kern="1200">
-                <a:solidFill>
-                  <a:schemeClr val="tx1"/>
-                </a:solidFill>
-                <a:latin typeface="+mn-lt"/>
-                <a:ea typeface="+mn-ea"/>
-                <a:cs typeface="+mn-cs"/>
-              </a:defRPr>
-            </a:lvl7pPr>
-            <a:lvl8pPr marL="2726475" algn="l" defTabSz="778993" rtl="0" eaLnBrk="1" latinLnBrk="0" hangingPunct="1">
-              <a:defRPr sz="1600" kern="1200">
-                <a:solidFill>
-                  <a:schemeClr val="tx1"/>
-                </a:solidFill>
-                <a:latin typeface="+mn-lt"/>
-                <a:ea typeface="+mn-ea"/>
-                <a:cs typeface="+mn-cs"/>
-              </a:defRPr>
-            </a:lvl8pPr>
-            <a:lvl9pPr marL="3115973" algn="l" defTabSz="778993" rtl="0" eaLnBrk="1" latinLnBrk="0" hangingPunct="1">
-              <a:defRPr sz="1600" kern="1200">
-                <a:solidFill>
-                  <a:schemeClr val="tx1"/>
-                </a:solidFill>
-                <a:latin typeface="+mn-lt"/>
-                <a:ea typeface="+mn-ea"/>
-                <a:cs typeface="+mn-cs"/>
-              </a:defRPr>
-            </a:lvl9pPr>
-          </a:lstStyle>
-          <a:p>
-            <a:r>
-              <a:rPr lang="de-CH" dirty="0"/>
-              <a:t>Dr. Mario Gellrich, Summer School 2022 </a:t>
-            </a:r>
-          </a:p>
-        </p:txBody>
-      </p:sp>
-      <p:sp>
-        <p:nvSpPr>
           <p:cNvPr id="2" name="Rechteck 1">
             <a:extLst>
               <a:ext uri="{FF2B5EF4-FFF2-40B4-BE49-F238E27FC236}">
@@ -11870,8 +11414,8 @@
         </p:nvSpPr>
         <p:spPr>
           <a:xfrm>
-            <a:off x="174334" y="1107783"/>
-            <a:ext cx="8787245" cy="3445623"/>
+            <a:off x="179097" y="1098257"/>
+            <a:ext cx="8787245" cy="3745705"/>
           </a:xfrm>
           <a:prstGeom prst="rect">
             <a:avLst/>
@@ -11890,7 +11434,7 @@
             </a:pPr>
             <a:r>
               <a:rPr lang="en-US" sz="1400" b="1" dirty="0"/>
-              <a:t>1   Introduction</a:t>
+              <a:t>1. Introduction</a:t>
             </a:r>
           </a:p>
           <a:p>
@@ -11901,7 +11445,7 @@
             </a:pPr>
             <a:r>
               <a:rPr lang="en-US" sz="1300" dirty="0"/>
-              <a:t> 1.1 Problem framing</a:t>
+              <a:t> 1.1 Background</a:t>
             </a:r>
           </a:p>
           <a:p>
@@ -11912,7 +11456,7 @@
             </a:pPr>
             <a:r>
               <a:rPr lang="en-US" sz="1300" dirty="0"/>
-              <a:t> 1.2 Objectives</a:t>
+              <a:t> 1.2 Problem</a:t>
             </a:r>
           </a:p>
           <a:p>
@@ -11923,7 +11467,7 @@
             </a:pPr>
             <a:r>
               <a:rPr lang="en-US" sz="1300" dirty="0"/>
-              <a:t> 1.3 Research Question</a:t>
+              <a:t> 1.3 Objectives</a:t>
             </a:r>
           </a:p>
           <a:p>
@@ -11933,8 +11477,8 @@
               </a:lnSpc>
             </a:pPr>
             <a:r>
-              <a:rPr lang="en-US" sz="1400" b="1" dirty="0"/>
-              <a:t>2 Materials and Methods</a:t>
+              <a:rPr lang="en-US" sz="1300" dirty="0"/>
+              <a:t> 1.4 Research Question</a:t>
             </a:r>
           </a:p>
           <a:p>
@@ -11944,8 +11488,8 @@
               </a:lnSpc>
             </a:pPr>
             <a:r>
-              <a:rPr lang="en-US" sz="1300" dirty="0"/>
-              <a:t> 2.1 Data sources and data description</a:t>
+              <a:rPr lang="en-US" sz="1400" b="1" dirty="0"/>
+              <a:t>2. Materials and Methods</a:t>
             </a:r>
           </a:p>
           <a:p>
@@ -11956,7 +11500,7 @@
             </a:pPr>
             <a:r>
               <a:rPr lang="en-US" sz="1300" dirty="0"/>
-              <a:t> 2.2 Data preparation</a:t>
+              <a:t> 2.1 Data sources and data description</a:t>
             </a:r>
           </a:p>
           <a:p>
@@ -11967,7 +11511,7 @@
             </a:pPr>
             <a:r>
               <a:rPr lang="en-US" sz="1300" dirty="0"/>
-              <a:t> 2.2 Exploratory Data Analysis</a:t>
+              <a:t> 2.2 Data preparation</a:t>
             </a:r>
           </a:p>
           <a:p>
@@ -11978,7 +11522,7 @@
             </a:pPr>
             <a:r>
               <a:rPr lang="en-US" sz="1300" dirty="0"/>
-              <a:t> 2.3 Modeling credit risk</a:t>
+              <a:t> 2.2 Exploratory data analysis (EDA)</a:t>
             </a:r>
           </a:p>
           <a:p>
@@ -11988,8 +11532,8 @@
               </a:lnSpc>
             </a:pPr>
             <a:r>
-              <a:rPr lang="en-US" sz="1400" b="1" dirty="0"/>
-              <a:t>3 Results &amp; Discussion </a:t>
+              <a:rPr lang="en-US" sz="1300" dirty="0"/>
+              <a:t> 2.3 Modeling credit risk</a:t>
             </a:r>
           </a:p>
           <a:p>
@@ -12000,7 +11544,18 @@
             </a:pPr>
             <a:r>
               <a:rPr lang="en-US" sz="1400" b="1" dirty="0"/>
-              <a:t>4 Conclusions</a:t>
+              <a:t>3. Results &amp; Discussion </a:t>
+            </a:r>
+          </a:p>
+          <a:p>
+            <a:pPr>
+              <a:lnSpc>
+                <a:spcPct val="150000"/>
+              </a:lnSpc>
+            </a:pPr>
+            <a:r>
+              <a:rPr lang="en-US" sz="1400" b="1" dirty="0"/>
+              <a:t>4. Conclusions</a:t>
             </a:r>
             <a:endParaRPr lang="de-CH" sz="1400" b="1" dirty="0"/>
           </a:p>
@@ -12245,7 +11800,7 @@
           <p:nvPr>
             <p:extLst>
               <p:ext uri="{D42A27DB-BD31-4B8C-83A1-F6EECF244321}">
-                <p14:modId xmlns:p14="http://schemas.microsoft.com/office/powerpoint/2010/main" val="1858524691"/>
+                <p14:modId xmlns:p14="http://schemas.microsoft.com/office/powerpoint/2010/main" val="2082565401"/>
               </p:ext>
             </p:extLst>
           </p:nvPr>
@@ -12563,15 +12118,7 @@
                       </a:r>
                       <a:r>
                         <a:rPr lang="de-CH" sz="1400" dirty="0"/>
-                        <a:t> by </a:t>
-                      </a:r>
-                      <a:r>
-                        <a:rPr lang="de-CH" sz="1400" dirty="0" err="1"/>
-                        <a:t>groups</a:t>
-                      </a:r>
-                      <a:r>
-                        <a:rPr lang="de-CH" sz="1400" dirty="0"/>
-                        <a:t> (ca. 15’ min. per </a:t>
+                        <a:t> (ca. 10-12 min. per </a:t>
                       </a:r>
                       <a:r>
                         <a:rPr lang="de-CH" sz="1400" dirty="0" err="1"/>
@@ -12941,7 +12488,7 @@
         </p:nvSpPr>
         <p:spPr>
           <a:xfrm>
-            <a:off x="3810000" y="1417829"/>
+            <a:off x="3800474" y="1417829"/>
             <a:ext cx="5257800" cy="2960875"/>
           </a:xfrm>
           <a:prstGeom prst="rect">
@@ -13063,15 +12610,23 @@
             </a:r>
             <a:r>
               <a:rPr lang="de-CH" sz="1400" dirty="0"/>
-              <a:t> (Bachelor and Master </a:t>
+              <a:t> (</a:t>
             </a:r>
             <a:r>
               <a:rPr lang="de-CH" sz="1400" dirty="0" err="1"/>
-              <a:t>students</a:t>
+              <a:t>BSc</a:t>
             </a:r>
             <a:r>
               <a:rPr lang="de-CH" sz="1400" dirty="0"/>
-              <a:t>)</a:t>
+              <a:t>/</a:t>
+            </a:r>
+            <a:r>
+              <a:rPr lang="de-CH" sz="1400" dirty="0" err="1"/>
+              <a:t>MSc</a:t>
+            </a:r>
+            <a:r>
+              <a:rPr lang="de-CH" sz="1400" dirty="0"/>
+              <a:t> OR Beginners/Professionals)</a:t>
             </a:r>
           </a:p>
           <a:p>
@@ -13230,7 +12785,7 @@
             </a:r>
             <a:r>
               <a:rPr lang="de-CH" sz="1400" dirty="0"/>
-              <a:t> </a:t>
+              <a:t>. </a:t>
             </a:r>
           </a:p>
           <a:p>
@@ -13289,7 +12844,10 @@
               <a:rPr lang="de-CH" sz="1400" dirty="0" err="1"/>
               <a:t>others</a:t>
             </a:r>
-            <a:endParaRPr lang="de-CH" sz="1400" dirty="0"/>
+            <a:r>
+              <a:rPr lang="de-CH" sz="1400" dirty="0"/>
+              <a:t>.</a:t>
+            </a:r>
           </a:p>
           <a:p>
             <a:pPr marL="285750" indent="-285750">
@@ -13353,19 +12911,11 @@
             </a:r>
             <a:r>
               <a:rPr lang="de-CH" sz="1400" dirty="0" err="1"/>
-              <a:t>topics</a:t>
+              <a:t>results</a:t>
             </a:r>
             <a:r>
               <a:rPr lang="de-CH" sz="1400" dirty="0"/>
-              <a:t> and </a:t>
-            </a:r>
-            <a:r>
-              <a:rPr lang="de-CH" sz="1400" dirty="0" err="1"/>
-              <a:t>results</a:t>
-            </a:r>
-            <a:r>
-              <a:rPr lang="de-CH" sz="1400" dirty="0"/>
-              <a:t>  </a:t>
+              <a:t>.  </a:t>
             </a:r>
           </a:p>
           <a:p>
@@ -13398,7 +12948,7 @@
             </a:r>
             <a:r>
               <a:rPr lang="de-CH" sz="1400" dirty="0"/>
-              <a:t> with pass/fail</a:t>
+              <a:t> with pass/fail.</a:t>
             </a:r>
           </a:p>
         </p:txBody>
@@ -13890,8 +13440,12 @@
               <a:buChar char="§"/>
             </a:pPr>
             <a:r>
+              <a:rPr lang="de-CH" dirty="0" err="1"/>
+              <a:t>Jupyter</a:t>
+            </a:r>
+            <a:r>
               <a:rPr lang="de-CH" dirty="0"/>
-              <a:t>Python Scripts (will </a:t>
+              <a:t> Notebook (will </a:t>
             </a:r>
             <a:r>
               <a:rPr lang="de-CH" dirty="0" err="1"/>
@@ -14233,7 +13787,7 @@
               </a:lnSpc>
             </a:pPr>
             <a:r>
-              <a:rPr lang="en-US" dirty="0"/>
+              <a:rPr lang="en-US" i="1" dirty="0"/>
               <a:t>“Credit risk, counterparty risk or default risk is a term used in the banking industry to refer to the risk that a borrower is unable or unwilling to repay the loans granted to it in full or in accordance with the contract. In general, credit risk is the most significant type of risk for credit institutions.”</a:t>
             </a:r>
           </a:p>
@@ -14254,7 +13808,7 @@
         <p:spPr>
           <a:xfrm>
             <a:off x="6781800" y="3486150"/>
-            <a:ext cx="1295400" cy="246221"/>
+            <a:ext cx="1600200" cy="276999"/>
           </a:xfrm>
           <a:prstGeom prst="rect">
             <a:avLst/>
@@ -14268,7 +13822,7 @@
           <a:lstStyle/>
           <a:p>
             <a:r>
-              <a:rPr lang="de-CH" sz="1000" dirty="0"/>
+              <a:rPr lang="de-CH" sz="1200" dirty="0"/>
               <a:t>Source: Wikipedia</a:t>
             </a:r>
           </a:p>
@@ -15013,11 +14567,11 @@
             </a:r>
             <a:r>
               <a:rPr lang="de-CH" dirty="0"/>
-              <a:t> (= </a:t>
+              <a:t> (</a:t>
             </a:r>
             <a:r>
               <a:rPr lang="de-CH" dirty="0" err="1"/>
-              <a:t>discret</a:t>
+              <a:t>discrete</a:t>
             </a:r>
             <a:r>
               <a:rPr lang="de-CH" dirty="0"/>
@@ -15061,7 +14615,7 @@
             </a:r>
             <a:r>
               <a:rPr lang="de-CH" dirty="0"/>
-              <a:t>) and </a:t>
+              <a:t>), and </a:t>
             </a:r>
             <a:r>
               <a:rPr lang="de-CH" dirty="0" err="1"/>
@@ -15200,7 +14754,7 @@
             </a:r>
             <a:r>
               <a:rPr lang="de-CH" dirty="0" err="1"/>
-              <a:t>classifier</a:t>
+              <a:t>classifiers</a:t>
             </a:r>
             <a:r>
               <a:rPr lang="de-CH" dirty="0"/>
@@ -15463,8 +15017,8 @@
         </p:nvSpPr>
         <p:spPr>
           <a:xfrm>
-            <a:off x="159327" y="1200150"/>
-            <a:ext cx="4315690" cy="2325958"/>
+            <a:off x="176209" y="1193700"/>
+            <a:ext cx="4315690" cy="1587294"/>
           </a:xfrm>
           <a:prstGeom prst="rect">
             <a:avLst/>
@@ -15477,263 +15031,69 @@
           <a:bodyPr wrap="square" rtlCol="0">
             <a:spAutoFit/>
           </a:bodyPr>
-          <a:lstStyle/>
-          <a:p>
-            <a:r>
-              <a:rPr lang="en-US" sz="1200" dirty="0"/>
-              <a:t> (Topic 1) Working with Python and </a:t>
-            </a:r>
-            <a:r>
-              <a:rPr lang="en-US" sz="1200" dirty="0" err="1"/>
-              <a:t>Jupyter</a:t>
-            </a:r>
-            <a:r>
-              <a:rPr lang="en-US" sz="1200" dirty="0"/>
+          <a:lstStyle>
+            <a:defPPr>
+              <a:defRPr lang="fr-FR"/>
+            </a:defPPr>
+            <a:lvl1pPr>
+              <a:defRPr sz="1200"/>
+            </a:lvl1pPr>
+          </a:lstStyle>
+          <a:p>
+            <a:r>
+              <a:rPr lang="en-US" dirty="0"/>
+              <a:t> (Topic 1) Working with Python </a:t>
+            </a:r>
+            <a:r>
+              <a:rPr lang="en-US"/>
+              <a:t>and Jupyter</a:t>
+            </a:r>
+            <a:r>
+              <a:rPr lang="en-US" dirty="0"/>
               <a:t> Notebook</a:t>
             </a:r>
           </a:p>
           <a:p>
-            <a:pPr marL="171450" indent="-171450">
-              <a:lnSpc>
-                <a:spcPct val="150000"/>
-              </a:lnSpc>
-              <a:buFont typeface="Wingdings" panose="05000000000000000000" pitchFamily="2" charset="2"/>
-              <a:buChar char="§"/>
-            </a:pPr>
-            <a:r>
-              <a:rPr lang="de-CH" sz="1000" dirty="0"/>
-              <a:t>Installation (</a:t>
-            </a:r>
-            <a:r>
-              <a:rPr lang="de-CH" sz="1000" dirty="0" err="1"/>
-              <a:t>Anaconda</a:t>
-            </a:r>
-            <a:r>
-              <a:rPr lang="de-CH" sz="1000" dirty="0"/>
-              <a:t>)</a:t>
-            </a:r>
-          </a:p>
-          <a:p>
-            <a:pPr marL="171450" indent="-171450">
-              <a:lnSpc>
-                <a:spcPct val="150000"/>
-              </a:lnSpc>
-              <a:buFont typeface="Wingdings" panose="05000000000000000000" pitchFamily="2" charset="2"/>
-              <a:buChar char="§"/>
-            </a:pPr>
-            <a:r>
-              <a:rPr lang="de-CH" sz="1000" dirty="0"/>
-              <a:t>Making Python Code </a:t>
-            </a:r>
-            <a:r>
-              <a:rPr lang="de-CH" sz="1000" dirty="0" err="1"/>
-              <a:t>running</a:t>
-            </a:r>
-            <a:endParaRPr lang="de-CH" sz="1000" dirty="0"/>
-          </a:p>
-          <a:p>
-            <a:pPr marL="171450" indent="-171450">
-              <a:lnSpc>
-                <a:spcPct val="150000"/>
-              </a:lnSpc>
-              <a:buFont typeface="Wingdings" panose="05000000000000000000" pitchFamily="2" charset="2"/>
-              <a:buChar char="§"/>
-            </a:pPr>
-            <a:r>
-              <a:rPr lang="de-CH" sz="1000" dirty="0"/>
-              <a:t>HTML </a:t>
-            </a:r>
-            <a:r>
-              <a:rPr lang="de-CH" sz="1000" dirty="0" err="1"/>
-              <a:t>formating</a:t>
-            </a:r>
-            <a:r>
-              <a:rPr lang="de-CH" sz="1000" dirty="0"/>
-              <a:t> (</a:t>
-            </a:r>
-            <a:r>
-              <a:rPr lang="de-CH" sz="1000" dirty="0" err="1"/>
-              <a:t>Markdowns</a:t>
-            </a:r>
-            <a:r>
-              <a:rPr lang="de-CH" sz="1000" dirty="0"/>
-              <a:t>)</a:t>
-            </a:r>
-          </a:p>
-          <a:p>
-            <a:pPr marL="171450" indent="-171450">
-              <a:lnSpc>
-                <a:spcPct val="150000"/>
-              </a:lnSpc>
-              <a:buFont typeface="Wingdings" panose="05000000000000000000" pitchFamily="2" charset="2"/>
-              <a:buChar char="§"/>
-            </a:pPr>
-            <a:r>
-              <a:rPr lang="de-CH" sz="1000" dirty="0" err="1"/>
-              <a:t>Getting</a:t>
-            </a:r>
-            <a:r>
-              <a:rPr lang="de-CH" sz="1000" dirty="0"/>
-              <a:t> </a:t>
-            </a:r>
-            <a:r>
-              <a:rPr lang="de-CH" sz="1000" dirty="0" err="1"/>
-              <a:t>help</a:t>
-            </a:r>
-            <a:r>
-              <a:rPr lang="de-CH" sz="1000" dirty="0"/>
-              <a:t> for </a:t>
-            </a:r>
-            <a:r>
-              <a:rPr lang="de-CH" sz="1000" dirty="0" err="1"/>
-              <a:t>the</a:t>
-            </a:r>
-            <a:r>
-              <a:rPr lang="de-CH" sz="1000" dirty="0"/>
-              <a:t> </a:t>
-            </a:r>
-            <a:r>
-              <a:rPr lang="de-CH" sz="1000" dirty="0" err="1"/>
-              <a:t>functions</a:t>
-            </a:r>
-            <a:endParaRPr lang="de-CH" sz="1000" dirty="0"/>
-          </a:p>
-          <a:p>
-            <a:pPr marL="171450" indent="-171450">
-              <a:lnSpc>
-                <a:spcPct val="150000"/>
-              </a:lnSpc>
-              <a:buFont typeface="Wingdings" panose="05000000000000000000" pitchFamily="2" charset="2"/>
-              <a:buChar char="§"/>
-            </a:pPr>
-            <a:r>
-              <a:rPr lang="de-CH" sz="1000" dirty="0" err="1"/>
-              <a:t>Installing</a:t>
-            </a:r>
-            <a:r>
-              <a:rPr lang="de-CH" sz="1000" dirty="0"/>
-              <a:t> additional Python </a:t>
-            </a:r>
-            <a:r>
-              <a:rPr lang="de-CH" sz="1000" dirty="0" err="1"/>
-              <a:t>libraries</a:t>
-            </a:r>
-            <a:endParaRPr lang="de-CH" sz="1000" dirty="0"/>
-          </a:p>
-          <a:p>
-            <a:pPr marL="171450" indent="-171450">
-              <a:lnSpc>
-                <a:spcPct val="150000"/>
-              </a:lnSpc>
-              <a:buFont typeface="Wingdings" panose="05000000000000000000" pitchFamily="2" charset="2"/>
-              <a:buChar char="§"/>
-            </a:pPr>
-            <a:r>
-              <a:rPr lang="de-CH" sz="1000" dirty="0"/>
-              <a:t>Working with </a:t>
-            </a:r>
-            <a:r>
-              <a:rPr lang="de-CH" sz="1000" dirty="0" err="1"/>
-              <a:t>short</a:t>
-            </a:r>
-            <a:r>
-              <a:rPr lang="de-CH" sz="1000" dirty="0"/>
-              <a:t> </a:t>
-            </a:r>
-            <a:r>
-              <a:rPr lang="de-CH" sz="1000" dirty="0" err="1"/>
-              <a:t>cuts</a:t>
-            </a:r>
-            <a:endParaRPr lang="de-CH" sz="1000" dirty="0"/>
-          </a:p>
-          <a:p>
-            <a:pPr marL="171450" indent="-171450">
-              <a:lnSpc>
-                <a:spcPct val="150000"/>
-              </a:lnSpc>
-              <a:buFont typeface="Wingdings" panose="05000000000000000000" pitchFamily="2" charset="2"/>
-              <a:buChar char="§"/>
-            </a:pPr>
-            <a:r>
-              <a:rPr lang="de-CH" sz="1000" dirty="0" err="1"/>
-              <a:t>Saving</a:t>
-            </a:r>
-            <a:r>
-              <a:rPr lang="de-CH" sz="1000" dirty="0"/>
-              <a:t> </a:t>
-            </a:r>
-            <a:r>
-              <a:rPr lang="de-CH" sz="1000" dirty="0" err="1"/>
-              <a:t>Results</a:t>
-            </a:r>
-            <a:r>
-              <a:rPr lang="de-CH" sz="1000" dirty="0"/>
-              <a:t> </a:t>
-            </a:r>
-            <a:r>
-              <a:rPr lang="de-CH" sz="1000" dirty="0" err="1"/>
-              <a:t>as</a:t>
-            </a:r>
-            <a:r>
-              <a:rPr lang="de-CH" sz="1000" dirty="0"/>
-              <a:t> HTML-File</a:t>
-            </a:r>
-          </a:p>
-          <a:p>
-            <a:pPr marL="171450" indent="-171450">
-              <a:lnSpc>
-                <a:spcPct val="150000"/>
-              </a:lnSpc>
-              <a:buFont typeface="Wingdings" panose="05000000000000000000" pitchFamily="2" charset="2"/>
-              <a:buChar char="§"/>
-            </a:pPr>
-            <a:r>
-              <a:rPr lang="de-CH" sz="1000" dirty="0" err="1"/>
-              <a:t>Jupyter</a:t>
-            </a:r>
-            <a:r>
-              <a:rPr lang="de-CH" sz="1000" dirty="0"/>
-              <a:t> Notebook, </a:t>
-            </a:r>
-            <a:r>
-              <a:rPr lang="de-CH" sz="1000" dirty="0" err="1"/>
-              <a:t>Jupyter</a:t>
-            </a:r>
-            <a:r>
-              <a:rPr lang="de-CH" sz="1000" dirty="0"/>
-              <a:t> Lab, Google </a:t>
-            </a:r>
-            <a:r>
-              <a:rPr lang="de-CH" sz="1000" dirty="0" err="1"/>
-              <a:t>Collab</a:t>
-            </a:r>
-            <a:endParaRPr lang="de-CH" sz="1000" dirty="0"/>
-          </a:p>
-          <a:p>
-            <a:pPr marL="171450" indent="-171450">
-              <a:lnSpc>
-                <a:spcPct val="150000"/>
-              </a:lnSpc>
-              <a:buFont typeface="Wingdings" panose="05000000000000000000" pitchFamily="2" charset="2"/>
-              <a:buChar char="§"/>
-            </a:pPr>
-            <a:r>
-              <a:rPr lang="de-CH" sz="1000" dirty="0"/>
-              <a:t>Running a </a:t>
-            </a:r>
-            <a:r>
-              <a:rPr lang="de-CH" sz="1000" dirty="0" err="1"/>
-              <a:t>Jupyter</a:t>
-            </a:r>
-            <a:r>
-              <a:rPr lang="de-CH" sz="1000" dirty="0"/>
-              <a:t> Notebook on Amazon </a:t>
-            </a:r>
-            <a:r>
-              <a:rPr lang="de-CH" sz="1000" dirty="0" err="1"/>
-              <a:t>Sagemaker</a:t>
-            </a:r>
-            <a:endParaRPr lang="de-CH" sz="1000" dirty="0"/>
+            <a:r>
+              <a:rPr lang="de-CH" dirty="0"/>
+              <a:t>-</a:t>
+            </a:r>
+          </a:p>
+          <a:p>
+            <a:r>
+              <a:rPr lang="de-CH" dirty="0"/>
+              <a:t>-</a:t>
+            </a:r>
+          </a:p>
+          <a:p>
+            <a:r>
+              <a:rPr lang="de-CH" dirty="0"/>
+              <a:t>-</a:t>
+            </a:r>
+          </a:p>
+          <a:p>
+            <a:r>
+              <a:rPr lang="de-CH" dirty="0"/>
+              <a:t>-</a:t>
+            </a:r>
+          </a:p>
+          <a:p>
+            <a:r>
+              <a:rPr lang="de-CH" dirty="0"/>
+              <a:t>-</a:t>
+            </a:r>
+          </a:p>
+          <a:p>
+            <a:r>
+              <a:rPr lang="de-CH" dirty="0"/>
+              <a:t>-</a:t>
+            </a:r>
+          </a:p>
+          <a:p>
+            <a:r>
+              <a:rPr lang="de-CH" dirty="0"/>
+              <a:t>-</a:t>
+            </a:r>
           </a:p>
         </p:txBody>
       </p:sp>
@@ -15752,7 +15112,7 @@
         <p:spPr>
           <a:xfrm>
             <a:off x="4572001" y="1200150"/>
-            <a:ext cx="4343400" cy="2325958"/>
+            <a:ext cx="4343400" cy="1864293"/>
           </a:xfrm>
           <a:prstGeom prst="rect">
             <a:avLst/>
@@ -15765,107 +15125,219 @@
           <a:bodyPr wrap="square" rtlCol="0">
             <a:spAutoFit/>
           </a:bodyPr>
+          <a:lstStyle>
+            <a:defPPr>
+              <a:defRPr lang="fr-FR"/>
+            </a:defPPr>
+            <a:lvl1pPr>
+              <a:defRPr sz="1200"/>
+            </a:lvl1pPr>
+          </a:lstStyle>
+          <a:p>
+            <a:r>
+              <a:rPr lang="en-US" dirty="0"/>
+              <a:t> (Topic 2) Explaining the data and working with data frames</a:t>
+            </a:r>
+          </a:p>
+          <a:p>
+            <a:r>
+              <a:rPr lang="en-US" dirty="0"/>
+              <a:t>-</a:t>
+            </a:r>
+          </a:p>
+          <a:p>
+            <a:r>
+              <a:rPr lang="en-US" dirty="0"/>
+              <a:t>-</a:t>
+            </a:r>
+          </a:p>
+          <a:p>
+            <a:r>
+              <a:rPr lang="en-US" dirty="0"/>
+              <a:t>-</a:t>
+            </a:r>
+          </a:p>
+          <a:p>
+            <a:r>
+              <a:rPr lang="en-US" dirty="0"/>
+              <a:t>-</a:t>
+            </a:r>
+          </a:p>
+          <a:p>
+            <a:r>
+              <a:rPr lang="en-US" dirty="0"/>
+              <a:t>-</a:t>
+            </a:r>
+          </a:p>
+          <a:p>
+            <a:r>
+              <a:rPr lang="en-US" dirty="0"/>
+              <a:t>-</a:t>
+            </a:r>
+          </a:p>
+          <a:p>
+            <a:r>
+              <a:rPr lang="en-US" dirty="0"/>
+              <a:t>-</a:t>
+            </a:r>
+          </a:p>
+        </p:txBody>
+      </p:sp>
+      <p:sp>
+        <p:nvSpPr>
+          <p:cNvPr id="7" name="Textfeld 6">
+            <a:extLst>
+              <a:ext uri="{FF2B5EF4-FFF2-40B4-BE49-F238E27FC236}">
+                <a16:creationId xmlns:a16="http://schemas.microsoft.com/office/drawing/2014/main" id="{25914228-B366-4A7A-9044-60FB254CA30E}"/>
+              </a:ext>
+            </a:extLst>
+          </p:cNvPr>
+          <p:cNvSpPr txBox="1"/>
+          <p:nvPr/>
+        </p:nvSpPr>
+        <p:spPr>
+          <a:xfrm>
+            <a:off x="161926" y="2919403"/>
+            <a:ext cx="4315690" cy="1569660"/>
+          </a:xfrm>
+          <a:prstGeom prst="rect">
+            <a:avLst/>
+          </a:prstGeom>
+          <a:solidFill>
+            <a:srgbClr val="FAE38E"/>
+          </a:solidFill>
+        </p:spPr>
+        <p:txBody>
+          <a:bodyPr wrap="square" rtlCol="0">
+            <a:spAutoFit/>
+          </a:bodyPr>
           <a:lstStyle/>
           <a:p>
             <a:r>
               <a:rPr lang="en-US" sz="1200" dirty="0"/>
-              <a:t> (Topic 2) Explaining the data and working with data frames</a:t>
-            </a:r>
-          </a:p>
-          <a:p>
-            <a:pPr marL="171450" indent="-171450">
-              <a:lnSpc>
-                <a:spcPct val="150000"/>
-              </a:lnSpc>
-              <a:buFont typeface="Wingdings" panose="05000000000000000000" pitchFamily="2" charset="2"/>
-              <a:buChar char="§"/>
-            </a:pPr>
+              <a:t> (Topic 3) Exploratory Data Analysis</a:t>
+            </a:r>
+          </a:p>
+          <a:p>
+            <a:r>
+              <a:rPr lang="en-US" sz="1200" dirty="0"/>
+              <a:t>- </a:t>
+            </a:r>
+          </a:p>
+          <a:p>
+            <a:r>
+              <a:rPr lang="en-US" sz="1200" dirty="0"/>
+              <a:t>-</a:t>
+            </a:r>
+          </a:p>
+          <a:p>
+            <a:r>
+              <a:rPr lang="en-US" sz="1200" dirty="0"/>
+              <a:t>-</a:t>
+            </a:r>
+          </a:p>
+          <a:p>
+            <a:r>
+              <a:rPr lang="en-US" sz="1200" dirty="0"/>
+              <a:t>-</a:t>
+            </a:r>
+          </a:p>
+          <a:p>
+            <a:r>
+              <a:rPr lang="en-US" sz="1200" dirty="0"/>
+              <a:t>-</a:t>
+            </a:r>
+          </a:p>
+          <a:p>
+            <a:r>
+              <a:rPr lang="en-US" sz="1200" dirty="0"/>
+              <a:t>-</a:t>
+            </a:r>
+          </a:p>
+          <a:p>
+            <a:r>
+              <a:rPr lang="en-US" sz="1200" dirty="0"/>
+              <a:t>-</a:t>
+            </a:r>
+          </a:p>
+        </p:txBody>
+      </p:sp>
+      <p:sp>
+        <p:nvSpPr>
+          <p:cNvPr id="8" name="Textfeld 7">
+            <a:extLst>
+              <a:ext uri="{FF2B5EF4-FFF2-40B4-BE49-F238E27FC236}">
+                <a16:creationId xmlns:a16="http://schemas.microsoft.com/office/drawing/2014/main" id="{3E8C4585-1624-4290-80BE-B335837CBA44}"/>
+              </a:ext>
+            </a:extLst>
+          </p:cNvPr>
+          <p:cNvSpPr txBox="1"/>
+          <p:nvPr/>
+        </p:nvSpPr>
+        <p:spPr>
+          <a:xfrm>
+            <a:off x="4574600" y="2919403"/>
+            <a:ext cx="4343400" cy="1556516"/>
+          </a:xfrm>
+          <a:prstGeom prst="rect">
+            <a:avLst/>
+          </a:prstGeom>
+          <a:solidFill>
+            <a:srgbClr val="FAE38E"/>
+          </a:solidFill>
+        </p:spPr>
+        <p:txBody>
+          <a:bodyPr wrap="square" rtlCol="0">
+            <a:spAutoFit/>
+          </a:bodyPr>
+          <a:lstStyle/>
+          <a:p>
+            <a:r>
+              <a:rPr lang="en-US" sz="1200" dirty="0"/>
+              <a:t> (Topic 4) Data Engineering, Preprocessing</a:t>
+            </a:r>
+          </a:p>
+          <a:p>
             <a:r>
               <a:rPr lang="en-US" sz="1000" dirty="0"/>
-              <a:t>Load libraries (Pandas)</a:t>
-            </a:r>
-          </a:p>
-          <a:p>
-            <a:pPr marL="171450" indent="-171450">
-              <a:lnSpc>
-                <a:spcPct val="150000"/>
-              </a:lnSpc>
-              <a:buFont typeface="Wingdings" panose="05000000000000000000" pitchFamily="2" charset="2"/>
-              <a:buChar char="§"/>
-            </a:pPr>
+              <a:t>- </a:t>
+            </a:r>
+          </a:p>
+          <a:p>
             <a:r>
               <a:rPr lang="en-US" sz="1000" dirty="0"/>
-              <a:t>Read dataset into </a:t>
-            </a:r>
-            <a:r>
-              <a:rPr lang="en-US" sz="1000" dirty="0" err="1"/>
-              <a:t>jupyter</a:t>
-            </a:r>
-            <a:endParaRPr lang="en-US" sz="1000" dirty="0"/>
-          </a:p>
-          <a:p>
-            <a:pPr marL="171450" indent="-171450">
-              <a:lnSpc>
-                <a:spcPct val="150000"/>
-              </a:lnSpc>
-              <a:buFont typeface="Wingdings" panose="05000000000000000000" pitchFamily="2" charset="2"/>
-              <a:buChar char="§"/>
-            </a:pPr>
+              <a:t>-</a:t>
+            </a:r>
+          </a:p>
+          <a:p>
             <a:r>
               <a:rPr lang="en-US" sz="1000" dirty="0"/>
-              <a:t>Understanding the data</a:t>
-            </a:r>
-          </a:p>
-          <a:p>
-            <a:pPr marL="171450" indent="-171450">
-              <a:lnSpc>
-                <a:spcPct val="150000"/>
-              </a:lnSpc>
-              <a:buFont typeface="Wingdings" panose="05000000000000000000" pitchFamily="2" charset="2"/>
-              <a:buChar char="§"/>
-            </a:pPr>
+              <a:t>-</a:t>
+            </a:r>
+          </a:p>
+          <a:p>
             <a:r>
               <a:rPr lang="en-US" sz="1000" dirty="0"/>
-              <a:t>Display a </a:t>
-            </a:r>
-            <a:r>
-              <a:rPr lang="en-US" sz="1000" dirty="0" err="1"/>
-              <a:t>dataframe</a:t>
-            </a:r>
-            <a:endParaRPr lang="en-US" sz="1000" dirty="0"/>
-          </a:p>
-          <a:p>
-            <a:pPr marL="171450" indent="-171450">
-              <a:lnSpc>
-                <a:spcPct val="150000"/>
-              </a:lnSpc>
-              <a:buFont typeface="Wingdings" panose="05000000000000000000" pitchFamily="2" charset="2"/>
-              <a:buChar char="§"/>
-            </a:pPr>
+              <a:t>-</a:t>
+            </a:r>
+          </a:p>
+          <a:p>
             <a:r>
               <a:rPr lang="en-US" sz="1000" dirty="0"/>
-              <a:t>Explain Datatype</a:t>
-            </a:r>
-          </a:p>
-          <a:p>
-            <a:pPr marL="171450" indent="-171450">
-              <a:lnSpc>
-                <a:spcPct val="150000"/>
-              </a:lnSpc>
-              <a:buFont typeface="Wingdings" panose="05000000000000000000" pitchFamily="2" charset="2"/>
-              <a:buChar char="§"/>
-            </a:pPr>
-            <a:endParaRPr lang="en-US" sz="1000" dirty="0"/>
-          </a:p>
-          <a:p>
-            <a:pPr marL="171450" indent="-171450">
-              <a:lnSpc>
-                <a:spcPct val="150000"/>
-              </a:lnSpc>
-              <a:buFont typeface="Wingdings" panose="05000000000000000000" pitchFamily="2" charset="2"/>
-              <a:buChar char="§"/>
-            </a:pPr>
-            <a:endParaRPr lang="en-US" sz="1000" dirty="0"/>
+              <a:t>-</a:t>
+            </a:r>
+          </a:p>
+          <a:p>
+            <a:r>
+              <a:rPr lang="en-US" sz="1000" dirty="0"/>
+              <a:t>-</a:t>
+            </a:r>
+          </a:p>
+          <a:p>
+            <a:r>
+              <a:rPr lang="en-US" sz="1000" dirty="0"/>
+              <a:t>-</a:t>
+            </a:r>
           </a:p>
           <a:p>
             <a:pPr>
@@ -15873,15 +15345,10 @@
                 <a:spcPct val="150000"/>
               </a:lnSpc>
             </a:pPr>
-            <a:endParaRPr lang="en-US" sz="1000" dirty="0"/>
-          </a:p>
-          <a:p>
-            <a:pPr>
-              <a:lnSpc>
-                <a:spcPct val="150000"/>
-              </a:lnSpc>
-            </a:pPr>
-            <a:endParaRPr lang="en-US" sz="1000" dirty="0"/>
+            <a:r>
+              <a:rPr lang="en-US" sz="1000" dirty="0"/>
+              <a:t>-</a:t>
+            </a:r>
           </a:p>
         </p:txBody>
       </p:sp>
@@ -16111,175 +15578,6 @@
       </p:sp>
       <p:sp>
         <p:nvSpPr>
-          <p:cNvPr id="9" name="Textfeld 8">
-            <a:extLst>
-              <a:ext uri="{FF2B5EF4-FFF2-40B4-BE49-F238E27FC236}">
-                <a16:creationId xmlns:a16="http://schemas.microsoft.com/office/drawing/2014/main" id="{2B5FACD0-53ED-4B04-9D47-B9233E30A515}"/>
-              </a:ext>
-            </a:extLst>
-          </p:cNvPr>
-          <p:cNvSpPr txBox="1"/>
-          <p:nvPr/>
-        </p:nvSpPr>
-        <p:spPr>
-          <a:xfrm>
-            <a:off x="159327" y="1200150"/>
-            <a:ext cx="4315690" cy="1569660"/>
-          </a:xfrm>
-          <a:prstGeom prst="rect">
-            <a:avLst/>
-          </a:prstGeom>
-          <a:solidFill>
-            <a:srgbClr val="FAE38E"/>
-          </a:solidFill>
-        </p:spPr>
-        <p:txBody>
-          <a:bodyPr wrap="square" rtlCol="0">
-            <a:spAutoFit/>
-          </a:bodyPr>
-          <a:lstStyle/>
-          <a:p>
-            <a:r>
-              <a:rPr lang="en-US" sz="1200" dirty="0"/>
-              <a:t> (Topic 3) Exploratory Data Analysis</a:t>
-            </a:r>
-          </a:p>
-          <a:p>
-            <a:r>
-              <a:rPr lang="en-US" sz="1200" dirty="0"/>
-              <a:t>- </a:t>
-            </a:r>
-          </a:p>
-          <a:p>
-            <a:r>
-              <a:rPr lang="en-US" sz="1200" dirty="0"/>
-              <a:t>-</a:t>
-            </a:r>
-          </a:p>
-          <a:p>
-            <a:r>
-              <a:rPr lang="en-US" sz="1200" dirty="0"/>
-              <a:t>-</a:t>
-            </a:r>
-          </a:p>
-          <a:p>
-            <a:r>
-              <a:rPr lang="en-US" sz="1200" dirty="0"/>
-              <a:t>-</a:t>
-            </a:r>
-          </a:p>
-          <a:p>
-            <a:r>
-              <a:rPr lang="en-US" sz="1200" dirty="0"/>
-              <a:t>-</a:t>
-            </a:r>
-          </a:p>
-          <a:p>
-            <a:r>
-              <a:rPr lang="en-US" sz="1200" dirty="0"/>
-              <a:t>-</a:t>
-            </a:r>
-          </a:p>
-          <a:p>
-            <a:r>
-              <a:rPr lang="en-US" sz="1200" dirty="0"/>
-              <a:t>-</a:t>
-            </a:r>
-          </a:p>
-        </p:txBody>
-      </p:sp>
-      <p:sp>
-        <p:nvSpPr>
-          <p:cNvPr id="10" name="Textfeld 9">
-            <a:extLst>
-              <a:ext uri="{FF2B5EF4-FFF2-40B4-BE49-F238E27FC236}">
-                <a16:creationId xmlns:a16="http://schemas.microsoft.com/office/drawing/2014/main" id="{13A6153F-F227-4072-A0BE-265F89DE8041}"/>
-              </a:ext>
-            </a:extLst>
-          </p:cNvPr>
-          <p:cNvSpPr txBox="1"/>
-          <p:nvPr/>
-        </p:nvSpPr>
-        <p:spPr>
-          <a:xfrm>
-            <a:off x="4572001" y="1200150"/>
-            <a:ext cx="4343400" cy="1556516"/>
-          </a:xfrm>
-          <a:prstGeom prst="rect">
-            <a:avLst/>
-          </a:prstGeom>
-          <a:solidFill>
-            <a:srgbClr val="FAE38E"/>
-          </a:solidFill>
-        </p:spPr>
-        <p:txBody>
-          <a:bodyPr wrap="square" rtlCol="0">
-            <a:spAutoFit/>
-          </a:bodyPr>
-          <a:lstStyle/>
-          <a:p>
-            <a:r>
-              <a:rPr lang="en-US" sz="1200" dirty="0"/>
-              <a:t> (Topic 4) Data Engineering, Preprocessing</a:t>
-            </a:r>
-          </a:p>
-          <a:p>
-            <a:r>
-              <a:rPr lang="en-US" sz="1000" dirty="0"/>
-              <a:t>- </a:t>
-            </a:r>
-          </a:p>
-          <a:p>
-            <a:r>
-              <a:rPr lang="en-US" sz="1000" dirty="0"/>
-              <a:t>-</a:t>
-            </a:r>
-          </a:p>
-          <a:p>
-            <a:r>
-              <a:rPr lang="en-US" sz="1000" dirty="0"/>
-              <a:t>-</a:t>
-            </a:r>
-          </a:p>
-          <a:p>
-            <a:r>
-              <a:rPr lang="en-US" sz="1000" dirty="0"/>
-              <a:t>-</a:t>
-            </a:r>
-          </a:p>
-          <a:p>
-            <a:r>
-              <a:rPr lang="en-US" sz="1000" dirty="0"/>
-              <a:t>-</a:t>
-            </a:r>
-          </a:p>
-          <a:p>
-            <a:r>
-              <a:rPr lang="en-US" sz="1000" dirty="0"/>
-              <a:t>-</a:t>
-            </a:r>
-          </a:p>
-          <a:p>
-            <a:r>
-              <a:rPr lang="en-US" sz="1000" dirty="0"/>
-              <a:t>-</a:t>
-            </a:r>
-          </a:p>
-          <a:p>
-            <a:pPr>
-              <a:lnSpc>
-                <a:spcPct val="150000"/>
-              </a:lnSpc>
-            </a:pPr>
-            <a:r>
-              <a:rPr lang="en-US" sz="1000" dirty="0"/>
-              <a:t>-</a:t>
-            </a:r>
-          </a:p>
-        </p:txBody>
-      </p:sp>
-      <p:sp>
-        <p:nvSpPr>
           <p:cNvPr id="7" name="Textfeld 6">
             <a:extLst>
               <a:ext uri="{FF2B5EF4-FFF2-40B4-BE49-F238E27FC236}">
@@ -16292,7 +15590,7 @@
         </p:nvSpPr>
         <p:spPr>
           <a:xfrm>
-            <a:off x="152400" y="2876550"/>
+            <a:off x="176213" y="1147741"/>
             <a:ext cx="4343399" cy="1754326"/>
           </a:xfrm>
           <a:prstGeom prst="rect">
@@ -16372,7 +15670,10 @@
             </a:r>
           </a:p>
           <a:p>
-            <a:endParaRPr lang="en-US" sz="1200" dirty="0"/>
+            <a:r>
+              <a:rPr lang="en-US" sz="1200" dirty="0"/>
+              <a:t>-</a:t>
+            </a:r>
           </a:p>
         </p:txBody>
       </p:sp>
@@ -16390,7 +15691,7 @@
         </p:nvSpPr>
         <p:spPr>
           <a:xfrm>
-            <a:off x="4565075" y="2876550"/>
+            <a:off x="4588888" y="1147741"/>
             <a:ext cx="4343400" cy="1754326"/>
           </a:xfrm>
           <a:prstGeom prst="rect">
@@ -16417,6 +15718,176 @@
             <a:r>
               <a:rPr lang="en-US" sz="1200" dirty="0"/>
               <a:t>, MLP)</a:t>
+            </a:r>
+          </a:p>
+          <a:p>
+            <a:r>
+              <a:rPr lang="en-US" sz="1200" dirty="0"/>
+              <a:t>-</a:t>
+            </a:r>
+          </a:p>
+          <a:p>
+            <a:r>
+              <a:rPr lang="en-US" sz="1200" dirty="0"/>
+              <a:t>-</a:t>
+            </a:r>
+          </a:p>
+          <a:p>
+            <a:r>
+              <a:rPr lang="en-US" sz="1200" dirty="0"/>
+              <a:t>-</a:t>
+            </a:r>
+          </a:p>
+          <a:p>
+            <a:r>
+              <a:rPr lang="en-US" sz="1200" dirty="0"/>
+              <a:t>-</a:t>
+            </a:r>
+          </a:p>
+          <a:p>
+            <a:r>
+              <a:rPr lang="en-US" sz="1200" dirty="0"/>
+              <a:t>-</a:t>
+            </a:r>
+          </a:p>
+          <a:p>
+            <a:r>
+              <a:rPr lang="en-US" sz="1200" dirty="0"/>
+              <a:t>-</a:t>
+            </a:r>
+          </a:p>
+          <a:p>
+            <a:r>
+              <a:rPr lang="en-US" sz="1200" dirty="0"/>
+              <a:t>-</a:t>
+            </a:r>
+          </a:p>
+          <a:p>
+            <a:r>
+              <a:rPr lang="en-US" sz="1200" dirty="0"/>
+              <a:t>-</a:t>
+            </a:r>
+          </a:p>
+        </p:txBody>
+      </p:sp>
+      <p:sp>
+        <p:nvSpPr>
+          <p:cNvPr id="11" name="Textfeld 10">
+            <a:extLst>
+              <a:ext uri="{FF2B5EF4-FFF2-40B4-BE49-F238E27FC236}">
+                <a16:creationId xmlns:a16="http://schemas.microsoft.com/office/drawing/2014/main" id="{35AC3D24-F629-4071-A665-696732D4C98C}"/>
+              </a:ext>
+            </a:extLst>
+          </p:cNvPr>
+          <p:cNvSpPr txBox="1"/>
+          <p:nvPr/>
+        </p:nvSpPr>
+        <p:spPr>
+          <a:xfrm>
+            <a:off x="176213" y="2981220"/>
+            <a:ext cx="4322616" cy="1754326"/>
+          </a:xfrm>
+          <a:prstGeom prst="rect">
+            <a:avLst/>
+          </a:prstGeom>
+          <a:solidFill>
+            <a:srgbClr val="FAE38E"/>
+          </a:solidFill>
+        </p:spPr>
+        <p:txBody>
+          <a:bodyPr wrap="square" rtlCol="0">
+            <a:spAutoFit/>
+          </a:bodyPr>
+          <a:lstStyle/>
+          <a:p>
+            <a:r>
+              <a:rPr lang="en-US" sz="1200" dirty="0"/>
+              <a:t> (Topic 7) Model predictions and -performance </a:t>
+            </a:r>
+          </a:p>
+          <a:p>
+            <a:r>
+              <a:rPr lang="en-US" sz="1200" dirty="0"/>
+              <a:t>-</a:t>
+            </a:r>
+          </a:p>
+          <a:p>
+            <a:r>
+              <a:rPr lang="en-US" sz="1200" dirty="0"/>
+              <a:t>-</a:t>
+            </a:r>
+          </a:p>
+          <a:p>
+            <a:r>
+              <a:rPr lang="en-US" sz="1200" dirty="0"/>
+              <a:t>-</a:t>
+            </a:r>
+          </a:p>
+          <a:p>
+            <a:r>
+              <a:rPr lang="en-US" sz="1200" dirty="0"/>
+              <a:t>-</a:t>
+            </a:r>
+          </a:p>
+          <a:p>
+            <a:r>
+              <a:rPr lang="en-US" sz="1200" dirty="0"/>
+              <a:t>-</a:t>
+            </a:r>
+          </a:p>
+          <a:p>
+            <a:r>
+              <a:rPr lang="en-US" sz="1200" dirty="0"/>
+              <a:t>-</a:t>
+            </a:r>
+          </a:p>
+          <a:p>
+            <a:r>
+              <a:rPr lang="en-US" sz="1200" dirty="0"/>
+              <a:t>-</a:t>
+            </a:r>
+          </a:p>
+          <a:p>
+            <a:r>
+              <a:rPr lang="en-US" sz="1200" dirty="0"/>
+              <a:t>-</a:t>
+            </a:r>
+          </a:p>
+        </p:txBody>
+      </p:sp>
+      <p:sp>
+        <p:nvSpPr>
+          <p:cNvPr id="14" name="Textfeld 13">
+            <a:extLst>
+              <a:ext uri="{FF2B5EF4-FFF2-40B4-BE49-F238E27FC236}">
+                <a16:creationId xmlns:a16="http://schemas.microsoft.com/office/drawing/2014/main" id="{D2DA87D1-5390-4921-AE0B-E0F975F17B8F}"/>
+              </a:ext>
+            </a:extLst>
+          </p:cNvPr>
+          <p:cNvSpPr txBox="1"/>
+          <p:nvPr/>
+        </p:nvSpPr>
+        <p:spPr>
+          <a:xfrm>
+            <a:off x="4608368" y="2981220"/>
+            <a:ext cx="4341092" cy="1754326"/>
+          </a:xfrm>
+          <a:prstGeom prst="rect">
+            <a:avLst/>
+          </a:prstGeom>
+          <a:solidFill>
+            <a:srgbClr val="FAE38E"/>
+          </a:solidFill>
+        </p:spPr>
+        <p:txBody>
+          <a:bodyPr wrap="square" rtlCol="0">
+            <a:spAutoFit/>
+          </a:bodyPr>
+          <a:lstStyle/>
+          <a:p>
+            <a:r>
+              <a:rPr lang="en-US" sz="1200" dirty="0"/>
+              <a:t> (Topic 8) Model deployment with flask and Python</a:t>
             </a:r>
           </a:p>
           <a:p>
@@ -17310,19 +16781,19 @@
 </file>
 
 <file path=customXml/item1.xml><?xml version="1.0" encoding="utf-8"?>
-<VariableList UniqueId="f9d12240-e4e0-447c-a279-5cfbdc1d54bc" Name="System" ContentType="XML" MajorVersion="0" MinorVersion="1" isLocalCopy="False" IsBaseObject="False" DataSourceId="e900a022-2ee3-47aa-95bc-cf4962dd15bc" DataSourceMajorVersion="0" DataSourceMinorVersion="1"/>
+<VariableListDefinition name="Computed" displayName="Computed" id="145657b4-b8f5-4796-b4d6-5ad0202156cb" isdomainofvalue="False" dataSourceId="d047bc2d-ea0e-4827-9c6c-eda3deaf492a"/>
 </file>
 
 <file path=customXml/item2.xml><?xml version="1.0" encoding="utf-8"?>
-<VariableListDefinition name="Computed" displayName="Computed" id="145657b4-b8f5-4796-b4d6-5ad0202156cb" isdomainofvalue="False" dataSourceId="d047bc2d-ea0e-4827-9c6c-eda3deaf492a"/>
+<VariableList UniqueId="cbf17c5a-5824-4c10-889d-65c6df0b3ad2" Name="AD_HOC" ContentType="XML" MajorVersion="0" MinorVersion="1" isLocalCopy="False" IsBaseObject="False" DataSourceId="fa42598e-4842-4137-85b3-bc234252d283" DataSourceMajorVersion="0" DataSourceMinorVersion="1"/>
 </file>
 
 <file path=customXml/item3.xml><?xml version="1.0" encoding="utf-8"?>
-<VariableListDefinition name="System" displayName="System" id="f9d12240-e4e0-447c-a279-5cfbdc1d54bc" isdomainofvalue="False" dataSourceId="e900a022-2ee3-47aa-95bc-cf4962dd15bc"/>
+<VariableList UniqueId="145657b4-b8f5-4796-b4d6-5ad0202156cb" Name="Computed" ContentType="XML" MajorVersion="0" MinorVersion="1" isLocalCopy="False" IsBaseObject="False" DataSourceId="d047bc2d-ea0e-4827-9c6c-eda3deaf492a" DataSourceMajorVersion="0" DataSourceMinorVersion="1"/>
 </file>
 
 <file path=customXml/item4.xml><?xml version="1.0" encoding="utf-8"?>
-<VariableList UniqueId="cbf17c5a-5824-4c10-889d-65c6df0b3ad2" Name="AD_HOC" ContentType="XML" MajorVersion="0" MinorVersion="1" isLocalCopy="False" IsBaseObject="False" DataSourceId="fa42598e-4842-4137-85b3-bc234252d283" DataSourceMajorVersion="0" DataSourceMinorVersion="1"/>
+<VariableListDefinition name="System" displayName="System" id="f9d12240-e4e0-447c-a279-5cfbdc1d54bc" isdomainofvalue="False" dataSourceId="e900a022-2ee3-47aa-95bc-cf4962dd15bc"/>
 </file>
 
 <file path=customXml/item5.xml><?xml version="1.0" encoding="utf-8"?>
@@ -17334,29 +16805,29 @@
 </file>
 
 <file path=customXml/item7.xml><?xml version="1.0" encoding="utf-8"?>
-<VariableList UniqueId="145657b4-b8f5-4796-b4d6-5ad0202156cb" Name="Computed" ContentType="XML" MajorVersion="0" MinorVersion="1" isLocalCopy="False" IsBaseObject="False" DataSourceId="d047bc2d-ea0e-4827-9c6c-eda3deaf492a" DataSourceMajorVersion="0" DataSourceMinorVersion="1"/>
+<VariableList UniqueId="f9d12240-e4e0-447c-a279-5cfbdc1d54bc" Name="System" ContentType="XML" MajorVersion="0" MinorVersion="1" isLocalCopy="False" IsBaseObject="False" DataSourceId="e900a022-2ee3-47aa-95bc-cf4962dd15bc" DataSourceMajorVersion="0" DataSourceMinorVersion="1"/>
 </file>
 
 <file path=customXml/itemProps1.xml><?xml version="1.0" encoding="utf-8"?>
-<ds:datastoreItem xmlns:ds="http://schemas.openxmlformats.org/officeDocument/2006/customXml" ds:itemID="{76A0325B-5F5F-43A2-8090-4A18AFB661F6}">
+<ds:datastoreItem xmlns:ds="http://schemas.openxmlformats.org/officeDocument/2006/customXml" ds:itemID="{EA62E2AA-386B-4B90-8CBA-CD0EE7FB646E}">
   <ds:schemaRefs/>
 </ds:datastoreItem>
 </file>
 
 <file path=customXml/itemProps2.xml><?xml version="1.0" encoding="utf-8"?>
-<ds:datastoreItem xmlns:ds="http://schemas.openxmlformats.org/officeDocument/2006/customXml" ds:itemID="{EA62E2AA-386B-4B90-8CBA-CD0EE7FB646E}">
+<ds:datastoreItem xmlns:ds="http://schemas.openxmlformats.org/officeDocument/2006/customXml" ds:itemID="{C2C751EE-D757-44D7-B62C-B1794CD6BE59}">
   <ds:schemaRefs/>
 </ds:datastoreItem>
 </file>
 
 <file path=customXml/itemProps3.xml><?xml version="1.0" encoding="utf-8"?>
-<ds:datastoreItem xmlns:ds="http://schemas.openxmlformats.org/officeDocument/2006/customXml" ds:itemID="{76F94A71-2C14-4177-8C82-6A59E103E987}">
+<ds:datastoreItem xmlns:ds="http://schemas.openxmlformats.org/officeDocument/2006/customXml" ds:itemID="{17A2846B-FC8E-49C9-8A38-DC56ED4E9F42}">
   <ds:schemaRefs/>
 </ds:datastoreItem>
 </file>
 
 <file path=customXml/itemProps4.xml><?xml version="1.0" encoding="utf-8"?>
-<ds:datastoreItem xmlns:ds="http://schemas.openxmlformats.org/officeDocument/2006/customXml" ds:itemID="{C2C751EE-D757-44D7-B62C-B1794CD6BE59}">
+<ds:datastoreItem xmlns:ds="http://schemas.openxmlformats.org/officeDocument/2006/customXml" ds:itemID="{76F94A71-2C14-4177-8C82-6A59E103E987}">
   <ds:schemaRefs/>
 </ds:datastoreItem>
 </file>
@@ -17374,7 +16845,7 @@
 </file>
 
 <file path=customXml/itemProps7.xml><?xml version="1.0" encoding="utf-8"?>
-<ds:datastoreItem xmlns:ds="http://schemas.openxmlformats.org/officeDocument/2006/customXml" ds:itemID="{17A2846B-FC8E-49C9-8A38-DC56ED4E9F42}">
+<ds:datastoreItem xmlns:ds="http://schemas.openxmlformats.org/officeDocument/2006/customXml" ds:itemID="{76A0325B-5F5F-43A2-8090-4A18AFB661F6}">
   <ds:schemaRefs/>
 </ds:datastoreItem>
 </file>
--- a/Credit_Risk_Modeling/Slides_Credit_Risk_Modeling_Workshop_EN.pptx
+++ b/Credit_Risk_Modeling/Slides_Credit_Risk_Modeling_Workshop_EN.pptx
@@ -27,13 +27,13 @@
   <p:sldSz cx="9144000" cy="5143500" type="screen16x9"/>
   <p:notesSz cx="7099300" cy="10234613"/>
   <p:custDataLst>
-    <p:custData r:id="rId3"/>
+    <p:custData r:id="rId4"/>
     <p:custData r:id="rId6"/>
     <p:custData r:id="rId5"/>
+    <p:custData r:id="rId3"/>
+    <p:custData r:id="rId2"/>
     <p:custData r:id="rId7"/>
-    <p:custData r:id="rId4"/>
     <p:custData r:id="rId1"/>
-    <p:custData r:id="rId2"/>
   </p:custDataLst>
   <p:defaultTextStyle>
     <a:defPPr>
@@ -271,7 +271,7 @@
             <a:fld id="{AA48851D-549D-4785-8040-D1740898315D}" type="datetime1">
               <a:rPr lang="de-CH" smtClean="0"/>
               <a:pPr/>
-              <a:t>05.07.2022</a:t>
+              <a:t>07.07.2022</a:t>
             </a:fld>
             <a:endParaRPr lang="fr-FR" dirty="0"/>
           </a:p>
@@ -438,7 +438,7 @@
             <a:fld id="{1C03A998-303B-4F86-9947-A49AF14B2D3A}" type="datetimeFigureOut">
               <a:rPr lang="fr-FR" smtClean="0"/>
               <a:pPr/>
-              <a:t>05/07/2022</a:t>
+              <a:t>07/07/2022</a:t>
             </a:fld>
             <a:endParaRPr lang="fr-FR" dirty="0"/>
           </a:p>
@@ -11800,14 +11800,14 @@
           <p:nvPr>
             <p:extLst>
               <p:ext uri="{D42A27DB-BD31-4B8C-83A1-F6EECF244321}">
-                <p14:modId xmlns:p14="http://schemas.microsoft.com/office/powerpoint/2010/main" val="2082565401"/>
+                <p14:modId xmlns:p14="http://schemas.microsoft.com/office/powerpoint/2010/main" val="2125065885"/>
               </p:ext>
             </p:extLst>
           </p:nvPr>
         </p:nvGraphicFramePr>
         <p:xfrm>
           <a:off x="175490" y="1428751"/>
-          <a:ext cx="8739910" cy="2294706"/>
+          <a:ext cx="8739910" cy="1968135"/>
         </p:xfrm>
         <a:graphic>
           <a:graphicData uri="http://schemas.openxmlformats.org/drawingml/2006/table">
@@ -11884,7 +11884,7 @@
                     <a:p>
                       <a:r>
                         <a:rPr lang="de-CH" sz="1400" dirty="0"/>
-                        <a:t>  9:00 – 10:00</a:t>
+                        <a:t>11:00 – 12:00</a:t>
                       </a:r>
                     </a:p>
                   </a:txBody>
@@ -11958,7 +11958,7 @@
                     <a:p>
                       <a:r>
                         <a:rPr lang="de-CH" sz="1400" dirty="0"/>
-                        <a:t>11:00 – 12:00</a:t>
+                        <a:t>12:00 – 13:00</a:t>
                       </a:r>
                     </a:p>
                   </a:txBody>
@@ -11969,6 +11969,56 @@
                     <a:bodyPr/>
                     <a:lstStyle/>
                     <a:p>
+                      <a:r>
+                        <a:rPr lang="de-CH" sz="1400" dirty="0"/>
+                        <a:t>Lunch break</a:t>
+                      </a:r>
+                    </a:p>
+                  </a:txBody>
+                  <a:tcPr/>
+                </a:tc>
+                <a:extLst>
+                  <a:ext uri="{0D108BD9-81ED-4DB2-BD59-A6C34878D82A}">
+                    <a16:rowId xmlns:a16="http://schemas.microsoft.com/office/drawing/2014/main" val="2165372956"/>
+                  </a:ext>
+                </a:extLst>
+              </a:tr>
+              <a:tr h="326571">
+                <a:tc>
+                  <a:txBody>
+                    <a:bodyPr/>
+                    <a:lstStyle/>
+                    <a:p>
+                      <a:r>
+                        <a:rPr lang="de-CH" sz="1400" dirty="0"/>
+                        <a:t>13:00 – 14:00</a:t>
+                      </a:r>
+                    </a:p>
+                  </a:txBody>
+                  <a:tcPr/>
+                </a:tc>
+                <a:tc>
+                  <a:txBody>
+                    <a:bodyPr/>
+                    <a:lstStyle/>
+                    <a:p>
+                      <a:pPr marL="0" marR="0" lvl="0" indent="0" algn="l" defTabSz="778993" rtl="0" eaLnBrk="1" fontAlgn="auto" latinLnBrk="0" hangingPunct="1">
+                        <a:lnSpc>
+                          <a:spcPct val="100000"/>
+                        </a:lnSpc>
+                        <a:spcBef>
+                          <a:spcPts val="0"/>
+                        </a:spcBef>
+                        <a:spcAft>
+                          <a:spcPts val="0"/>
+                        </a:spcAft>
+                        <a:buClrTx/>
+                        <a:buSzTx/>
+                        <a:buFontTx/>
+                        <a:buNone/>
+                        <a:tabLst/>
+                        <a:defRPr/>
+                      </a:pPr>
                       <a:r>
                         <a:rPr lang="en-US" sz="1400" dirty="0"/>
                         <a:t>Working in groups on the tasks; technical sessions</a:t>
@@ -11992,7 +12042,7 @@
                     <a:p>
                       <a:r>
                         <a:rPr lang="de-CH" sz="1400" dirty="0"/>
-                        <a:t>12:00 – 13:00</a:t>
+                        <a:t>14:00 – 15:00</a:t>
                       </a:r>
                     </a:p>
                   </a:txBody>
@@ -12003,39 +12053,23 @@
                     <a:bodyPr/>
                     <a:lstStyle/>
                     <a:p>
-                      <a:r>
-                        <a:rPr lang="de-CH" sz="1400" dirty="0"/>
-                        <a:t>Lunch break</a:t>
-                      </a:r>
-                    </a:p>
-                  </a:txBody>
-                  <a:tcPr/>
-                </a:tc>
-                <a:extLst>
-                  <a:ext uri="{0D108BD9-81ED-4DB2-BD59-A6C34878D82A}">
-                    <a16:rowId xmlns:a16="http://schemas.microsoft.com/office/drawing/2014/main" val="1251750785"/>
-                  </a:ext>
-                </a:extLst>
-              </a:tr>
-              <a:tr h="326571">
-                <a:tc>
-                  <a:txBody>
-                    <a:bodyPr/>
-                    <a:lstStyle/>
-                    <a:p>
-                      <a:r>
-                        <a:rPr lang="de-CH" sz="1400" dirty="0"/>
-                        <a:t>13:00 – 14:00</a:t>
-                      </a:r>
-                    </a:p>
-                  </a:txBody>
-                  <a:tcPr/>
-                </a:tc>
-                <a:tc>
-                  <a:txBody>
-                    <a:bodyPr/>
-                    <a:lstStyle/>
-                    <a:p>
+                      <a:pPr marL="0" marR="0" lvl="0" indent="0" algn="l" defTabSz="778993" rtl="0" eaLnBrk="1" fontAlgn="auto" latinLnBrk="0" hangingPunct="1">
+                        <a:lnSpc>
+                          <a:spcPct val="100000"/>
+                        </a:lnSpc>
+                        <a:spcBef>
+                          <a:spcPts val="0"/>
+                        </a:spcBef>
+                        <a:spcAft>
+                          <a:spcPts val="0"/>
+                        </a:spcAft>
+                        <a:buClrTx/>
+                        <a:buSzTx/>
+                        <a:buFontTx/>
+                        <a:buNone/>
+                        <a:tabLst/>
+                        <a:defRPr/>
+                      </a:pPr>
                       <a:r>
                         <a:rPr lang="en-US" sz="1400" dirty="0"/>
                         <a:t>Working in groups on the tasks; technical sessions</a:t>
@@ -12047,41 +12081,7 @@
                 </a:tc>
                 <a:extLst>
                   <a:ext uri="{0D108BD9-81ED-4DB2-BD59-A6C34878D82A}">
-                    <a16:rowId xmlns:a16="http://schemas.microsoft.com/office/drawing/2014/main" val="3671638440"/>
-                  </a:ext>
-                </a:extLst>
-              </a:tr>
-              <a:tr h="326571">
-                <a:tc>
-                  <a:txBody>
-                    <a:bodyPr/>
-                    <a:lstStyle/>
-                    <a:p>
-                      <a:r>
-                        <a:rPr lang="de-CH" sz="1400" dirty="0"/>
-                        <a:t>14:00 – 15:00</a:t>
-                      </a:r>
-                    </a:p>
-                  </a:txBody>
-                  <a:tcPr/>
-                </a:tc>
-                <a:tc>
-                  <a:txBody>
-                    <a:bodyPr/>
-                    <a:lstStyle/>
-                    <a:p>
-                      <a:r>
-                        <a:rPr lang="en-US" sz="1400" dirty="0"/>
-                        <a:t>Working in groups on the tasks; technical sessions</a:t>
-                      </a:r>
-                      <a:endParaRPr lang="de-CH" sz="1400" dirty="0"/>
-                    </a:p>
-                  </a:txBody>
-                  <a:tcPr/>
-                </a:tc>
-                <a:extLst>
-                  <a:ext uri="{0D108BD9-81ED-4DB2-BD59-A6C34878D82A}">
-                    <a16:rowId xmlns:a16="http://schemas.microsoft.com/office/drawing/2014/main" val="67440105"/>
+                    <a16:rowId xmlns:a16="http://schemas.microsoft.com/office/drawing/2014/main" val="1251750785"/>
                   </a:ext>
                 </a:extLst>
               </a:tr>
@@ -12104,6 +12104,23 @@
                     <a:bodyPr/>
                     <a:lstStyle/>
                     <a:p>
+                      <a:pPr marL="0" marR="0" lvl="0" indent="0" algn="l" defTabSz="778993" rtl="0" eaLnBrk="1" fontAlgn="auto" latinLnBrk="0" hangingPunct="1">
+                        <a:lnSpc>
+                          <a:spcPct val="100000"/>
+                        </a:lnSpc>
+                        <a:spcBef>
+                          <a:spcPts val="0"/>
+                        </a:spcBef>
+                        <a:spcAft>
+                          <a:spcPts val="0"/>
+                        </a:spcAft>
+                        <a:buClrTx/>
+                        <a:buSzTx/>
+                        <a:buFontTx/>
+                        <a:buNone/>
+                        <a:tabLst/>
+                        <a:defRPr/>
+                      </a:pPr>
                       <a:r>
                         <a:rPr lang="de-CH" sz="1400" dirty="0" err="1"/>
                         <a:t>Presentation</a:t>
@@ -12118,7 +12135,7 @@
                       </a:r>
                       <a:r>
                         <a:rPr lang="de-CH" sz="1400" dirty="0"/>
-                        <a:t> (ca. 10-12 min. per </a:t>
+                        <a:t> (ca. 10 min. per </a:t>
                       </a:r>
                       <a:r>
                         <a:rPr lang="de-CH" sz="1400" dirty="0" err="1"/>
@@ -12134,7 +12151,7 @@
                 </a:tc>
                 <a:extLst>
                   <a:ext uri="{0D108BD9-81ED-4DB2-BD59-A6C34878D82A}">
-                    <a16:rowId xmlns:a16="http://schemas.microsoft.com/office/drawing/2014/main" val="295231511"/>
+                    <a16:rowId xmlns:a16="http://schemas.microsoft.com/office/drawing/2014/main" val="3671638440"/>
                   </a:ext>
                 </a:extLst>
               </a:tr>
@@ -12156,7 +12173,7 @@
         </p:nvSpPr>
         <p:spPr>
           <a:xfrm>
-            <a:off x="90054" y="3767860"/>
+            <a:off x="180536" y="3486150"/>
             <a:ext cx="2438400" cy="276999"/>
           </a:xfrm>
           <a:prstGeom prst="rect">
@@ -16781,19 +16798,19 @@
 </file>
 
 <file path=customXml/item1.xml><?xml version="1.0" encoding="utf-8"?>
-<VariableListDefinition name="Computed" displayName="Computed" id="145657b4-b8f5-4796-b4d6-5ad0202156cb" isdomainofvalue="False" dataSourceId="d047bc2d-ea0e-4827-9c6c-eda3deaf492a"/>
+<VariableList UniqueId="cbf17c5a-5824-4c10-889d-65c6df0b3ad2" Name="AD_HOC" ContentType="XML" MajorVersion="0" MinorVersion="1" isLocalCopy="False" IsBaseObject="False" DataSourceId="fa42598e-4842-4137-85b3-bc234252d283" DataSourceMajorVersion="0" DataSourceMinorVersion="1"/>
 </file>
 
 <file path=customXml/item2.xml><?xml version="1.0" encoding="utf-8"?>
-<VariableList UniqueId="cbf17c5a-5824-4c10-889d-65c6df0b3ad2" Name="AD_HOC" ContentType="XML" MajorVersion="0" MinorVersion="1" isLocalCopy="False" IsBaseObject="False" DataSourceId="fa42598e-4842-4137-85b3-bc234252d283" DataSourceMajorVersion="0" DataSourceMinorVersion="1"/>
+<VariableListDefinition name="System" displayName="System" id="f9d12240-e4e0-447c-a279-5cfbdc1d54bc" isdomainofvalue="False" dataSourceId="e900a022-2ee3-47aa-95bc-cf4962dd15bc"/>
 </file>
 
 <file path=customXml/item3.xml><?xml version="1.0" encoding="utf-8"?>
-<VariableList UniqueId="145657b4-b8f5-4796-b4d6-5ad0202156cb" Name="Computed" ContentType="XML" MajorVersion="0" MinorVersion="1" isLocalCopy="False" IsBaseObject="False" DataSourceId="d047bc2d-ea0e-4827-9c6c-eda3deaf492a" DataSourceMajorVersion="0" DataSourceMinorVersion="1"/>
+<VariableList UniqueId="f9d12240-e4e0-447c-a279-5cfbdc1d54bc" Name="System" ContentType="XML" MajorVersion="0" MinorVersion="1" isLocalCopy="False" IsBaseObject="False" DataSourceId="e900a022-2ee3-47aa-95bc-cf4962dd15bc" DataSourceMajorVersion="0" DataSourceMinorVersion="1"/>
 </file>
 
 <file path=customXml/item4.xml><?xml version="1.0" encoding="utf-8"?>
-<VariableListDefinition name="System" displayName="System" id="f9d12240-e4e0-447c-a279-5cfbdc1d54bc" isdomainofvalue="False" dataSourceId="e900a022-2ee3-47aa-95bc-cf4962dd15bc"/>
+<VariableList UniqueId="145657b4-b8f5-4796-b4d6-5ad0202156cb" Name="Computed" ContentType="XML" MajorVersion="0" MinorVersion="1" isLocalCopy="False" IsBaseObject="False" DataSourceId="d047bc2d-ea0e-4827-9c6c-eda3deaf492a" DataSourceMajorVersion="0" DataSourceMinorVersion="1"/>
 </file>
 
 <file path=customXml/item5.xml><?xml version="1.0" encoding="utf-8"?>
@@ -16805,29 +16822,29 @@
 </file>
 
 <file path=customXml/item7.xml><?xml version="1.0" encoding="utf-8"?>
-<VariableList UniqueId="f9d12240-e4e0-447c-a279-5cfbdc1d54bc" Name="System" ContentType="XML" MajorVersion="0" MinorVersion="1" isLocalCopy="False" IsBaseObject="False" DataSourceId="e900a022-2ee3-47aa-95bc-cf4962dd15bc" DataSourceMajorVersion="0" DataSourceMinorVersion="1"/>
+<VariableListDefinition name="Computed" displayName="Computed" id="145657b4-b8f5-4796-b4d6-5ad0202156cb" isdomainofvalue="False" dataSourceId="d047bc2d-ea0e-4827-9c6c-eda3deaf492a"/>
 </file>
 
 <file path=customXml/itemProps1.xml><?xml version="1.0" encoding="utf-8"?>
-<ds:datastoreItem xmlns:ds="http://schemas.openxmlformats.org/officeDocument/2006/customXml" ds:itemID="{EA62E2AA-386B-4B90-8CBA-CD0EE7FB646E}">
+<ds:datastoreItem xmlns:ds="http://schemas.openxmlformats.org/officeDocument/2006/customXml" ds:itemID="{C2C751EE-D757-44D7-B62C-B1794CD6BE59}">
   <ds:schemaRefs/>
 </ds:datastoreItem>
 </file>
 
 <file path=customXml/itemProps2.xml><?xml version="1.0" encoding="utf-8"?>
-<ds:datastoreItem xmlns:ds="http://schemas.openxmlformats.org/officeDocument/2006/customXml" ds:itemID="{C2C751EE-D757-44D7-B62C-B1794CD6BE59}">
+<ds:datastoreItem xmlns:ds="http://schemas.openxmlformats.org/officeDocument/2006/customXml" ds:itemID="{76F94A71-2C14-4177-8C82-6A59E103E987}">
   <ds:schemaRefs/>
 </ds:datastoreItem>
 </file>
 
 <file path=customXml/itemProps3.xml><?xml version="1.0" encoding="utf-8"?>
-<ds:datastoreItem xmlns:ds="http://schemas.openxmlformats.org/officeDocument/2006/customXml" ds:itemID="{17A2846B-FC8E-49C9-8A38-DC56ED4E9F42}">
+<ds:datastoreItem xmlns:ds="http://schemas.openxmlformats.org/officeDocument/2006/customXml" ds:itemID="{76A0325B-5F5F-43A2-8090-4A18AFB661F6}">
   <ds:schemaRefs/>
 </ds:datastoreItem>
 </file>
 
 <file path=customXml/itemProps4.xml><?xml version="1.0" encoding="utf-8"?>
-<ds:datastoreItem xmlns:ds="http://schemas.openxmlformats.org/officeDocument/2006/customXml" ds:itemID="{76F94A71-2C14-4177-8C82-6A59E103E987}">
+<ds:datastoreItem xmlns:ds="http://schemas.openxmlformats.org/officeDocument/2006/customXml" ds:itemID="{17A2846B-FC8E-49C9-8A38-DC56ED4E9F42}">
   <ds:schemaRefs/>
 </ds:datastoreItem>
 </file>
@@ -16845,7 +16862,7 @@
 </file>
 
 <file path=customXml/itemProps7.xml><?xml version="1.0" encoding="utf-8"?>
-<ds:datastoreItem xmlns:ds="http://schemas.openxmlformats.org/officeDocument/2006/customXml" ds:itemID="{76A0325B-5F5F-43A2-8090-4A18AFB661F6}">
+<ds:datastoreItem xmlns:ds="http://schemas.openxmlformats.org/officeDocument/2006/customXml" ds:itemID="{EA62E2AA-386B-4B90-8CBA-CD0EE7FB646E}">
   <ds:schemaRefs/>
 </ds:datastoreItem>
 </file>